--- a/Mietspiegel_in_Polen.pptx
+++ b/Mietspiegel_in_Polen.pptx
@@ -227,7 +227,7 @@
           <a:p>
             <a:fld id="{370BC358-5E21-4225-AAAB-C421F7602083}" type="datetimeFigureOut">
               <a:rPr lang="de-DE" smtClean="0"/>
-              <a:t>22.12.2024</a:t>
+              <a:t>26.12.2024</a:t>
             </a:fld>
             <a:endParaRPr lang="de-DE"/>
           </a:p>
@@ -6506,6 +6506,701 @@
           </a:p>
         </p:txBody>
       </p:sp>
+      <p:graphicFrame>
+        <p:nvGraphicFramePr>
+          <p:cNvPr id="6" name="Tabelle 5">
+            <a:extLst>
+              <a:ext uri="{FF2B5EF4-FFF2-40B4-BE49-F238E27FC236}">
+                <a16:creationId xmlns:a16="http://schemas.microsoft.com/office/drawing/2014/main" id="{69C886FD-2A87-AF55-8F38-EA169A5A0CDB}"/>
+              </a:ext>
+            </a:extLst>
+          </p:cNvPr>
+          <p:cNvGraphicFramePr>
+            <a:graphicFrameLocks noGrp="1"/>
+          </p:cNvGraphicFramePr>
+          <p:nvPr>
+            <p:extLst>
+              <p:ext uri="{D42A27DB-BD31-4B8C-83A1-F6EECF244321}">
+                <p14:modId xmlns:p14="http://schemas.microsoft.com/office/powerpoint/2010/main" val="214838553"/>
+              </p:ext>
+            </p:extLst>
+          </p:nvPr>
+        </p:nvGraphicFramePr>
+        <p:xfrm>
+          <a:off x="620487" y="2072757"/>
+          <a:ext cx="11217728" cy="2201940"/>
+        </p:xfrm>
+        <a:graphic>
+          <a:graphicData uri="http://schemas.openxmlformats.org/drawingml/2006/table">
+            <a:tbl>
+              <a:tblPr firstRow="1" bandRow="1">
+                <a:tableStyleId>{5C22544A-7EE6-4342-B048-85BDC9FD1C3A}</a:tableStyleId>
+              </a:tblPr>
+              <a:tblGrid>
+                <a:gridCol w="2683310">
+                  <a:extLst>
+                    <a:ext uri="{9D8B030D-6E8A-4147-A177-3AD203B41FA5}">
+                      <a16:colId xmlns:a16="http://schemas.microsoft.com/office/drawing/2014/main" val="3179380618"/>
+                    </a:ext>
+                  </a:extLst>
+                </a:gridCol>
+                <a:gridCol w="2683310">
+                  <a:extLst>
+                    <a:ext uri="{9D8B030D-6E8A-4147-A177-3AD203B41FA5}">
+                      <a16:colId xmlns:a16="http://schemas.microsoft.com/office/drawing/2014/main" val="1288785911"/>
+                    </a:ext>
+                  </a:extLst>
+                </a:gridCol>
+                <a:gridCol w="2577717">
+                  <a:extLst>
+                    <a:ext uri="{9D8B030D-6E8A-4147-A177-3AD203B41FA5}">
+                      <a16:colId xmlns:a16="http://schemas.microsoft.com/office/drawing/2014/main" val="4052728086"/>
+                    </a:ext>
+                  </a:extLst>
+                </a:gridCol>
+                <a:gridCol w="3273391">
+                  <a:extLst>
+                    <a:ext uri="{9D8B030D-6E8A-4147-A177-3AD203B41FA5}">
+                      <a16:colId xmlns:a16="http://schemas.microsoft.com/office/drawing/2014/main" val="4214692568"/>
+                    </a:ext>
+                  </a:extLst>
+                </a:gridCol>
+              </a:tblGrid>
+              <a:tr h="643770">
+                <a:tc>
+                  <a:txBody>
+                    <a:bodyPr/>
+                    <a:lstStyle/>
+                    <a:p>
+                      <a:pPr algn="ctr"/>
+                      <a:r>
+                        <a:rPr lang="de-DE" dirty="0">
+                          <a:latin typeface="CMU Serif" panose="02000803000000000000" pitchFamily="2" charset="0"/>
+                          <a:ea typeface="CMU Serif" panose="02000803000000000000" pitchFamily="2" charset="0"/>
+                          <a:cs typeface="CMU Serif" panose="02000803000000000000" pitchFamily="2" charset="0"/>
+                        </a:rPr>
+                        <a:t>Modell</a:t>
+                      </a:r>
+                    </a:p>
+                    <a:p>
+                      <a:pPr algn="ctr"/>
+                      <a:endParaRPr lang="de-DE" dirty="0">
+                        <a:latin typeface="CMU Serif" panose="02000803000000000000" pitchFamily="2" charset="0"/>
+                        <a:ea typeface="CMU Serif" panose="02000803000000000000" pitchFamily="2" charset="0"/>
+                        <a:cs typeface="CMU Serif" panose="02000803000000000000" pitchFamily="2" charset="0"/>
+                      </a:endParaRPr>
+                    </a:p>
+                    <a:p>
+                      <a:pPr algn="ctr"/>
+                      <a:r>
+                        <a:rPr lang="de-DE" dirty="0">
+                          <a:latin typeface="CMU Serif" panose="02000803000000000000" pitchFamily="2" charset="0"/>
+                          <a:ea typeface="CMU Serif" panose="02000803000000000000" pitchFamily="2" charset="0"/>
+                          <a:cs typeface="CMU Serif" panose="02000803000000000000" pitchFamily="2" charset="0"/>
+                        </a:rPr>
+                        <a:t>Größe</a:t>
+                      </a:r>
+                    </a:p>
+                  </a:txBody>
+                  <a:tcPr/>
+                </a:tc>
+                <a:tc>
+                  <a:txBody>
+                    <a:bodyPr/>
+                    <a:lstStyle/>
+                    <a:p>
+                      <a:pPr marL="0" marR="0" lvl="0" indent="0" algn="ctr" defTabSz="914423" rtl="0" eaLnBrk="1" fontAlgn="auto" latinLnBrk="0" hangingPunct="1">
+                        <a:lnSpc>
+                          <a:spcPct val="100000"/>
+                        </a:lnSpc>
+                        <a:spcBef>
+                          <a:spcPts val="0"/>
+                        </a:spcBef>
+                        <a:spcAft>
+                          <a:spcPts val="0"/>
+                        </a:spcAft>
+                        <a:buClrTx/>
+                        <a:buSzTx/>
+                        <a:buFontTx/>
+                        <a:buNone/>
+                        <a:tabLst/>
+                        <a:defRPr/>
+                      </a:pPr>
+                      <a:r>
+                        <a:rPr lang="de-DE" dirty="0">
+                          <a:solidFill>
+                            <a:schemeClr val="bg1"/>
+                          </a:solidFill>
+                          <a:latin typeface="CMU Serif" panose="02000803000000000000" pitchFamily="2" charset="0"/>
+                          <a:ea typeface="CMU Serif" panose="02000803000000000000" pitchFamily="2" charset="0"/>
+                          <a:cs typeface="CMU Serif" panose="02000803000000000000" pitchFamily="2" charset="0"/>
+                        </a:rPr>
+                        <a:t>Lin. Modell mit Ausreißern</a:t>
+                      </a:r>
+                    </a:p>
+                    <a:p>
+                      <a:pPr algn="ctr"/>
+                      <a:endParaRPr lang="de-DE" dirty="0"/>
+                    </a:p>
+                  </a:txBody>
+                  <a:tcPr/>
+                </a:tc>
+                <a:tc>
+                  <a:txBody>
+                    <a:bodyPr/>
+                    <a:lstStyle/>
+                    <a:p>
+                      <a:pPr marL="0" marR="0" lvl="0" indent="0" algn="ctr" defTabSz="914423" rtl="0" eaLnBrk="1" fontAlgn="auto" latinLnBrk="0" hangingPunct="1">
+                        <a:lnSpc>
+                          <a:spcPct val="100000"/>
+                        </a:lnSpc>
+                        <a:spcBef>
+                          <a:spcPts val="0"/>
+                        </a:spcBef>
+                        <a:spcAft>
+                          <a:spcPts val="0"/>
+                        </a:spcAft>
+                        <a:buClrTx/>
+                        <a:buSzTx/>
+                        <a:buFontTx/>
+                        <a:buNone/>
+                        <a:tabLst/>
+                        <a:defRPr/>
+                      </a:pPr>
+                      <a:r>
+                        <a:rPr lang="de-DE" dirty="0">
+                          <a:solidFill>
+                            <a:schemeClr val="bg1"/>
+                          </a:solidFill>
+                          <a:latin typeface="CMU Serif" panose="02000803000000000000" pitchFamily="2" charset="0"/>
+                          <a:ea typeface="CMU Serif" panose="02000803000000000000" pitchFamily="2" charset="0"/>
+                          <a:cs typeface="CMU Serif" panose="02000803000000000000" pitchFamily="2" charset="0"/>
+                        </a:rPr>
+                        <a:t>Lin. Modell ohne Ausreißer</a:t>
+                      </a:r>
+                    </a:p>
+                    <a:p>
+                      <a:pPr algn="ctr"/>
+                      <a:endParaRPr lang="de-DE" dirty="0"/>
+                    </a:p>
+                  </a:txBody>
+                  <a:tcPr/>
+                </a:tc>
+                <a:tc>
+                  <a:txBody>
+                    <a:bodyPr/>
+                    <a:lstStyle/>
+                    <a:p>
+                      <a:pPr marL="0" marR="0" lvl="0" indent="0" algn="ctr" defTabSz="914423" rtl="0" eaLnBrk="1" fontAlgn="auto" latinLnBrk="0" hangingPunct="1">
+                        <a:lnSpc>
+                          <a:spcPct val="100000"/>
+                        </a:lnSpc>
+                        <a:spcBef>
+                          <a:spcPts val="0"/>
+                        </a:spcBef>
+                        <a:spcAft>
+                          <a:spcPts val="0"/>
+                        </a:spcAft>
+                        <a:buClrTx/>
+                        <a:buSzTx/>
+                        <a:buFontTx/>
+                        <a:buNone/>
+                        <a:tabLst/>
+                        <a:defRPr/>
+                      </a:pPr>
+                      <a:r>
+                        <a:rPr lang="de-DE" dirty="0">
+                          <a:solidFill>
+                            <a:schemeClr val="bg1"/>
+                          </a:solidFill>
+                          <a:latin typeface="CMU Serif" panose="02000803000000000000" pitchFamily="2" charset="0"/>
+                          <a:ea typeface="CMU Serif" panose="02000803000000000000" pitchFamily="2" charset="0"/>
+                          <a:cs typeface="CMU Serif" panose="02000803000000000000" pitchFamily="2" charset="0"/>
+                        </a:rPr>
+                        <a:t>Nicht Lin. Modell ohne Ausreißer</a:t>
+                      </a:r>
+                    </a:p>
+                    <a:p>
+                      <a:pPr algn="ctr"/>
+                      <a:r>
+                        <a:rPr lang="de-DE" b="0" dirty="0">
+                          <a:solidFill>
+                            <a:schemeClr val="bg1"/>
+                          </a:solidFill>
+                          <a:latin typeface="CMU Serif" panose="02000803000000000000" pitchFamily="2" charset="0"/>
+                          <a:ea typeface="CMU Serif" panose="02000803000000000000" pitchFamily="2" charset="0"/>
+                          <a:cs typeface="CMU Serif" panose="02000803000000000000" pitchFamily="2" charset="0"/>
+                        </a:rPr>
+                        <a:t>(Zielvariable log())</a:t>
+                      </a:r>
+                    </a:p>
+                  </a:txBody>
+                  <a:tcPr/>
+                </a:tc>
+                <a:extLst>
+                  <a:ext uri="{0D108BD9-81ED-4DB2-BD59-A6C34878D82A}">
+                    <a16:rowId xmlns:a16="http://schemas.microsoft.com/office/drawing/2014/main" val="3233927229"/>
+                  </a:ext>
+                </a:extLst>
+              </a:tr>
+              <a:tr h="643770">
+                <a:tc>
+                  <a:txBody>
+                    <a:bodyPr/>
+                    <a:lstStyle/>
+                    <a:p>
+                      <a:pPr algn="ctr"/>
+                      <a:r>
+                        <a:rPr lang="de-DE" dirty="0">
+                          <a:latin typeface="CMU Serif" panose="02000803000000000000" pitchFamily="2" charset="0"/>
+                          <a:ea typeface="CMU Serif" panose="02000803000000000000" pitchFamily="2" charset="0"/>
+                          <a:cs typeface="CMU Serif" panose="02000803000000000000" pitchFamily="2" charset="0"/>
+                        </a:rPr>
+                        <a:t>MAE</a:t>
+                      </a:r>
+                    </a:p>
+                  </a:txBody>
+                  <a:tcPr anchor="ctr"/>
+                </a:tc>
+                <a:tc>
+                  <a:txBody>
+                    <a:bodyPr/>
+                    <a:lstStyle/>
+                    <a:p>
+                      <a:pPr algn="ctr"/>
+                      <a:r>
+                        <a:rPr lang="de-DE" dirty="0">
+                          <a:latin typeface="CMU Serif" panose="02000803000000000000" pitchFamily="2" charset="0"/>
+                          <a:ea typeface="CMU Serif" panose="02000803000000000000" pitchFamily="2" charset="0"/>
+                          <a:cs typeface="CMU Serif" panose="02000803000000000000" pitchFamily="2" charset="0"/>
+                        </a:rPr>
+                        <a:t>188,534</a:t>
+                      </a:r>
+                    </a:p>
+                  </a:txBody>
+                  <a:tcPr anchor="ctr"/>
+                </a:tc>
+                <a:tc>
+                  <a:txBody>
+                    <a:bodyPr/>
+                    <a:lstStyle/>
+                    <a:p>
+                      <a:pPr algn="ctr"/>
+                      <a:r>
+                        <a:rPr lang="de-DE" dirty="0">
+                          <a:latin typeface="CMU Serif" panose="02000803000000000000" pitchFamily="2" charset="0"/>
+                          <a:ea typeface="CMU Serif" panose="02000803000000000000" pitchFamily="2" charset="0"/>
+                          <a:cs typeface="CMU Serif" panose="02000803000000000000" pitchFamily="2" charset="0"/>
+                        </a:rPr>
+                        <a:t>111,672</a:t>
+                      </a:r>
+                    </a:p>
+                  </a:txBody>
+                  <a:tcPr anchor="ctr"/>
+                </a:tc>
+                <a:tc>
+                  <a:txBody>
+                    <a:bodyPr/>
+                    <a:lstStyle/>
+                    <a:p>
+                      <a:pPr algn="ctr"/>
+                      <a:r>
+                        <a:rPr lang="de-DE" b="0" dirty="0">
+                          <a:solidFill>
+                            <a:schemeClr val="tx1"/>
+                          </a:solidFill>
+                          <a:latin typeface="CMU Serif" panose="02000803000000000000" pitchFamily="2" charset="0"/>
+                          <a:ea typeface="CMU Serif" panose="02000803000000000000" pitchFamily="2" charset="0"/>
+                          <a:cs typeface="CMU Serif" panose="02000803000000000000" pitchFamily="2" charset="0"/>
+                        </a:rPr>
+                        <a:t>110,087</a:t>
+                      </a:r>
+                    </a:p>
+                  </a:txBody>
+                  <a:tcPr anchor="ctr"/>
+                </a:tc>
+                <a:extLst>
+                  <a:ext uri="{0D108BD9-81ED-4DB2-BD59-A6C34878D82A}">
+                    <a16:rowId xmlns:a16="http://schemas.microsoft.com/office/drawing/2014/main" val="4134521733"/>
+                  </a:ext>
+                </a:extLst>
+              </a:tr>
+              <a:tr h="643770">
+                <a:tc>
+                  <a:txBody>
+                    <a:bodyPr/>
+                    <a:lstStyle/>
+                    <a:p>
+                      <a:pPr algn="ctr"/>
+                      <a:r>
+                        <a:rPr lang="de-DE" dirty="0">
+                          <a:latin typeface="CMU Serif" panose="02000803000000000000" pitchFamily="2" charset="0"/>
+                          <a:ea typeface="CMU Serif" panose="02000803000000000000" pitchFamily="2" charset="0"/>
+                          <a:cs typeface="CMU Serif" panose="02000803000000000000" pitchFamily="2" charset="0"/>
+                        </a:rPr>
+                        <a:t>Adj. R</a:t>
+                      </a:r>
+                      <a:r>
+                        <a:rPr lang="de-DE" baseline="30000" dirty="0">
+                          <a:latin typeface="CMU Serif" panose="02000803000000000000" pitchFamily="2" charset="0"/>
+                          <a:ea typeface="CMU Serif" panose="02000803000000000000" pitchFamily="2" charset="0"/>
+                          <a:cs typeface="CMU Serif" panose="02000803000000000000" pitchFamily="2" charset="0"/>
+                        </a:rPr>
+                        <a:t>2</a:t>
+                      </a:r>
+                    </a:p>
+                  </a:txBody>
+                  <a:tcPr anchor="ctr"/>
+                </a:tc>
+                <a:tc>
+                  <a:txBody>
+                    <a:bodyPr/>
+                    <a:lstStyle/>
+                    <a:p>
+                      <a:pPr algn="ctr"/>
+                      <a:r>
+                        <a:rPr lang="de-DE" dirty="0">
+                          <a:latin typeface="CMU Serif" panose="02000803000000000000" pitchFamily="2" charset="0"/>
+                          <a:ea typeface="CMU Serif" panose="02000803000000000000" pitchFamily="2" charset="0"/>
+                          <a:cs typeface="CMU Serif" panose="02000803000000000000" pitchFamily="2" charset="0"/>
+                        </a:rPr>
+                        <a:t>0,74067</a:t>
+                      </a:r>
+                    </a:p>
+                  </a:txBody>
+                  <a:tcPr anchor="ctr"/>
+                </a:tc>
+                <a:tc>
+                  <a:txBody>
+                    <a:bodyPr/>
+                    <a:lstStyle/>
+                    <a:p>
+                      <a:pPr algn="ctr"/>
+                      <a:r>
+                        <a:rPr lang="de-DE" dirty="0">
+                          <a:latin typeface="CMU Serif" panose="02000803000000000000" pitchFamily="2" charset="0"/>
+                          <a:ea typeface="CMU Serif" panose="02000803000000000000" pitchFamily="2" charset="0"/>
+                          <a:cs typeface="CMU Serif" panose="02000803000000000000" pitchFamily="2" charset="0"/>
+                        </a:rPr>
+                        <a:t>0,70506</a:t>
+                      </a:r>
+                    </a:p>
+                  </a:txBody>
+                  <a:tcPr anchor="ctr"/>
+                </a:tc>
+                <a:tc>
+                  <a:txBody>
+                    <a:bodyPr/>
+                    <a:lstStyle/>
+                    <a:p>
+                      <a:pPr algn="ctr"/>
+                      <a:r>
+                        <a:rPr lang="de-DE" b="0" dirty="0">
+                          <a:solidFill>
+                            <a:schemeClr val="tx1"/>
+                          </a:solidFill>
+                          <a:latin typeface="CMU Serif" panose="02000803000000000000" pitchFamily="2" charset="0"/>
+                          <a:ea typeface="CMU Serif" panose="02000803000000000000" pitchFamily="2" charset="0"/>
+                          <a:cs typeface="CMU Serif" panose="02000803000000000000" pitchFamily="2" charset="0"/>
+                        </a:rPr>
+                        <a:t>0,72844</a:t>
+                      </a:r>
+                    </a:p>
+                  </a:txBody>
+                  <a:tcPr anchor="ctr"/>
+                </a:tc>
+                <a:extLst>
+                  <a:ext uri="{0D108BD9-81ED-4DB2-BD59-A6C34878D82A}">
+                    <a16:rowId xmlns:a16="http://schemas.microsoft.com/office/drawing/2014/main" val="2600373173"/>
+                  </a:ext>
+                </a:extLst>
+              </a:tr>
+            </a:tbl>
+          </a:graphicData>
+        </a:graphic>
+      </p:graphicFrame>
+      <p:cxnSp>
+        <p:nvCxnSpPr>
+          <p:cNvPr id="8" name="Gerader Verbinder 7">
+            <a:extLst>
+              <a:ext uri="{FF2B5EF4-FFF2-40B4-BE49-F238E27FC236}">
+                <a16:creationId xmlns:a16="http://schemas.microsoft.com/office/drawing/2014/main" id="{763C01DD-DB4A-685B-C4AE-129BEDF3B71B}"/>
+              </a:ext>
+            </a:extLst>
+          </p:cNvPr>
+          <p:cNvCxnSpPr>
+            <a:cxnSpLocks/>
+          </p:cNvCxnSpPr>
+          <p:nvPr/>
+        </p:nvCxnSpPr>
+        <p:spPr>
+          <a:xfrm flipH="1" flipV="1">
+            <a:off x="620487" y="2072757"/>
+            <a:ext cx="2681513" cy="897316"/>
+          </a:xfrm>
+          <a:prstGeom prst="line">
+            <a:avLst/>
+          </a:prstGeom>
+          <a:ln>
+            <a:solidFill>
+              <a:schemeClr val="bg1"/>
+            </a:solidFill>
+          </a:ln>
+        </p:spPr>
+        <p:style>
+          <a:lnRef idx="1">
+            <a:schemeClr val="accent1"/>
+          </a:lnRef>
+          <a:fillRef idx="0">
+            <a:schemeClr val="accent1"/>
+          </a:fillRef>
+          <a:effectRef idx="0">
+            <a:schemeClr val="accent1"/>
+          </a:effectRef>
+          <a:fontRef idx="minor">
+            <a:schemeClr val="tx1"/>
+          </a:fontRef>
+        </p:style>
+      </p:cxnSp>
+      <p:sp>
+        <p:nvSpPr>
+          <p:cNvPr id="11" name="Textfeld 10">
+            <a:extLst>
+              <a:ext uri="{FF2B5EF4-FFF2-40B4-BE49-F238E27FC236}">
+                <a16:creationId xmlns:a16="http://schemas.microsoft.com/office/drawing/2014/main" id="{D1B0A8C6-656C-0BE6-84B2-2BCF5DB219A7}"/>
+              </a:ext>
+            </a:extLst>
+          </p:cNvPr>
+          <p:cNvSpPr txBox="1"/>
+          <p:nvPr/>
+        </p:nvSpPr>
+        <p:spPr>
+          <a:xfrm>
+            <a:off x="827314" y="4429669"/>
+            <a:ext cx="10537372" cy="646331"/>
+          </a:xfrm>
+          <a:prstGeom prst="rect">
+            <a:avLst/>
+          </a:prstGeom>
+          <a:noFill/>
+        </p:spPr>
+        <p:txBody>
+          <a:bodyPr wrap="square" rtlCol="0">
+            <a:spAutoFit/>
+          </a:bodyPr>
+          <a:lstStyle/>
+          <a:p>
+            <a:pPr algn="ctr"/>
+            <a:r>
+              <a:rPr lang="de-DE" dirty="0">
+                <a:solidFill>
+                  <a:schemeClr val="accent1"/>
+                </a:solidFill>
+                <a:latin typeface="CMU Serif" panose="02000803000000000000" pitchFamily="2" charset="0"/>
+                <a:ea typeface="CMU Serif" panose="02000803000000000000" pitchFamily="2" charset="0"/>
+                <a:cs typeface="CMU Serif" panose="02000803000000000000" pitchFamily="2" charset="0"/>
+              </a:rPr>
+              <a:t>Weitere Transformierungen der Variablen, wie </a:t>
+            </a:r>
+            <a:r>
+              <a:rPr lang="de-DE" dirty="0" err="1">
+                <a:solidFill>
+                  <a:schemeClr val="accent1"/>
+                </a:solidFill>
+                <a:latin typeface="CMU Serif" panose="02000803000000000000" pitchFamily="2" charset="0"/>
+                <a:ea typeface="CMU Serif" panose="02000803000000000000" pitchFamily="2" charset="0"/>
+                <a:cs typeface="CMU Serif" panose="02000803000000000000" pitchFamily="2" charset="0"/>
+              </a:rPr>
+              <a:t>sqrt</a:t>
+            </a:r>
+            <a:r>
+              <a:rPr lang="de-DE" dirty="0">
+                <a:solidFill>
+                  <a:schemeClr val="accent1"/>
+                </a:solidFill>
+                <a:latin typeface="CMU Serif" panose="02000803000000000000" pitchFamily="2" charset="0"/>
+                <a:ea typeface="CMU Serif" panose="02000803000000000000" pitchFamily="2" charset="0"/>
+                <a:cs typeface="CMU Serif" panose="02000803000000000000" pitchFamily="2" charset="0"/>
+              </a:rPr>
+              <a:t>(), </a:t>
+            </a:r>
+            <a:r>
+              <a:rPr lang="de-DE" dirty="0" err="1">
+                <a:solidFill>
+                  <a:schemeClr val="accent1"/>
+                </a:solidFill>
+                <a:latin typeface="CMU Serif" panose="02000803000000000000" pitchFamily="2" charset="0"/>
+                <a:ea typeface="CMU Serif" panose="02000803000000000000" pitchFamily="2" charset="0"/>
+                <a:cs typeface="CMU Serif" panose="02000803000000000000" pitchFamily="2" charset="0"/>
+              </a:rPr>
+              <a:t>poly</a:t>
+            </a:r>
+            <a:r>
+              <a:rPr lang="de-DE" dirty="0">
+                <a:solidFill>
+                  <a:schemeClr val="accent1"/>
+                </a:solidFill>
+                <a:latin typeface="CMU Serif" panose="02000803000000000000" pitchFamily="2" charset="0"/>
+                <a:ea typeface="CMU Serif" panose="02000803000000000000" pitchFamily="2" charset="0"/>
+                <a:cs typeface="CMU Serif" panose="02000803000000000000" pitchFamily="2" charset="0"/>
+              </a:rPr>
+              <a:t>() des 2. Grades haben zu Verschlechterung des Modells geführt.</a:t>
+            </a:r>
+          </a:p>
+        </p:txBody>
+      </p:sp>
+      <p:sp>
+        <p:nvSpPr>
+          <p:cNvPr id="12" name="Textfeld 11">
+            <a:extLst>
+              <a:ext uri="{FF2B5EF4-FFF2-40B4-BE49-F238E27FC236}">
+                <a16:creationId xmlns:a16="http://schemas.microsoft.com/office/drawing/2014/main" id="{5BB7016D-C149-9CFB-CDE3-26344A60207D}"/>
+              </a:ext>
+            </a:extLst>
+          </p:cNvPr>
+          <p:cNvSpPr txBox="1"/>
+          <p:nvPr/>
+        </p:nvSpPr>
+        <p:spPr>
+          <a:xfrm>
+            <a:off x="1961243" y="5453345"/>
+            <a:ext cx="9712828" cy="369332"/>
+          </a:xfrm>
+          <a:prstGeom prst="rect">
+            <a:avLst/>
+          </a:prstGeom>
+          <a:noFill/>
+        </p:spPr>
+        <p:txBody>
+          <a:bodyPr wrap="square" rtlCol="0">
+            <a:spAutoFit/>
+          </a:bodyPr>
+          <a:lstStyle/>
+          <a:p>
+            <a:r>
+              <a:rPr lang="de-DE" dirty="0">
+                <a:solidFill>
+                  <a:schemeClr val="accent1"/>
+                </a:solidFill>
+                <a:latin typeface="CMU Serif" panose="02000803000000000000" pitchFamily="2" charset="0"/>
+                <a:ea typeface="CMU Serif" panose="02000803000000000000" pitchFamily="2" charset="0"/>
+                <a:cs typeface="CMU Serif" panose="02000803000000000000" pitchFamily="2" charset="0"/>
+              </a:rPr>
+              <a:t>Nicht Lineares Modell wurde gewählt.</a:t>
+            </a:r>
+          </a:p>
+        </p:txBody>
+      </p:sp>
+      <p:sp>
+        <p:nvSpPr>
+          <p:cNvPr id="13" name="Pfeil: nach rechts 12">
+            <a:extLst>
+              <a:ext uri="{FF2B5EF4-FFF2-40B4-BE49-F238E27FC236}">
+                <a16:creationId xmlns:a16="http://schemas.microsoft.com/office/drawing/2014/main" id="{55739ECD-6079-6637-0AF1-B8F84EA166B7}"/>
+              </a:ext>
+            </a:extLst>
+          </p:cNvPr>
+          <p:cNvSpPr/>
+          <p:nvPr/>
+        </p:nvSpPr>
+        <p:spPr>
+          <a:xfrm>
+            <a:off x="1257136" y="5496889"/>
+            <a:ext cx="604602" cy="206135"/>
+          </a:xfrm>
+          <a:prstGeom prst="rightArrow">
+            <a:avLst/>
+          </a:prstGeom>
+        </p:spPr>
+        <p:style>
+          <a:lnRef idx="2">
+            <a:schemeClr val="accent1">
+              <a:shade val="15000"/>
+            </a:schemeClr>
+          </a:lnRef>
+          <a:fillRef idx="1">
+            <a:schemeClr val="accent1"/>
+          </a:fillRef>
+          <a:effectRef idx="0">
+            <a:schemeClr val="accent1"/>
+          </a:effectRef>
+          <a:fontRef idx="minor">
+            <a:schemeClr val="lt1"/>
+          </a:fontRef>
+        </p:style>
+        <p:txBody>
+          <a:bodyPr rtlCol="0" anchor="ctr"/>
+          <a:lstStyle/>
+          <a:p>
+            <a:pPr algn="ctr"/>
+            <a:endParaRPr lang="de-DE"/>
+          </a:p>
+        </p:txBody>
+      </p:sp>
+      <p:sp>
+        <p:nvSpPr>
+          <p:cNvPr id="14" name="Textfeld 13">
+            <a:extLst>
+              <a:ext uri="{FF2B5EF4-FFF2-40B4-BE49-F238E27FC236}">
+                <a16:creationId xmlns:a16="http://schemas.microsoft.com/office/drawing/2014/main" id="{41745C37-EEAE-6E94-C7C5-5DEAAA3CA77F}"/>
+              </a:ext>
+            </a:extLst>
+          </p:cNvPr>
+          <p:cNvSpPr txBox="1"/>
+          <p:nvPr/>
+        </p:nvSpPr>
+        <p:spPr>
+          <a:xfrm>
+            <a:off x="692331" y="1482244"/>
+            <a:ext cx="10537372" cy="369332"/>
+          </a:xfrm>
+          <a:prstGeom prst="rect">
+            <a:avLst/>
+          </a:prstGeom>
+          <a:noFill/>
+        </p:spPr>
+        <p:txBody>
+          <a:bodyPr wrap="square" rtlCol="0">
+            <a:spAutoFit/>
+          </a:bodyPr>
+          <a:lstStyle/>
+          <a:p>
+            <a:r>
+              <a:rPr lang="de-DE" dirty="0">
+                <a:solidFill>
+                  <a:schemeClr val="accent1"/>
+                </a:solidFill>
+                <a:latin typeface="CMU Serif" panose="02000803000000000000" pitchFamily="2" charset="0"/>
+                <a:ea typeface="CMU Serif" panose="02000803000000000000" pitchFamily="2" charset="0"/>
+                <a:cs typeface="CMU Serif" panose="02000803000000000000" pitchFamily="2" charset="0"/>
+              </a:rPr>
+              <a:t>Mithilfe von Boxplot wurden 465 Ausreißer aus </a:t>
+            </a:r>
+            <a:r>
+              <a:rPr lang="de-DE" dirty="0" err="1">
+                <a:solidFill>
+                  <a:schemeClr val="accent1"/>
+                </a:solidFill>
+                <a:latin typeface="CMU Serif" panose="02000803000000000000" pitchFamily="2" charset="0"/>
+                <a:ea typeface="CMU Serif" panose="02000803000000000000" pitchFamily="2" charset="0"/>
+                <a:cs typeface="CMU Serif" panose="02000803000000000000" pitchFamily="2" charset="0"/>
+              </a:rPr>
+              <a:t>data$piceInEuro</a:t>
+            </a:r>
+            <a:r>
+              <a:rPr lang="de-DE" dirty="0">
+                <a:solidFill>
+                  <a:schemeClr val="accent1"/>
+                </a:solidFill>
+                <a:latin typeface="CMU Serif" panose="02000803000000000000" pitchFamily="2" charset="0"/>
+                <a:ea typeface="CMU Serif" panose="02000803000000000000" pitchFamily="2" charset="0"/>
+                <a:cs typeface="CMU Serif" panose="02000803000000000000" pitchFamily="2" charset="0"/>
+              </a:rPr>
+              <a:t> entfernt. </a:t>
+            </a:r>
+          </a:p>
+        </p:txBody>
+      </p:sp>
     </p:spTree>
     <p:extLst>
       <p:ext uri="{BB962C8B-B14F-4D97-AF65-F5344CB8AC3E}">

--- a/Mietspiegel_in_Polen.pptx
+++ b/Mietspiegel_in_Polen.pptx
@@ -7,15 +7,16 @@
     <p:sldMasterId id="2147483684" r:id="rId3"/>
   </p:sldMasterIdLst>
   <p:notesMasterIdLst>
-    <p:notesMasterId r:id="rId10"/>
+    <p:notesMasterId r:id="rId11"/>
   </p:notesMasterIdLst>
   <p:sldIdLst>
     <p:sldId id="309" r:id="rId4"/>
     <p:sldId id="261" r:id="rId5"/>
     <p:sldId id="315" r:id="rId6"/>
     <p:sldId id="316" r:id="rId7"/>
-    <p:sldId id="317" r:id="rId8"/>
-    <p:sldId id="314" r:id="rId9"/>
+    <p:sldId id="318" r:id="rId8"/>
+    <p:sldId id="317" r:id="rId9"/>
+    <p:sldId id="314" r:id="rId10"/>
   </p:sldIdLst>
   <p:sldSz cx="12192000" cy="6858000"/>
   <p:notesSz cx="6858000" cy="9144000"/>
@@ -227,7 +228,7 @@
           <a:p>
             <a:fld id="{370BC358-5E21-4225-AAAB-C421F7602083}" type="datetimeFigureOut">
               <a:rPr lang="de-DE" smtClean="0"/>
-              <a:t>26.12.2024</a:t>
+              <a:t>27.12.2024</a:t>
             </a:fld>
             <a:endParaRPr lang="de-DE"/>
           </a:p>
@@ -3744,7 +3745,7 @@
   <p:sldLayoutIdLst>
     <p:sldLayoutId id="2147483655" r:id="rId1"/>
   </p:sldLayoutIdLst>
-  <p:hf hdr="0"/>
+  <p:hf sldNum="0" hdr="0" ftr="0"/>
   <p:txStyles>
     <p:titleStyle>
       <a:lvl1pPr algn="l" defTabSz="914423" rtl="0" eaLnBrk="1" latinLnBrk="0" hangingPunct="1">
@@ -4073,7 +4074,7 @@
     <p:sldLayoutId id="2147483746" r:id="rId12"/>
     <p:sldLayoutId id="2147483744" r:id="rId13"/>
   </p:sldLayoutIdLst>
-  <p:hf hdr="0"/>
+  <p:hf sldNum="0" hdr="0" ftr="0"/>
   <p:txStyles>
     <p:titleStyle>
       <a:lvl1pPr algn="l" defTabSz="914423" rtl="0" eaLnBrk="1" latinLnBrk="0" hangingPunct="1">
@@ -4390,7 +4391,7 @@
   <p:sldLayoutIdLst>
     <p:sldLayoutId id="2147483685" r:id="rId1"/>
   </p:sldLayoutIdLst>
-  <p:hf hdr="0"/>
+  <p:hf sldNum="0" hdr="0" ftr="0"/>
   <p:txStyles>
     <p:titleStyle>
       <a:lvl1pPr algn="l" defTabSz="914423" rtl="0" eaLnBrk="1" latinLnBrk="0" hangingPunct="1">
@@ -4890,8 +4891,8 @@
           </a:bodyPr>
           <a:lstStyle/>
           <a:p>
-            <a:r>
-              <a:rPr lang="de-DE" dirty="0">
+            <a:fld id="{BE52D749-2839-497C-94DD-A2CA221E83C7}" type="datetime2">
+              <a:rPr lang="de-DE" smtClean="0">
                 <a:solidFill>
                   <a:schemeClr val="accent1"/>
                 </a:solidFill>
@@ -4899,8 +4900,16 @@
                 <a:ea typeface="CMU Serif" panose="02000803000000000000" pitchFamily="2" charset="0"/>
                 <a:cs typeface="CMU Serif" panose="02000803000000000000" pitchFamily="2" charset="0"/>
               </a:rPr>
-              <a:t>Sonntag, 22. Dezember 2024</a:t>
-            </a:r>
+              <a:t>Freitag, 27. Dezember 2024</a:t>
+            </a:fld>
+            <a:endParaRPr lang="de-DE" dirty="0">
+              <a:solidFill>
+                <a:schemeClr val="accent1"/>
+              </a:solidFill>
+              <a:latin typeface="CMU Serif" panose="02000803000000000000" pitchFamily="2" charset="0"/>
+              <a:ea typeface="CMU Serif" panose="02000803000000000000" pitchFamily="2" charset="0"/>
+              <a:cs typeface="CMU Serif" panose="02000803000000000000" pitchFamily="2" charset="0"/>
+            </a:endParaRPr>
           </a:p>
         </p:txBody>
       </p:sp>
@@ -6474,6 +6483,172 @@
           <p:cNvPr id="3" name="Textplatzhalter 1">
             <a:extLst>
               <a:ext uri="{FF2B5EF4-FFF2-40B4-BE49-F238E27FC236}">
+                <a16:creationId xmlns:a16="http://schemas.microsoft.com/office/drawing/2014/main" id="{00C17969-D457-05E1-DEC1-EABE1C8EFBD0}"/>
+              </a:ext>
+            </a:extLst>
+          </p:cNvPr>
+          <p:cNvSpPr>
+            <a:spLocks noGrp="1"/>
+          </p:cNvSpPr>
+          <p:nvPr>
+            <p:ph type="body" sz="quarter" idx="10"/>
+          </p:nvPr>
+        </p:nvSpPr>
+        <p:spPr>
+          <a:xfrm>
+            <a:off x="1825089" y="385818"/>
+            <a:ext cx="9008918" cy="724247"/>
+          </a:xfrm>
+        </p:spPr>
+        <p:txBody>
+          <a:bodyPr/>
+          <a:lstStyle/>
+          <a:p>
+            <a:r>
+              <a:rPr lang="de-DE" dirty="0">
+                <a:latin typeface="CMU Serif" panose="02000803000000000000" pitchFamily="2" charset="0"/>
+                <a:ea typeface="CMU Serif" panose="02000803000000000000" pitchFamily="2" charset="0"/>
+                <a:cs typeface="CMU Serif" panose="02000803000000000000" pitchFamily="2" charset="0"/>
+              </a:rPr>
+              <a:t>Aussortierte Variablen 3.</a:t>
+            </a:r>
+          </a:p>
+        </p:txBody>
+      </p:sp>
+      <p:sp>
+        <p:nvSpPr>
+          <p:cNvPr id="4" name="Textfeld 3">
+            <a:extLst>
+              <a:ext uri="{FF2B5EF4-FFF2-40B4-BE49-F238E27FC236}">
+                <a16:creationId xmlns:a16="http://schemas.microsoft.com/office/drawing/2014/main" id="{81CD61CF-36D0-572B-BE8F-FC8DA20B8ECF}"/>
+              </a:ext>
+            </a:extLst>
+          </p:cNvPr>
+          <p:cNvSpPr txBox="1"/>
+          <p:nvPr/>
+        </p:nvSpPr>
+        <p:spPr>
+          <a:xfrm>
+            <a:off x="827314" y="3139594"/>
+            <a:ext cx="10537372" cy="1200329"/>
+          </a:xfrm>
+          <a:prstGeom prst="rect">
+            <a:avLst/>
+          </a:prstGeom>
+          <a:noFill/>
+        </p:spPr>
+        <p:txBody>
+          <a:bodyPr wrap="square" rtlCol="0">
+            <a:spAutoFit/>
+          </a:bodyPr>
+          <a:lstStyle/>
+          <a:p>
+            <a:pPr marL="285750" indent="-285750" algn="ctr">
+              <a:buFont typeface="Arial" panose="020B0604020202020204" pitchFamily="34" charset="0"/>
+              <a:buChar char="•"/>
+            </a:pPr>
+            <a:r>
+              <a:rPr lang="de-DE" dirty="0">
+                <a:solidFill>
+                  <a:schemeClr val="accent1"/>
+                </a:solidFill>
+                <a:latin typeface="CMU Serif" panose="02000803000000000000" pitchFamily="2" charset="0"/>
+                <a:ea typeface="CMU Serif" panose="02000803000000000000" pitchFamily="2" charset="0"/>
+                <a:cs typeface="CMU Serif" panose="02000803000000000000" pitchFamily="2" charset="0"/>
+              </a:rPr>
+              <a:t>Mithilfe von Boxplot wurden 465 Ausreißer aus </a:t>
+            </a:r>
+            <a:r>
+              <a:rPr lang="de-DE" dirty="0" err="1">
+                <a:solidFill>
+                  <a:schemeClr val="accent1"/>
+                </a:solidFill>
+                <a:latin typeface="CMU Serif" panose="02000803000000000000" pitchFamily="2" charset="0"/>
+                <a:ea typeface="CMU Serif" panose="02000803000000000000" pitchFamily="2" charset="0"/>
+                <a:cs typeface="CMU Serif" panose="02000803000000000000" pitchFamily="2" charset="0"/>
+              </a:rPr>
+              <a:t>data$piceInEuro</a:t>
+            </a:r>
+            <a:r>
+              <a:rPr lang="de-DE" dirty="0">
+                <a:solidFill>
+                  <a:schemeClr val="accent1"/>
+                </a:solidFill>
+                <a:latin typeface="CMU Serif" panose="02000803000000000000" pitchFamily="2" charset="0"/>
+                <a:ea typeface="CMU Serif" panose="02000803000000000000" pitchFamily="2" charset="0"/>
+                <a:cs typeface="CMU Serif" panose="02000803000000000000" pitchFamily="2" charset="0"/>
+              </a:rPr>
+              <a:t> entfernt.</a:t>
+            </a:r>
+          </a:p>
+          <a:p>
+            <a:pPr marL="285750" indent="-285750" algn="ctr">
+              <a:buFont typeface="Arial" panose="020B0604020202020204" pitchFamily="34" charset="0"/>
+              <a:buChar char="•"/>
+            </a:pPr>
+            <a:endParaRPr lang="de-DE" dirty="0">
+              <a:solidFill>
+                <a:schemeClr val="accent1"/>
+              </a:solidFill>
+              <a:latin typeface="CMU Serif" panose="02000803000000000000" pitchFamily="2" charset="0"/>
+              <a:ea typeface="CMU Serif" panose="02000803000000000000" pitchFamily="2" charset="0"/>
+              <a:cs typeface="CMU Serif" panose="02000803000000000000" pitchFamily="2" charset="0"/>
+            </a:endParaRPr>
+          </a:p>
+          <a:p>
+            <a:pPr marL="285750" indent="-285750" algn="ctr">
+              <a:buFont typeface="Arial" panose="020B0604020202020204" pitchFamily="34" charset="0"/>
+              <a:buChar char="•"/>
+            </a:pPr>
+            <a:r>
+              <a:rPr lang="de-DE" dirty="0">
+                <a:solidFill>
+                  <a:schemeClr val="accent1"/>
+                </a:solidFill>
+                <a:latin typeface="CMU Serif" panose="02000803000000000000" pitchFamily="2" charset="0"/>
+                <a:ea typeface="CMU Serif" panose="02000803000000000000" pitchFamily="2" charset="0"/>
+                <a:cs typeface="CMU Serif" panose="02000803000000000000" pitchFamily="2" charset="0"/>
+              </a:rPr>
+              <a:t>Aus ursprünglichen 8850 Einträgen haben wir am Ende 5384 valide Einträge für unser Modell.  </a:t>
+            </a:r>
+          </a:p>
+        </p:txBody>
+      </p:sp>
+    </p:spTree>
+    <p:extLst>
+      <p:ext uri="{BB962C8B-B14F-4D97-AF65-F5344CB8AC3E}">
+        <p14:creationId xmlns:p14="http://schemas.microsoft.com/office/powerpoint/2010/main" val="1275420721"/>
+      </p:ext>
+    </p:extLst>
+  </p:cSld>
+  <p:clrMapOvr>
+    <a:masterClrMapping/>
+  </p:clrMapOvr>
+</p:sld>
+</file>
+
+<file path=ppt/slides/slide6.xml><?xml version="1.0" encoding="utf-8"?>
+<p:sld xmlns:a="http://schemas.openxmlformats.org/drawingml/2006/main" xmlns:r="http://schemas.openxmlformats.org/officeDocument/2006/relationships" xmlns:p="http://schemas.openxmlformats.org/presentationml/2006/main">
+  <p:cSld>
+    <p:spTree>
+      <p:nvGrpSpPr>
+        <p:cNvPr id="1" name=""/>
+        <p:cNvGrpSpPr/>
+        <p:nvPr/>
+      </p:nvGrpSpPr>
+      <p:grpSpPr>
+        <a:xfrm>
+          <a:off x="0" y="0"/>
+          <a:ext cx="0" cy="0"/>
+          <a:chOff x="0" y="0"/>
+          <a:chExt cx="0" cy="0"/>
+        </a:xfrm>
+      </p:grpSpPr>
+      <p:sp>
+        <p:nvSpPr>
+          <p:cNvPr id="3" name="Textplatzhalter 1">
+            <a:extLst>
+              <a:ext uri="{FF2B5EF4-FFF2-40B4-BE49-F238E27FC236}">
                 <a16:creationId xmlns:a16="http://schemas.microsoft.com/office/drawing/2014/main" id="{0B90A02B-7643-1CC1-D06D-F104398E8839}"/>
               </a:ext>
             </a:extLst>
@@ -6521,14 +6696,14 @@
           <p:nvPr>
             <p:extLst>
               <p:ext uri="{D42A27DB-BD31-4B8C-83A1-F6EECF244321}">
-                <p14:modId xmlns:p14="http://schemas.microsoft.com/office/powerpoint/2010/main" val="214838553"/>
+                <p14:modId xmlns:p14="http://schemas.microsoft.com/office/powerpoint/2010/main" val="3824551464"/>
               </p:ext>
             </p:extLst>
           </p:nvPr>
         </p:nvGraphicFramePr>
         <p:xfrm>
-          <a:off x="620487" y="2072757"/>
-          <a:ext cx="11217728" cy="2201940"/>
+          <a:off x="498025" y="2293191"/>
+          <a:ext cx="11217728" cy="2845710"/>
         </p:xfrm>
         <a:graphic>
           <a:graphicData uri="http://schemas.openxmlformats.org/drawingml/2006/table">
@@ -6915,6 +7090,93 @@
                   </a:ext>
                 </a:extLst>
               </a:tr>
+              <a:tr h="643770">
+                <a:tc>
+                  <a:txBody>
+                    <a:bodyPr/>
+                    <a:lstStyle/>
+                    <a:p>
+                      <a:pPr algn="ctr"/>
+                      <a:r>
+                        <a:rPr lang="de-DE" sz="1800" dirty="0">
+                          <a:latin typeface="CMU Serif" panose="02000803000000000000" pitchFamily="2" charset="0"/>
+                          <a:ea typeface="CMU Serif" panose="02000803000000000000" pitchFamily="2" charset="0"/>
+                          <a:cs typeface="CMU Serif" panose="02000803000000000000" pitchFamily="2" charset="0"/>
+                        </a:rPr>
+                        <a:t>RMSE</a:t>
+                      </a:r>
+                      <a:endParaRPr lang="de-DE" sz="1800" baseline="30000" dirty="0">
+                        <a:latin typeface="CMU Serif" panose="02000803000000000000" pitchFamily="2" charset="0"/>
+                        <a:ea typeface="CMU Serif" panose="02000803000000000000" pitchFamily="2" charset="0"/>
+                        <a:cs typeface="CMU Serif" panose="02000803000000000000" pitchFamily="2" charset="0"/>
+                      </a:endParaRPr>
+                    </a:p>
+                  </a:txBody>
+                  <a:tcPr anchor="ctr"/>
+                </a:tc>
+                <a:tc>
+                  <a:txBody>
+                    <a:bodyPr/>
+                    <a:lstStyle/>
+                    <a:p>
+                      <a:pPr algn="ctr"/>
+                      <a:r>
+                        <a:rPr lang="de-DE" dirty="0">
+                          <a:latin typeface="CMU Serif" panose="02000803000000000000" pitchFamily="2" charset="0"/>
+                          <a:ea typeface="CMU Serif" panose="02000803000000000000" pitchFamily="2" charset="0"/>
+                          <a:cs typeface="CMU Serif" panose="02000803000000000000" pitchFamily="2" charset="0"/>
+                        </a:rPr>
+                        <a:t>NA</a:t>
+                      </a:r>
+                    </a:p>
+                  </a:txBody>
+                  <a:tcPr anchor="ctr"/>
+                </a:tc>
+                <a:tc>
+                  <a:txBody>
+                    <a:bodyPr/>
+                    <a:lstStyle/>
+                    <a:p>
+                      <a:pPr algn="ctr"/>
+                      <a:r>
+                        <a:rPr lang="de-DE" dirty="0">
+                          <a:latin typeface="CMU Serif" panose="02000803000000000000" pitchFamily="2" charset="0"/>
+                          <a:ea typeface="CMU Serif" panose="02000803000000000000" pitchFamily="2" charset="0"/>
+                          <a:cs typeface="CMU Serif" panose="02000803000000000000" pitchFamily="2" charset="0"/>
+                        </a:rPr>
+                        <a:t>149,05339</a:t>
+                      </a:r>
+                    </a:p>
+                  </a:txBody>
+                  <a:tcPr anchor="ctr"/>
+                </a:tc>
+                <a:tc>
+                  <a:txBody>
+                    <a:bodyPr/>
+                    <a:lstStyle/>
+                    <a:p>
+                      <a:pPr algn="ctr"/>
+                      <a:r>
+                        <a:rPr lang="de-DE" b="0" dirty="0">
+                          <a:solidFill>
+                            <a:schemeClr val="tx1"/>
+                          </a:solidFill>
+                          <a:latin typeface="CMU Serif" panose="02000803000000000000" pitchFamily="2" charset="0"/>
+                          <a:ea typeface="CMU Serif" panose="02000803000000000000" pitchFamily="2" charset="0"/>
+                          <a:cs typeface="CMU Serif" panose="02000803000000000000" pitchFamily="2" charset="0"/>
+                        </a:rPr>
+                        <a:t>153,46718</a:t>
+                      </a:r>
+                    </a:p>
+                  </a:txBody>
+                  <a:tcPr anchor="ctr"/>
+                </a:tc>
+                <a:extLst>
+                  <a:ext uri="{0D108BD9-81ED-4DB2-BD59-A6C34878D82A}">
+                    <a16:rowId xmlns:a16="http://schemas.microsoft.com/office/drawing/2014/main" val="2520583151"/>
+                  </a:ext>
+                </a:extLst>
+              </a:tr>
             </a:tbl>
           </a:graphicData>
         </a:graphic>
@@ -6935,7 +7197,7 @@
         </p:nvCxnSpPr>
         <p:spPr>
           <a:xfrm flipH="1" flipV="1">
-            <a:off x="620487" y="2072757"/>
+            <a:off x="498025" y="2293191"/>
             <a:ext cx="2681513" cy="897316"/>
           </a:xfrm>
           <a:prstGeom prst="line">
@@ -6976,7 +7238,7 @@
         </p:nvSpPr>
         <p:spPr>
           <a:xfrm>
-            <a:off x="827314" y="4429669"/>
+            <a:off x="704852" y="5319575"/>
             <a:ext cx="10537372" cy="646331"/>
           </a:xfrm>
           <a:prstGeom prst="rect">
@@ -7063,7 +7325,7 @@
         </p:nvSpPr>
         <p:spPr>
           <a:xfrm>
-            <a:off x="1961243" y="5453345"/>
+            <a:off x="1838781" y="6188130"/>
             <a:ext cx="9712828" cy="369332"/>
           </a:xfrm>
           <a:prstGeom prst="rect">
@@ -7105,7 +7367,7 @@
         </p:nvSpPr>
         <p:spPr>
           <a:xfrm>
-            <a:off x="1257136" y="5496889"/>
+            <a:off x="1134674" y="6248002"/>
             <a:ext cx="604602" cy="206135"/>
           </a:xfrm>
           <a:prstGeom prst="rightArrow">
@@ -7139,10 +7401,10 @@
       </p:sp>
       <p:sp>
         <p:nvSpPr>
-          <p:cNvPr id="14" name="Textfeld 13">
+          <p:cNvPr id="2" name="Textfeld 1">
             <a:extLst>
               <a:ext uri="{FF2B5EF4-FFF2-40B4-BE49-F238E27FC236}">
-                <a16:creationId xmlns:a16="http://schemas.microsoft.com/office/drawing/2014/main" id="{41745C37-EEAE-6E94-C7C5-5DEAAA3CA77F}"/>
+                <a16:creationId xmlns:a16="http://schemas.microsoft.com/office/drawing/2014/main" id="{FB3F685B-668E-A85C-74AB-A943E206FC8E}"/>
               </a:ext>
             </a:extLst>
           </p:cNvPr>
@@ -7151,8 +7413,8 @@
         </p:nvSpPr>
         <p:spPr>
           <a:xfrm>
-            <a:off x="692331" y="1482244"/>
-            <a:ext cx="10537372" cy="369332"/>
+            <a:off x="1134674" y="1631561"/>
+            <a:ext cx="9712828" cy="369332"/>
           </a:xfrm>
           <a:prstGeom prst="rect">
             <a:avLst/>
@@ -7174,29 +7436,7 @@
                 <a:ea typeface="CMU Serif" panose="02000803000000000000" pitchFamily="2" charset="0"/>
                 <a:cs typeface="CMU Serif" panose="02000803000000000000" pitchFamily="2" charset="0"/>
               </a:rPr>
-              <a:t>Mithilfe von Boxplot wurden 465 Ausreißer aus </a:t>
-            </a:r>
-            <a:r>
-              <a:rPr lang="de-DE" dirty="0" err="1">
-                <a:solidFill>
-                  <a:schemeClr val="accent1"/>
-                </a:solidFill>
-                <a:latin typeface="CMU Serif" panose="02000803000000000000" pitchFamily="2" charset="0"/>
-                <a:ea typeface="CMU Serif" panose="02000803000000000000" pitchFamily="2" charset="0"/>
-                <a:cs typeface="CMU Serif" panose="02000803000000000000" pitchFamily="2" charset="0"/>
-              </a:rPr>
-              <a:t>data$piceInEuro</a:t>
-            </a:r>
-            <a:r>
-              <a:rPr lang="de-DE" dirty="0">
-                <a:solidFill>
-                  <a:schemeClr val="accent1"/>
-                </a:solidFill>
-                <a:latin typeface="CMU Serif" panose="02000803000000000000" pitchFamily="2" charset="0"/>
-                <a:ea typeface="CMU Serif" panose="02000803000000000000" pitchFamily="2" charset="0"/>
-                <a:cs typeface="CMU Serif" panose="02000803000000000000" pitchFamily="2" charset="0"/>
-              </a:rPr>
-              <a:t> entfernt. </a:t>
+              <a:t>Daten wurden im Verhältnis 80/20 aufgeteilt.</a:t>
             </a:r>
           </a:p>
         </p:txBody>
@@ -7214,7 +7454,7 @@
 </p:sld>
 </file>
 
-<file path=ppt/slides/slide6.xml><?xml version="1.0" encoding="utf-8"?>
+<file path=ppt/slides/slide7.xml><?xml version="1.0" encoding="utf-8"?>
 <p:sld xmlns:a="http://schemas.openxmlformats.org/drawingml/2006/main" xmlns:r="http://schemas.openxmlformats.org/officeDocument/2006/relationships" xmlns:p="http://schemas.openxmlformats.org/presentationml/2006/main">
   <p:cSld>
     <p:spTree>

--- a/Mietspiegel_in_Polen.pptx
+++ b/Mietspiegel_in_Polen.pptx
@@ -4923,18 +4923,9 @@
   <p:clrMapOvr>
     <a:masterClrMapping/>
   </p:clrMapOvr>
-  <mc:AlternateContent xmlns:mc="http://schemas.openxmlformats.org/markup-compatibility/2006" xmlns:p15="http://schemas.microsoft.com/office/powerpoint/2012/main">
-    <mc:Choice Requires="p15">
-      <p:transition xmlns:p14="http://schemas.microsoft.com/office/powerpoint/2010/main" spd="slow" p14:dur="6000">
-        <p15:prstTrans prst="curtains"/>
-      </p:transition>
-    </mc:Choice>
-    <mc:Fallback xmlns="">
-      <p:transition spd="slow">
-        <p:fade/>
-      </p:transition>
-    </mc:Fallback>
-  </mc:AlternateContent>
+  <p:transition spd="slow">
+    <p:push dir="u"/>
+  </p:transition>
 </p:sld>
 </file>
 
@@ -6207,6 +6198,9 @@
   <p:clrMapOvr>
     <a:masterClrMapping/>
   </p:clrMapOvr>
+  <p:transition spd="slow">
+    <p:push dir="u"/>
+  </p:transition>
 </p:sld>
 </file>
 
@@ -6458,6 +6452,9 @@
   <p:clrMapOvr>
     <a:masterClrMapping/>
   </p:clrMapOvr>
+  <p:transition spd="slow">
+    <p:push dir="u"/>
+  </p:transition>
 </p:sld>
 </file>
 
@@ -6624,6 +6621,9 @@
   <p:clrMapOvr>
     <a:masterClrMapping/>
   </p:clrMapOvr>
+  <p:transition spd="slow">
+    <p:push dir="u"/>
+  </p:transition>
 </p:sld>
 </file>
 
@@ -7451,6 +7451,9 @@
   <p:clrMapOvr>
     <a:masterClrMapping/>
   </p:clrMapOvr>
+  <p:transition spd="slow">
+    <p:push dir="u"/>
+  </p:transition>
 </p:sld>
 </file>
 

--- a/Mietspiegel_in_Polen.pptx
+++ b/Mietspiegel_in_Polen.pptx
@@ -7,7 +7,7 @@
     <p:sldMasterId id="2147483684" r:id="rId3"/>
   </p:sldMasterIdLst>
   <p:notesMasterIdLst>
-    <p:notesMasterId r:id="rId11"/>
+    <p:notesMasterId r:id="rId13"/>
   </p:notesMasterIdLst>
   <p:sldIdLst>
     <p:sldId id="309" r:id="rId4"/>
@@ -15,8 +15,10 @@
     <p:sldId id="315" r:id="rId6"/>
     <p:sldId id="316" r:id="rId7"/>
     <p:sldId id="318" r:id="rId8"/>
-    <p:sldId id="317" r:id="rId9"/>
-    <p:sldId id="314" r:id="rId10"/>
+    <p:sldId id="320" r:id="rId9"/>
+    <p:sldId id="317" r:id="rId10"/>
+    <p:sldId id="319" r:id="rId11"/>
+    <p:sldId id="314" r:id="rId12"/>
   </p:sldIdLst>
   <p:sldSz cx="12192000" cy="6858000"/>
   <p:notesSz cx="6858000" cy="9144000"/>
@@ -228,7 +230,7 @@
           <a:p>
             <a:fld id="{370BC358-5E21-4225-AAAB-C421F7602083}" type="datetimeFigureOut">
               <a:rPr lang="de-DE" smtClean="0"/>
-              <a:t>27.12.2024</a:t>
+              <a:t>14.01.2025</a:t>
             </a:fld>
             <a:endParaRPr lang="de-DE"/>
           </a:p>
@@ -4900,7 +4902,7 @@
                 <a:ea typeface="CMU Serif" panose="02000803000000000000" pitchFamily="2" charset="0"/>
                 <a:cs typeface="CMU Serif" panose="02000803000000000000" pitchFamily="2" charset="0"/>
               </a:rPr>
-              <a:t>Freitag, 27. Dezember 2024</a:t>
+              <a:t>Dienstag, 14. Januar 2025</a:t>
             </a:fld>
             <a:endParaRPr lang="de-DE" dirty="0">
               <a:solidFill>
@@ -6526,7 +6528,7 @@
         </p:nvSpPr>
         <p:spPr>
           <a:xfrm>
-            <a:off x="827314" y="3139594"/>
+            <a:off x="827314" y="3147758"/>
             <a:ext cx="10537372" cy="1200329"/>
           </a:xfrm>
           <a:prstGeom prst="rect">
@@ -6628,6 +6630,268 @@
 </file>
 
 <file path=ppt/slides/slide6.xml><?xml version="1.0" encoding="utf-8"?>
+<p:sld xmlns:a="http://schemas.openxmlformats.org/drawingml/2006/main" xmlns:r="http://schemas.openxmlformats.org/officeDocument/2006/relationships" xmlns:p="http://schemas.openxmlformats.org/presentationml/2006/main">
+  <p:cSld>
+    <p:spTree>
+      <p:nvGrpSpPr>
+        <p:cNvPr id="1" name=""/>
+        <p:cNvGrpSpPr/>
+        <p:nvPr/>
+      </p:nvGrpSpPr>
+      <p:grpSpPr>
+        <a:xfrm>
+          <a:off x="0" y="0"/>
+          <a:ext cx="0" cy="0"/>
+          <a:chOff x="0" y="0"/>
+          <a:chExt cx="0" cy="0"/>
+        </a:xfrm>
+      </p:grpSpPr>
+      <p:sp>
+        <p:nvSpPr>
+          <p:cNvPr id="2" name="Textplatzhalter 1">
+            <a:extLst>
+              <a:ext uri="{FF2B5EF4-FFF2-40B4-BE49-F238E27FC236}">
+                <a16:creationId xmlns:a16="http://schemas.microsoft.com/office/drawing/2014/main" id="{EE7B5BCC-9833-42E0-511B-C65B4B85BB23}"/>
+              </a:ext>
+            </a:extLst>
+          </p:cNvPr>
+          <p:cNvSpPr>
+            <a:spLocks noGrp="1"/>
+          </p:cNvSpPr>
+          <p:nvPr>
+            <p:ph type="body" sz="quarter" idx="10"/>
+          </p:nvPr>
+        </p:nvSpPr>
+        <p:spPr>
+          <a:xfrm>
+            <a:off x="2039091" y="380330"/>
+            <a:ext cx="9775991" cy="724247"/>
+          </a:xfrm>
+        </p:spPr>
+        <p:txBody>
+          <a:bodyPr/>
+          <a:lstStyle/>
+          <a:p>
+            <a:r>
+              <a:rPr lang="de-DE" dirty="0">
+                <a:latin typeface="CMU Serif" panose="02000803000000000000" pitchFamily="2" charset="0"/>
+                <a:ea typeface="CMU Serif" panose="02000803000000000000" pitchFamily="2" charset="0"/>
+                <a:cs typeface="CMU Serif" panose="02000803000000000000" pitchFamily="2" charset="0"/>
+              </a:rPr>
+              <a:t>Besonderheiten</a:t>
+            </a:r>
+          </a:p>
+        </p:txBody>
+      </p:sp>
+      <p:sp>
+        <p:nvSpPr>
+          <p:cNvPr id="3" name="Textfeld 2">
+            <a:extLst>
+              <a:ext uri="{FF2B5EF4-FFF2-40B4-BE49-F238E27FC236}">
+                <a16:creationId xmlns:a16="http://schemas.microsoft.com/office/drawing/2014/main" id="{E60B0B39-1205-E583-E290-9979A74C4E9E}"/>
+              </a:ext>
+            </a:extLst>
+          </p:cNvPr>
+          <p:cNvSpPr txBox="1"/>
+          <p:nvPr/>
+        </p:nvSpPr>
+        <p:spPr>
+          <a:xfrm>
+            <a:off x="492578" y="1596543"/>
+            <a:ext cx="10537372" cy="1200329"/>
+          </a:xfrm>
+          <a:prstGeom prst="rect">
+            <a:avLst/>
+          </a:prstGeom>
+          <a:noFill/>
+        </p:spPr>
+        <p:txBody>
+          <a:bodyPr wrap="square" rtlCol="0">
+            <a:spAutoFit/>
+          </a:bodyPr>
+          <a:lstStyle/>
+          <a:p>
+            <a:r>
+              <a:rPr lang="de-DE" u="sng" dirty="0">
+                <a:solidFill>
+                  <a:schemeClr val="accent1"/>
+                </a:solidFill>
+                <a:latin typeface="CMU Serif" panose="02000803000000000000" pitchFamily="2" charset="0"/>
+                <a:ea typeface="CMU Serif" panose="02000803000000000000" pitchFamily="2" charset="0"/>
+                <a:cs typeface="CMU Serif" panose="02000803000000000000" pitchFamily="2" charset="0"/>
+              </a:rPr>
+              <a:t>Variable </a:t>
+            </a:r>
+            <a:r>
+              <a:rPr lang="de-DE" u="sng" dirty="0" err="1">
+                <a:solidFill>
+                  <a:schemeClr val="accent1"/>
+                </a:solidFill>
+                <a:latin typeface="CMU Serif" panose="02000803000000000000" pitchFamily="2" charset="0"/>
+                <a:ea typeface="CMU Serif" panose="02000803000000000000" pitchFamily="2" charset="0"/>
+                <a:cs typeface="CMU Serif" panose="02000803000000000000" pitchFamily="2" charset="0"/>
+              </a:rPr>
+              <a:t>floor</a:t>
+            </a:r>
+            <a:endParaRPr lang="de-DE" u="sng" dirty="0">
+              <a:solidFill>
+                <a:schemeClr val="accent1"/>
+              </a:solidFill>
+              <a:latin typeface="CMU Serif" panose="02000803000000000000" pitchFamily="2" charset="0"/>
+              <a:ea typeface="CMU Serif" panose="02000803000000000000" pitchFamily="2" charset="0"/>
+              <a:cs typeface="CMU Serif" panose="02000803000000000000" pitchFamily="2" charset="0"/>
+            </a:endParaRPr>
+          </a:p>
+          <a:p>
+            <a:endParaRPr lang="de-DE" u="sng" dirty="0">
+              <a:solidFill>
+                <a:schemeClr val="accent1"/>
+              </a:solidFill>
+              <a:latin typeface="CMU Serif" panose="02000803000000000000" pitchFamily="2" charset="0"/>
+              <a:ea typeface="CMU Serif" panose="02000803000000000000" pitchFamily="2" charset="0"/>
+              <a:cs typeface="CMU Serif" panose="02000803000000000000" pitchFamily="2" charset="0"/>
+            </a:endParaRPr>
+          </a:p>
+          <a:p>
+            <a:pPr marL="285750" indent="-285750">
+              <a:buFont typeface="Arial" panose="020B0604020202020204" pitchFamily="34" charset="0"/>
+              <a:buChar char="•"/>
+            </a:pPr>
+            <a:r>
+              <a:rPr lang="de-DE" dirty="0">
+                <a:solidFill>
+                  <a:schemeClr val="accent1"/>
+                </a:solidFill>
+                <a:latin typeface="CMU Serif" panose="02000803000000000000" pitchFamily="2" charset="0"/>
+                <a:ea typeface="CMU Serif" panose="02000803000000000000" pitchFamily="2" charset="0"/>
+                <a:cs typeface="CMU Serif" panose="02000803000000000000" pitchFamily="2" charset="0"/>
+              </a:rPr>
+              <a:t>Beginnend mit 1 statt 0</a:t>
+            </a:r>
+          </a:p>
+          <a:p>
+            <a:r>
+              <a:rPr lang="de-DE" dirty="0">
+                <a:solidFill>
+                  <a:schemeClr val="accent1"/>
+                </a:solidFill>
+                <a:latin typeface="CMU Serif" panose="02000803000000000000" pitchFamily="2" charset="0"/>
+                <a:ea typeface="CMU Serif" panose="02000803000000000000" pitchFamily="2" charset="0"/>
+                <a:cs typeface="CMU Serif" panose="02000803000000000000" pitchFamily="2" charset="0"/>
+              </a:rPr>
+              <a:t>   </a:t>
+            </a:r>
+          </a:p>
+        </p:txBody>
+      </p:sp>
+      <p:sp>
+        <p:nvSpPr>
+          <p:cNvPr id="4" name="Textfeld 3">
+            <a:extLst>
+              <a:ext uri="{FF2B5EF4-FFF2-40B4-BE49-F238E27FC236}">
+                <a16:creationId xmlns:a16="http://schemas.microsoft.com/office/drawing/2014/main" id="{35117EA2-2F43-17EC-4B84-9C9B3752F548}"/>
+              </a:ext>
+            </a:extLst>
+          </p:cNvPr>
+          <p:cNvSpPr txBox="1"/>
+          <p:nvPr/>
+        </p:nvSpPr>
+        <p:spPr>
+          <a:xfrm>
+            <a:off x="492578" y="2751365"/>
+            <a:ext cx="5451022" cy="2031325"/>
+          </a:xfrm>
+          <a:prstGeom prst="rect">
+            <a:avLst/>
+          </a:prstGeom>
+          <a:noFill/>
+        </p:spPr>
+        <p:txBody>
+          <a:bodyPr wrap="square" rtlCol="0">
+            <a:spAutoFit/>
+          </a:bodyPr>
+          <a:lstStyle/>
+          <a:p>
+            <a:r>
+              <a:rPr lang="de-DE" dirty="0">
+                <a:solidFill>
+                  <a:schemeClr val="accent1"/>
+                </a:solidFill>
+                <a:latin typeface="CMU Serif" panose="02000803000000000000" pitchFamily="2" charset="0"/>
+                <a:ea typeface="CMU Serif" panose="02000803000000000000" pitchFamily="2" charset="0"/>
+                <a:cs typeface="CMU Serif" panose="02000803000000000000" pitchFamily="2" charset="0"/>
+              </a:rPr>
+              <a:t>Die Wohnungen in unserem Datensatz sind der sog. „</a:t>
+            </a:r>
+            <a:r>
+              <a:rPr lang="de-DE" dirty="0" err="1">
+                <a:solidFill>
+                  <a:schemeClr val="accent1"/>
+                </a:solidFill>
+                <a:latin typeface="CMU Serif" panose="02000803000000000000" pitchFamily="2" charset="0"/>
+                <a:ea typeface="CMU Serif" panose="02000803000000000000" pitchFamily="2" charset="0"/>
+                <a:cs typeface="CMU Serif" panose="02000803000000000000" pitchFamily="2" charset="0"/>
+              </a:rPr>
+              <a:t>Plattbau</a:t>
+            </a:r>
+            <a:r>
+              <a:rPr lang="de-DE" dirty="0">
+                <a:solidFill>
+                  <a:schemeClr val="accent1"/>
+                </a:solidFill>
+                <a:latin typeface="CMU Serif" panose="02000803000000000000" pitchFamily="2" charset="0"/>
+                <a:ea typeface="CMU Serif" panose="02000803000000000000" pitchFamily="2" charset="0"/>
+                <a:cs typeface="CMU Serif" panose="02000803000000000000" pitchFamily="2" charset="0"/>
+              </a:rPr>
+              <a:t>“. Da diese Bauten meist mit einem erhöhtem EG gebaut werden, kann dieser als 1.OG betrachtet werden, obwohl sich die Wohnung tatsächlich auf dem EG befindet. Der Datensatz selbst klärt diese Abweichung nicht.</a:t>
+            </a:r>
+          </a:p>
+        </p:txBody>
+      </p:sp>
+      <p:pic>
+        <p:nvPicPr>
+          <p:cNvPr id="6" name="Grafik 5">
+            <a:extLst>
+              <a:ext uri="{FF2B5EF4-FFF2-40B4-BE49-F238E27FC236}">
+                <a16:creationId xmlns:a16="http://schemas.microsoft.com/office/drawing/2014/main" id="{26E6B8DC-AF8D-228E-2196-5C314E1A39DD}"/>
+              </a:ext>
+            </a:extLst>
+          </p:cNvPr>
+          <p:cNvPicPr>
+            <a:picLocks noChangeAspect="1"/>
+          </p:cNvPicPr>
+          <p:nvPr/>
+        </p:nvPicPr>
+        <p:blipFill>
+          <a:blip r:embed="rId2"/>
+          <a:stretch>
+            <a:fillRect/>
+          </a:stretch>
+        </p:blipFill>
+        <p:spPr>
+          <a:xfrm>
+            <a:off x="6482444" y="2095856"/>
+            <a:ext cx="4825092" cy="4236666"/>
+          </a:xfrm>
+          <a:prstGeom prst="rect">
+            <a:avLst/>
+          </a:prstGeom>
+        </p:spPr>
+      </p:pic>
+    </p:spTree>
+    <p:extLst>
+      <p:ext uri="{BB962C8B-B14F-4D97-AF65-F5344CB8AC3E}">
+        <p14:creationId xmlns:p14="http://schemas.microsoft.com/office/powerpoint/2010/main" val="1039740922"/>
+      </p:ext>
+    </p:extLst>
+  </p:cSld>
+  <p:clrMapOvr>
+    <a:masterClrMapping/>
+  </p:clrMapOvr>
+</p:sld>
+</file>
+
+<file path=ppt/slides/slide7.xml><?xml version="1.0" encoding="utf-8"?>
 <p:sld xmlns:a="http://schemas.openxmlformats.org/drawingml/2006/main" xmlns:r="http://schemas.openxmlformats.org/officeDocument/2006/relationships" xmlns:p="http://schemas.openxmlformats.org/presentationml/2006/main">
   <p:cSld>
     <p:spTree>
@@ -7457,7 +7721,230 @@
 </p:sld>
 </file>
 
-<file path=ppt/slides/slide7.xml><?xml version="1.0" encoding="utf-8"?>
+<file path=ppt/slides/slide8.xml><?xml version="1.0" encoding="utf-8"?>
+<p:sld xmlns:a="http://schemas.openxmlformats.org/drawingml/2006/main" xmlns:r="http://schemas.openxmlformats.org/officeDocument/2006/relationships" xmlns:p="http://schemas.openxmlformats.org/presentationml/2006/main">
+  <p:cSld>
+    <p:spTree>
+      <p:nvGrpSpPr>
+        <p:cNvPr id="1" name=""/>
+        <p:cNvGrpSpPr/>
+        <p:nvPr/>
+      </p:nvGrpSpPr>
+      <p:grpSpPr>
+        <a:xfrm>
+          <a:off x="0" y="0"/>
+          <a:ext cx="0" cy="0"/>
+          <a:chOff x="0" y="0"/>
+          <a:chExt cx="0" cy="0"/>
+        </a:xfrm>
+      </p:grpSpPr>
+      <p:sp>
+        <p:nvSpPr>
+          <p:cNvPr id="2" name="Textplatzhalter 1">
+            <a:extLst>
+              <a:ext uri="{FF2B5EF4-FFF2-40B4-BE49-F238E27FC236}">
+                <a16:creationId xmlns:a16="http://schemas.microsoft.com/office/drawing/2014/main" id="{656B7792-E7D7-048D-938C-FCBA462EEFB8}"/>
+              </a:ext>
+            </a:extLst>
+          </p:cNvPr>
+          <p:cNvSpPr>
+            <a:spLocks noGrp="1"/>
+          </p:cNvSpPr>
+          <p:nvPr>
+            <p:ph type="body" sz="quarter" idx="10"/>
+          </p:nvPr>
+        </p:nvSpPr>
+        <p:spPr>
+          <a:xfrm>
+            <a:off x="2088077" y="355837"/>
+            <a:ext cx="8378537" cy="724247"/>
+          </a:xfrm>
+        </p:spPr>
+        <p:txBody>
+          <a:bodyPr/>
+          <a:lstStyle/>
+          <a:p>
+            <a:r>
+              <a:rPr lang="de-DE" dirty="0">
+                <a:latin typeface="CMU Serif" panose="02000803000000000000" pitchFamily="2" charset="0"/>
+                <a:ea typeface="CMU Serif" panose="02000803000000000000" pitchFamily="2" charset="0"/>
+                <a:cs typeface="CMU Serif" panose="02000803000000000000" pitchFamily="2" charset="0"/>
+              </a:rPr>
+              <a:t>Grafische Darstellung</a:t>
+            </a:r>
+          </a:p>
+        </p:txBody>
+      </p:sp>
+      <p:sp>
+        <p:nvSpPr>
+          <p:cNvPr id="3" name="Textfeld 2">
+            <a:extLst>
+              <a:ext uri="{FF2B5EF4-FFF2-40B4-BE49-F238E27FC236}">
+                <a16:creationId xmlns:a16="http://schemas.microsoft.com/office/drawing/2014/main" id="{09FEE9B1-876D-0C58-8302-9D486A7B28E6}"/>
+              </a:ext>
+            </a:extLst>
+          </p:cNvPr>
+          <p:cNvSpPr txBox="1"/>
+          <p:nvPr/>
+        </p:nvSpPr>
+        <p:spPr>
+          <a:xfrm>
+            <a:off x="492578" y="1596543"/>
+            <a:ext cx="10537372" cy="646331"/>
+          </a:xfrm>
+          <a:prstGeom prst="rect">
+            <a:avLst/>
+          </a:prstGeom>
+          <a:noFill/>
+        </p:spPr>
+        <p:txBody>
+          <a:bodyPr wrap="square" rtlCol="0">
+            <a:spAutoFit/>
+          </a:bodyPr>
+          <a:lstStyle/>
+          <a:p>
+            <a:r>
+              <a:rPr lang="de-DE" u="sng" dirty="0">
+                <a:solidFill>
+                  <a:schemeClr val="accent1"/>
+                </a:solidFill>
+                <a:latin typeface="CMU Serif" panose="02000803000000000000" pitchFamily="2" charset="0"/>
+                <a:ea typeface="CMU Serif" panose="02000803000000000000" pitchFamily="2" charset="0"/>
+                <a:cs typeface="CMU Serif" panose="02000803000000000000" pitchFamily="2" charset="0"/>
+              </a:rPr>
+              <a:t>Interaktive Karte Polens mit Markern auf den Städten</a:t>
+            </a:r>
+          </a:p>
+          <a:p>
+            <a:r>
+              <a:rPr lang="de-DE" dirty="0">
+                <a:solidFill>
+                  <a:schemeClr val="accent1"/>
+                </a:solidFill>
+                <a:latin typeface="CMU Serif" panose="02000803000000000000" pitchFamily="2" charset="0"/>
+                <a:ea typeface="CMU Serif" panose="02000803000000000000" pitchFamily="2" charset="0"/>
+                <a:cs typeface="CMU Serif" panose="02000803000000000000" pitchFamily="2" charset="0"/>
+              </a:rPr>
+              <a:t>   </a:t>
+            </a:r>
+          </a:p>
+        </p:txBody>
+      </p:sp>
+      <p:pic>
+        <p:nvPicPr>
+          <p:cNvPr id="7" name="Grafik 6">
+            <a:extLst>
+              <a:ext uri="{FF2B5EF4-FFF2-40B4-BE49-F238E27FC236}">
+                <a16:creationId xmlns:a16="http://schemas.microsoft.com/office/drawing/2014/main" id="{1458C961-4F10-4888-C2D4-0F18CFAD71D5}"/>
+              </a:ext>
+            </a:extLst>
+          </p:cNvPr>
+          <p:cNvPicPr>
+            <a:picLocks noChangeAspect="1"/>
+          </p:cNvPicPr>
+          <p:nvPr/>
+        </p:nvPicPr>
+        <p:blipFill>
+          <a:blip r:embed="rId2"/>
+          <a:stretch>
+            <a:fillRect/>
+          </a:stretch>
+        </p:blipFill>
+        <p:spPr>
+          <a:xfrm>
+            <a:off x="7329546" y="2021751"/>
+            <a:ext cx="4369876" cy="4480412"/>
+          </a:xfrm>
+          <a:prstGeom prst="rect">
+            <a:avLst/>
+          </a:prstGeom>
+        </p:spPr>
+      </p:pic>
+      <p:sp>
+        <p:nvSpPr>
+          <p:cNvPr id="8" name="Textfeld 7">
+            <a:extLst>
+              <a:ext uri="{FF2B5EF4-FFF2-40B4-BE49-F238E27FC236}">
+                <a16:creationId xmlns:a16="http://schemas.microsoft.com/office/drawing/2014/main" id="{52387C03-675D-9F73-844E-8C09B6B0601F}"/>
+              </a:ext>
+            </a:extLst>
+          </p:cNvPr>
+          <p:cNvSpPr txBox="1"/>
+          <p:nvPr/>
+        </p:nvSpPr>
+        <p:spPr>
+          <a:xfrm>
+            <a:off x="492578" y="3218356"/>
+            <a:ext cx="6504215" cy="2308324"/>
+          </a:xfrm>
+          <a:prstGeom prst="rect">
+            <a:avLst/>
+          </a:prstGeom>
+          <a:noFill/>
+        </p:spPr>
+        <p:txBody>
+          <a:bodyPr wrap="square" rtlCol="0">
+            <a:spAutoFit/>
+          </a:bodyPr>
+          <a:lstStyle/>
+          <a:p>
+            <a:r>
+              <a:rPr lang="de-DE" dirty="0">
+                <a:solidFill>
+                  <a:schemeClr val="accent1"/>
+                </a:solidFill>
+                <a:latin typeface="CMU Serif" panose="02000803000000000000" pitchFamily="2" charset="0"/>
+                <a:ea typeface="CMU Serif" panose="02000803000000000000" pitchFamily="2" charset="0"/>
+                <a:cs typeface="CMU Serif" panose="02000803000000000000" pitchFamily="2" charset="0"/>
+              </a:rPr>
+              <a:t>Grafische Darstellung in Form einer Karte, um bessere Visualisierung zu fördern.</a:t>
+            </a:r>
+          </a:p>
+          <a:p>
+            <a:endParaRPr lang="de-DE" dirty="0">
+              <a:solidFill>
+                <a:schemeClr val="accent1"/>
+              </a:solidFill>
+              <a:latin typeface="CMU Serif" panose="02000803000000000000" pitchFamily="2" charset="0"/>
+              <a:ea typeface="CMU Serif" panose="02000803000000000000" pitchFamily="2" charset="0"/>
+              <a:cs typeface="CMU Serif" panose="02000803000000000000" pitchFamily="2" charset="0"/>
+            </a:endParaRPr>
+          </a:p>
+          <a:p>
+            <a:r>
+              <a:rPr lang="de-DE" dirty="0">
+                <a:solidFill>
+                  <a:schemeClr val="accent1"/>
+                </a:solidFill>
+                <a:latin typeface="CMU Serif" panose="02000803000000000000" pitchFamily="2" charset="0"/>
+                <a:ea typeface="CMU Serif" panose="02000803000000000000" pitchFamily="2" charset="0"/>
+                <a:cs typeface="CMU Serif" panose="02000803000000000000" pitchFamily="2" charset="0"/>
+              </a:rPr>
+              <a:t>Der User kann bei der Prognose die vorhergesagten Preise für andere Städte direkt vergleichen und schafft sich ein Überblick über die ungefähren Mietverhältnisse in Polen.</a:t>
+            </a:r>
+          </a:p>
+          <a:p>
+            <a:endParaRPr lang="de-DE" dirty="0"/>
+          </a:p>
+        </p:txBody>
+      </p:sp>
+    </p:spTree>
+    <p:extLst>
+      <p:ext uri="{BB962C8B-B14F-4D97-AF65-F5344CB8AC3E}">
+        <p14:creationId xmlns:p14="http://schemas.microsoft.com/office/powerpoint/2010/main" val="2264192763"/>
+      </p:ext>
+    </p:extLst>
+  </p:cSld>
+  <p:clrMapOvr>
+    <a:masterClrMapping/>
+  </p:clrMapOvr>
+  <p:transition spd="slow">
+    <p:push dir="u"/>
+  </p:transition>
+</p:sld>
+</file>
+
+<file path=ppt/slides/slide9.xml><?xml version="1.0" encoding="utf-8"?>
 <p:sld xmlns:a="http://schemas.openxmlformats.org/drawingml/2006/main" xmlns:r="http://schemas.openxmlformats.org/officeDocument/2006/relationships" xmlns:p="http://schemas.openxmlformats.org/presentationml/2006/main">
   <p:cSld>
     <p:spTree>

--- a/Mietspiegel_in_Polen.pptx
+++ b/Mietspiegel_in_Polen.pptx
@@ -7,18 +7,20 @@
     <p:sldMasterId id="2147483684" r:id="rId3"/>
   </p:sldMasterIdLst>
   <p:notesMasterIdLst>
-    <p:notesMasterId r:id="rId13"/>
+    <p:notesMasterId r:id="rId15"/>
   </p:notesMasterIdLst>
   <p:sldIdLst>
     <p:sldId id="309" r:id="rId4"/>
-    <p:sldId id="261" r:id="rId5"/>
-    <p:sldId id="315" r:id="rId6"/>
-    <p:sldId id="316" r:id="rId7"/>
-    <p:sldId id="318" r:id="rId8"/>
-    <p:sldId id="320" r:id="rId9"/>
-    <p:sldId id="317" r:id="rId10"/>
-    <p:sldId id="319" r:id="rId11"/>
-    <p:sldId id="314" r:id="rId12"/>
+    <p:sldId id="323" r:id="rId5"/>
+    <p:sldId id="321" r:id="rId6"/>
+    <p:sldId id="315" r:id="rId7"/>
+    <p:sldId id="316" r:id="rId8"/>
+    <p:sldId id="318" r:id="rId9"/>
+    <p:sldId id="320" r:id="rId10"/>
+    <p:sldId id="322" r:id="rId11"/>
+    <p:sldId id="317" r:id="rId12"/>
+    <p:sldId id="319" r:id="rId13"/>
+    <p:sldId id="314" r:id="rId14"/>
   </p:sldIdLst>
   <p:sldSz cx="12192000" cy="6858000"/>
   <p:notesSz cx="6858000" cy="9144000"/>
@@ -230,7 +232,7 @@
           <a:p>
             <a:fld id="{370BC358-5E21-4225-AAAB-C421F7602083}" type="datetimeFigureOut">
               <a:rPr lang="de-DE" smtClean="0"/>
-              <a:t>14.01.2025</a:t>
+              <a:t>15.01.2025</a:t>
             </a:fld>
             <a:endParaRPr lang="de-DE"/>
           </a:p>
@@ -4818,7 +4820,7 @@
                 <a:ea typeface="CMU Serif" panose="02000803000000000000" pitchFamily="2" charset="0"/>
                 <a:cs typeface="CMU Serif" panose="02000803000000000000" pitchFamily="2" charset="0"/>
               </a:rPr>
-              <a:t>Shiny App</a:t>
+              <a:t>R Shiny App</a:t>
             </a:r>
           </a:p>
           <a:p>
@@ -4902,7 +4904,7 @@
                 <a:ea typeface="CMU Serif" panose="02000803000000000000" pitchFamily="2" charset="0"/>
                 <a:cs typeface="CMU Serif" panose="02000803000000000000" pitchFamily="2" charset="0"/>
               </a:rPr>
-              <a:t>Dienstag, 14. Januar 2025</a:t>
+              <a:t>Mittwoch, 15. Januar 2025</a:t>
             </a:fld>
             <a:endParaRPr lang="de-DE" dirty="0">
               <a:solidFill>
@@ -4919,6 +4921,375 @@
     <p:extLst>
       <p:ext uri="{BB962C8B-B14F-4D97-AF65-F5344CB8AC3E}">
         <p14:creationId xmlns:p14="http://schemas.microsoft.com/office/powerpoint/2010/main" val="2262231274"/>
+      </p:ext>
+    </p:extLst>
+  </p:cSld>
+  <p:clrMapOvr>
+    <a:masterClrMapping/>
+  </p:clrMapOvr>
+  <p:transition spd="slow">
+    <p:push dir="u"/>
+  </p:transition>
+</p:sld>
+</file>
+
+<file path=ppt/slides/slide10.xml><?xml version="1.0" encoding="utf-8"?>
+<p:sld xmlns:a="http://schemas.openxmlformats.org/drawingml/2006/main" xmlns:r="http://schemas.openxmlformats.org/officeDocument/2006/relationships" xmlns:p="http://schemas.openxmlformats.org/presentationml/2006/main">
+  <p:cSld>
+    <p:spTree>
+      <p:nvGrpSpPr>
+        <p:cNvPr id="1" name=""/>
+        <p:cNvGrpSpPr/>
+        <p:nvPr/>
+      </p:nvGrpSpPr>
+      <p:grpSpPr>
+        <a:xfrm>
+          <a:off x="0" y="0"/>
+          <a:ext cx="0" cy="0"/>
+          <a:chOff x="0" y="0"/>
+          <a:chExt cx="0" cy="0"/>
+        </a:xfrm>
+      </p:grpSpPr>
+      <p:sp>
+        <p:nvSpPr>
+          <p:cNvPr id="2" name="Textplatzhalter 1">
+            <a:extLst>
+              <a:ext uri="{FF2B5EF4-FFF2-40B4-BE49-F238E27FC236}">
+                <a16:creationId xmlns:a16="http://schemas.microsoft.com/office/drawing/2014/main" id="{656B7792-E7D7-048D-938C-FCBA462EEFB8}"/>
+              </a:ext>
+            </a:extLst>
+          </p:cNvPr>
+          <p:cNvSpPr>
+            <a:spLocks noGrp="1"/>
+          </p:cNvSpPr>
+          <p:nvPr>
+            <p:ph type="body" sz="quarter" idx="10"/>
+          </p:nvPr>
+        </p:nvSpPr>
+        <p:spPr>
+          <a:xfrm>
+            <a:off x="2088077" y="355837"/>
+            <a:ext cx="8378537" cy="724247"/>
+          </a:xfrm>
+        </p:spPr>
+        <p:txBody>
+          <a:bodyPr/>
+          <a:lstStyle/>
+          <a:p>
+            <a:r>
+              <a:rPr lang="de-DE" dirty="0">
+                <a:latin typeface="CMU Serif" panose="02000803000000000000" pitchFamily="2" charset="0"/>
+                <a:ea typeface="CMU Serif" panose="02000803000000000000" pitchFamily="2" charset="0"/>
+                <a:cs typeface="CMU Serif" panose="02000803000000000000" pitchFamily="2" charset="0"/>
+              </a:rPr>
+              <a:t>Grafische Darstellung</a:t>
+            </a:r>
+          </a:p>
+        </p:txBody>
+      </p:sp>
+      <p:sp>
+        <p:nvSpPr>
+          <p:cNvPr id="3" name="Textfeld 2">
+            <a:extLst>
+              <a:ext uri="{FF2B5EF4-FFF2-40B4-BE49-F238E27FC236}">
+                <a16:creationId xmlns:a16="http://schemas.microsoft.com/office/drawing/2014/main" id="{09FEE9B1-876D-0C58-8302-9D486A7B28E6}"/>
+              </a:ext>
+            </a:extLst>
+          </p:cNvPr>
+          <p:cNvSpPr txBox="1"/>
+          <p:nvPr/>
+        </p:nvSpPr>
+        <p:spPr>
+          <a:xfrm>
+            <a:off x="492578" y="1596543"/>
+            <a:ext cx="10537372" cy="646331"/>
+          </a:xfrm>
+          <a:prstGeom prst="rect">
+            <a:avLst/>
+          </a:prstGeom>
+          <a:noFill/>
+        </p:spPr>
+        <p:txBody>
+          <a:bodyPr wrap="square" rtlCol="0">
+            <a:spAutoFit/>
+          </a:bodyPr>
+          <a:lstStyle/>
+          <a:p>
+            <a:r>
+              <a:rPr lang="de-DE" u="sng" dirty="0">
+                <a:solidFill>
+                  <a:schemeClr val="accent1"/>
+                </a:solidFill>
+                <a:latin typeface="CMU Serif" panose="02000803000000000000" pitchFamily="2" charset="0"/>
+                <a:ea typeface="CMU Serif" panose="02000803000000000000" pitchFamily="2" charset="0"/>
+                <a:cs typeface="CMU Serif" panose="02000803000000000000" pitchFamily="2" charset="0"/>
+              </a:rPr>
+              <a:t>Interaktive Karte Polens mit Markern auf den Städten</a:t>
+            </a:r>
+          </a:p>
+          <a:p>
+            <a:r>
+              <a:rPr lang="de-DE" dirty="0">
+                <a:solidFill>
+                  <a:schemeClr val="accent1"/>
+                </a:solidFill>
+                <a:latin typeface="CMU Serif" panose="02000803000000000000" pitchFamily="2" charset="0"/>
+                <a:ea typeface="CMU Serif" panose="02000803000000000000" pitchFamily="2" charset="0"/>
+                <a:cs typeface="CMU Serif" panose="02000803000000000000" pitchFamily="2" charset="0"/>
+              </a:rPr>
+              <a:t>   </a:t>
+            </a:r>
+          </a:p>
+        </p:txBody>
+      </p:sp>
+      <p:pic>
+        <p:nvPicPr>
+          <p:cNvPr id="7" name="Grafik 6">
+            <a:extLst>
+              <a:ext uri="{FF2B5EF4-FFF2-40B4-BE49-F238E27FC236}">
+                <a16:creationId xmlns:a16="http://schemas.microsoft.com/office/drawing/2014/main" id="{1458C961-4F10-4888-C2D4-0F18CFAD71D5}"/>
+              </a:ext>
+            </a:extLst>
+          </p:cNvPr>
+          <p:cNvPicPr>
+            <a:picLocks noChangeAspect="1"/>
+          </p:cNvPicPr>
+          <p:nvPr/>
+        </p:nvPicPr>
+        <p:blipFill>
+          <a:blip r:embed="rId2"/>
+          <a:stretch>
+            <a:fillRect/>
+          </a:stretch>
+        </p:blipFill>
+        <p:spPr>
+          <a:xfrm>
+            <a:off x="7329546" y="2021751"/>
+            <a:ext cx="4369876" cy="4480412"/>
+          </a:xfrm>
+          <a:prstGeom prst="rect">
+            <a:avLst/>
+          </a:prstGeom>
+        </p:spPr>
+      </p:pic>
+      <p:sp>
+        <p:nvSpPr>
+          <p:cNvPr id="8" name="Textfeld 7">
+            <a:extLst>
+              <a:ext uri="{FF2B5EF4-FFF2-40B4-BE49-F238E27FC236}">
+                <a16:creationId xmlns:a16="http://schemas.microsoft.com/office/drawing/2014/main" id="{52387C03-675D-9F73-844E-8C09B6B0601F}"/>
+              </a:ext>
+            </a:extLst>
+          </p:cNvPr>
+          <p:cNvSpPr txBox="1"/>
+          <p:nvPr/>
+        </p:nvSpPr>
+        <p:spPr>
+          <a:xfrm>
+            <a:off x="492578" y="3079857"/>
+            <a:ext cx="6504215" cy="2585323"/>
+          </a:xfrm>
+          <a:prstGeom prst="rect">
+            <a:avLst/>
+          </a:prstGeom>
+          <a:noFill/>
+        </p:spPr>
+        <p:txBody>
+          <a:bodyPr wrap="square" rtlCol="0">
+            <a:spAutoFit/>
+          </a:bodyPr>
+          <a:lstStyle/>
+          <a:p>
+            <a:r>
+              <a:rPr lang="de-DE" dirty="0">
+                <a:solidFill>
+                  <a:schemeClr val="accent1"/>
+                </a:solidFill>
+                <a:latin typeface="CMU Serif" panose="02000803000000000000" pitchFamily="2" charset="0"/>
+                <a:ea typeface="CMU Serif" panose="02000803000000000000" pitchFamily="2" charset="0"/>
+                <a:cs typeface="CMU Serif" panose="02000803000000000000" pitchFamily="2" charset="0"/>
+              </a:rPr>
+              <a:t>Grafische Darstellung in Form einer Karte, um bessere Visualisierung der prognostizierte Mietpreise zu fördern.</a:t>
+            </a:r>
+          </a:p>
+          <a:p>
+            <a:endParaRPr lang="de-DE" dirty="0">
+              <a:solidFill>
+                <a:schemeClr val="accent1"/>
+              </a:solidFill>
+              <a:latin typeface="CMU Serif" panose="02000803000000000000" pitchFamily="2" charset="0"/>
+              <a:ea typeface="CMU Serif" panose="02000803000000000000" pitchFamily="2" charset="0"/>
+              <a:cs typeface="CMU Serif" panose="02000803000000000000" pitchFamily="2" charset="0"/>
+            </a:endParaRPr>
+          </a:p>
+          <a:p>
+            <a:r>
+              <a:rPr lang="de-DE" dirty="0">
+                <a:solidFill>
+                  <a:schemeClr val="accent1"/>
+                </a:solidFill>
+                <a:latin typeface="CMU Serif" panose="02000803000000000000" pitchFamily="2" charset="0"/>
+                <a:ea typeface="CMU Serif" panose="02000803000000000000" pitchFamily="2" charset="0"/>
+                <a:cs typeface="CMU Serif" panose="02000803000000000000" pitchFamily="2" charset="0"/>
+              </a:rPr>
+              <a:t>Der User kann bei der Prognose die vorhergesagten Preise für andere Städte direkt vergleichen und schafft sich ein Überblick über die ungefähren Mietverhältnisse in Polen.</a:t>
+            </a:r>
+          </a:p>
+          <a:p>
+            <a:endParaRPr lang="de-DE" dirty="0"/>
+          </a:p>
+        </p:txBody>
+      </p:sp>
+    </p:spTree>
+    <p:extLst>
+      <p:ext uri="{BB962C8B-B14F-4D97-AF65-F5344CB8AC3E}">
+        <p14:creationId xmlns:p14="http://schemas.microsoft.com/office/powerpoint/2010/main" val="2264192763"/>
+      </p:ext>
+    </p:extLst>
+  </p:cSld>
+  <p:clrMapOvr>
+    <a:masterClrMapping/>
+  </p:clrMapOvr>
+  <p:transition spd="slow">
+    <p:push dir="u"/>
+  </p:transition>
+</p:sld>
+</file>
+
+<file path=ppt/slides/slide11.xml><?xml version="1.0" encoding="utf-8"?>
+<p:sld xmlns:a="http://schemas.openxmlformats.org/drawingml/2006/main" xmlns:r="http://schemas.openxmlformats.org/officeDocument/2006/relationships" xmlns:p="http://schemas.openxmlformats.org/presentationml/2006/main">
+  <p:cSld>
+    <p:spTree>
+      <p:nvGrpSpPr>
+        <p:cNvPr id="1" name=""/>
+        <p:cNvGrpSpPr/>
+        <p:nvPr/>
+      </p:nvGrpSpPr>
+      <p:grpSpPr>
+        <a:xfrm>
+          <a:off x="0" y="0"/>
+          <a:ext cx="0" cy="0"/>
+          <a:chOff x="0" y="0"/>
+          <a:chExt cx="0" cy="0"/>
+        </a:xfrm>
+      </p:grpSpPr>
+      <p:pic>
+        <p:nvPicPr>
+          <p:cNvPr id="3" name="Grafik 2">
+            <a:extLst>
+              <a:ext uri="{FF2B5EF4-FFF2-40B4-BE49-F238E27FC236}">
+                <a16:creationId xmlns:a16="http://schemas.microsoft.com/office/drawing/2014/main" id="{A4799FE7-B1B5-4096-9DB7-31AB14DBE521}"/>
+              </a:ext>
+            </a:extLst>
+          </p:cNvPr>
+          <p:cNvPicPr>
+            <a:picLocks noChangeAspect="1"/>
+          </p:cNvPicPr>
+          <p:nvPr/>
+        </p:nvPicPr>
+        <p:blipFill>
+          <a:blip r:embed="rId2">
+            <a:extLst>
+              <a:ext uri="{28A0092B-C50C-407E-A947-70E740481C1C}">
+                <a14:useLocalDpi xmlns:a14="http://schemas.microsoft.com/office/drawing/2010/main" val="0"/>
+              </a:ext>
+            </a:extLst>
+          </a:blip>
+          <a:stretch>
+            <a:fillRect/>
+          </a:stretch>
+        </p:blipFill>
+        <p:spPr>
+          <a:xfrm flipH="1">
+            <a:off x="9660" y="0"/>
+            <a:ext cx="12182340" cy="6858000"/>
+          </a:xfrm>
+          <a:prstGeom prst="rect">
+            <a:avLst/>
+          </a:prstGeom>
+        </p:spPr>
+      </p:pic>
+      <p:sp>
+        <p:nvSpPr>
+          <p:cNvPr id="2" name="TextBox 12">
+            <a:extLst>
+              <a:ext uri="{FF2B5EF4-FFF2-40B4-BE49-F238E27FC236}">
+                <a16:creationId xmlns:a16="http://schemas.microsoft.com/office/drawing/2014/main" id="{D71FCAD2-A048-0864-9B6B-5DFCF1B71488}"/>
+              </a:ext>
+            </a:extLst>
+          </p:cNvPr>
+          <p:cNvSpPr txBox="1"/>
+          <p:nvPr/>
+        </p:nvSpPr>
+        <p:spPr>
+          <a:xfrm>
+            <a:off x="269418" y="4171006"/>
+            <a:ext cx="5453746" cy="2308324"/>
+          </a:xfrm>
+          <a:prstGeom prst="rect">
+            <a:avLst/>
+          </a:prstGeom>
+          <a:noFill/>
+        </p:spPr>
+        <p:txBody>
+          <a:bodyPr wrap="square" rtlCol="0" anchor="ctr">
+            <a:spAutoFit/>
+          </a:bodyPr>
+          <a:lstStyle/>
+          <a:p>
+            <a:pPr algn="ctr"/>
+            <a:r>
+              <a:rPr lang="de-DE" altLang="ko-KR" sz="4800" dirty="0">
+                <a:solidFill>
+                  <a:schemeClr val="accent1">
+                    <a:lumMod val="50000"/>
+                  </a:schemeClr>
+                </a:solidFill>
+                <a:latin typeface="CMU Serif" panose="02000803000000000000" pitchFamily="2" charset="0"/>
+                <a:ea typeface="CMU Serif" panose="02000803000000000000" pitchFamily="2" charset="0"/>
+                <a:cs typeface="CMU Serif" panose="02000803000000000000" pitchFamily="2" charset="0"/>
+              </a:rPr>
+              <a:t>Vielen Dank</a:t>
+            </a:r>
+          </a:p>
+          <a:p>
+            <a:pPr algn="ctr"/>
+            <a:r>
+              <a:rPr lang="de-DE" altLang="ko-KR" sz="4800" dirty="0">
+                <a:solidFill>
+                  <a:schemeClr val="accent1">
+                    <a:lumMod val="50000"/>
+                  </a:schemeClr>
+                </a:solidFill>
+                <a:latin typeface="CMU Serif" panose="02000803000000000000" pitchFamily="2" charset="0"/>
+                <a:ea typeface="CMU Serif" panose="02000803000000000000" pitchFamily="2" charset="0"/>
+                <a:cs typeface="CMU Serif" panose="02000803000000000000" pitchFamily="2" charset="0"/>
+              </a:rPr>
+              <a:t>für</a:t>
+            </a:r>
+          </a:p>
+          <a:p>
+            <a:pPr algn="ctr"/>
+            <a:r>
+              <a:rPr lang="de-DE" altLang="ko-KR" sz="4800" dirty="0">
+                <a:solidFill>
+                  <a:schemeClr val="accent1">
+                    <a:lumMod val="50000"/>
+                  </a:schemeClr>
+                </a:solidFill>
+                <a:latin typeface="CMU Serif" panose="02000803000000000000" pitchFamily="2" charset="0"/>
+                <a:ea typeface="CMU Serif" panose="02000803000000000000" pitchFamily="2" charset="0"/>
+                <a:cs typeface="CMU Serif" panose="02000803000000000000" pitchFamily="2" charset="0"/>
+              </a:rPr>
+              <a:t>Aufmerksamkeit</a:t>
+            </a:r>
+          </a:p>
+        </p:txBody>
+      </p:sp>
+    </p:spTree>
+    <p:extLst>
+      <p:ext uri="{BB962C8B-B14F-4D97-AF65-F5344CB8AC3E}">
+        <p14:creationId xmlns:p14="http://schemas.microsoft.com/office/powerpoint/2010/main" val="1889622369"/>
       </p:ext>
     </p:extLst>
   </p:cSld>
@@ -4950,39 +5321,236 @@
       </p:grpSpPr>
       <p:sp>
         <p:nvSpPr>
-          <p:cNvPr id="4" name="TextBox 3">
+          <p:cNvPr id="2" name="Textplatzhalter 1">
             <a:extLst>
               <a:ext uri="{FF2B5EF4-FFF2-40B4-BE49-F238E27FC236}">
-                <a16:creationId xmlns:a16="http://schemas.microsoft.com/office/drawing/2014/main" id="{948A2979-A456-4286-B8FC-8FF4C0C58EFD}"/>
+                <a16:creationId xmlns:a16="http://schemas.microsoft.com/office/drawing/2014/main" id="{7B8B928B-D97B-2903-31C1-5EB25166F1BC}"/>
               </a:ext>
             </a:extLst>
           </p:cNvPr>
-          <p:cNvSpPr txBox="1"/>
-          <p:nvPr/>
+          <p:cNvSpPr>
+            <a:spLocks noGrp="1"/>
+          </p:cNvSpPr>
+          <p:nvPr>
+            <p:ph type="body" sz="quarter" idx="10"/>
+          </p:nvPr>
         </p:nvSpPr>
         <p:spPr>
           <a:xfrm>
-            <a:off x="1670957" y="550281"/>
-            <a:ext cx="5446295" cy="842538"/>
+            <a:off x="2096241" y="380330"/>
+            <a:ext cx="9775991" cy="724247"/>
+          </a:xfrm>
+        </p:spPr>
+        <p:txBody>
+          <a:bodyPr/>
+          <a:lstStyle/>
+          <a:p>
+            <a:r>
+              <a:rPr lang="de-DE" dirty="0">
+                <a:latin typeface="CMU Serif" panose="02000803000000000000" pitchFamily="2" charset="0"/>
+                <a:ea typeface="CMU Serif" panose="02000803000000000000" pitchFamily="2" charset="0"/>
+                <a:cs typeface="CMU Serif" panose="02000803000000000000" pitchFamily="2" charset="0"/>
+              </a:rPr>
+              <a:t>Use Case</a:t>
+            </a:r>
+          </a:p>
+        </p:txBody>
+      </p:sp>
+      <p:sp>
+        <p:nvSpPr>
+          <p:cNvPr id="3" name="Inhaltsplatzhalter 2">
+            <a:extLst>
+              <a:ext uri="{FF2B5EF4-FFF2-40B4-BE49-F238E27FC236}">
+                <a16:creationId xmlns:a16="http://schemas.microsoft.com/office/drawing/2014/main" id="{6CAAF150-A4C9-37EA-B753-F7BDBEDFCC7A}"/>
+              </a:ext>
+            </a:extLst>
+          </p:cNvPr>
+          <p:cNvSpPr txBox="1">
+            <a:spLocks/>
+          </p:cNvSpPr>
+          <p:nvPr/>
+        </p:nvSpPr>
+        <p:spPr bwMode="auto">
+          <a:xfrm>
+            <a:off x="961644" y="2237611"/>
+            <a:ext cx="10268712" cy="3593592"/>
           </a:xfrm>
           <a:prstGeom prst="rect">
             <a:avLst/>
           </a:prstGeom>
-          <a:noFill/>
         </p:spPr>
         <p:txBody>
-          <a:bodyPr wrap="square" rtlCol="0" anchor="ctr">
-            <a:spAutoFit/>
-          </a:bodyPr>
-          <a:lstStyle/>
+          <a:bodyPr/>
+          <a:lstStyle>
+            <a:lvl1pPr marL="228605" indent="-228605" algn="l" defTabSz="914423" rtl="0" eaLnBrk="1" latinLnBrk="0" hangingPunct="1">
+              <a:lnSpc>
+                <a:spcPct val="90000"/>
+              </a:lnSpc>
+              <a:spcBef>
+                <a:spcPts val="1000"/>
+              </a:spcBef>
+              <a:buFont typeface="Arial" panose="020B0604020202020204" pitchFamily="34" charset="0"/>
+              <a:buChar char="•"/>
+              <a:defRPr sz="2800" kern="1200">
+                <a:solidFill>
+                  <a:schemeClr val="tx1"/>
+                </a:solidFill>
+                <a:latin typeface="+mn-lt"/>
+                <a:ea typeface="+mn-ea"/>
+                <a:cs typeface="+mn-cs"/>
+              </a:defRPr>
+            </a:lvl1pPr>
+            <a:lvl2pPr marL="685818" indent="-228605" algn="l" defTabSz="914423" rtl="0" eaLnBrk="1" latinLnBrk="0" hangingPunct="1">
+              <a:lnSpc>
+                <a:spcPct val="90000"/>
+              </a:lnSpc>
+              <a:spcBef>
+                <a:spcPts val="500"/>
+              </a:spcBef>
+              <a:buFont typeface="Arial" panose="020B0604020202020204" pitchFamily="34" charset="0"/>
+              <a:buChar char="•"/>
+              <a:defRPr sz="2400" kern="1200">
+                <a:solidFill>
+                  <a:schemeClr val="tx1"/>
+                </a:solidFill>
+                <a:latin typeface="+mn-lt"/>
+                <a:ea typeface="+mn-ea"/>
+                <a:cs typeface="+mn-cs"/>
+              </a:defRPr>
+            </a:lvl2pPr>
+            <a:lvl3pPr marL="1143028" indent="-228605" algn="l" defTabSz="914423" rtl="0" eaLnBrk="1" latinLnBrk="0" hangingPunct="1">
+              <a:lnSpc>
+                <a:spcPct val="90000"/>
+              </a:lnSpc>
+              <a:spcBef>
+                <a:spcPts val="500"/>
+              </a:spcBef>
+              <a:buFont typeface="Arial" panose="020B0604020202020204" pitchFamily="34" charset="0"/>
+              <a:buChar char="•"/>
+              <a:defRPr sz="2000" kern="1200">
+                <a:solidFill>
+                  <a:schemeClr val="tx1"/>
+                </a:solidFill>
+                <a:latin typeface="+mn-lt"/>
+                <a:ea typeface="+mn-ea"/>
+                <a:cs typeface="+mn-cs"/>
+              </a:defRPr>
+            </a:lvl3pPr>
+            <a:lvl4pPr marL="1600240" indent="-228605" algn="l" defTabSz="914423" rtl="0" eaLnBrk="1" latinLnBrk="0" hangingPunct="1">
+              <a:lnSpc>
+                <a:spcPct val="90000"/>
+              </a:lnSpc>
+              <a:spcBef>
+                <a:spcPts val="500"/>
+              </a:spcBef>
+              <a:buFont typeface="Arial" panose="020B0604020202020204" pitchFamily="34" charset="0"/>
+              <a:buChar char="•"/>
+              <a:defRPr sz="1800" kern="1200">
+                <a:solidFill>
+                  <a:schemeClr val="tx1"/>
+                </a:solidFill>
+                <a:latin typeface="+mn-lt"/>
+                <a:ea typeface="+mn-ea"/>
+                <a:cs typeface="+mn-cs"/>
+              </a:defRPr>
+            </a:lvl4pPr>
+            <a:lvl5pPr marL="2057452" indent="-228605" algn="l" defTabSz="914423" rtl="0" eaLnBrk="1" latinLnBrk="0" hangingPunct="1">
+              <a:lnSpc>
+                <a:spcPct val="90000"/>
+              </a:lnSpc>
+              <a:spcBef>
+                <a:spcPts val="500"/>
+              </a:spcBef>
+              <a:buFont typeface="Arial" panose="020B0604020202020204" pitchFamily="34" charset="0"/>
+              <a:buChar char="•"/>
+              <a:defRPr sz="1800" kern="1200">
+                <a:solidFill>
+                  <a:schemeClr val="tx1"/>
+                </a:solidFill>
+                <a:latin typeface="+mn-lt"/>
+                <a:ea typeface="+mn-ea"/>
+                <a:cs typeface="+mn-cs"/>
+              </a:defRPr>
+            </a:lvl5pPr>
+            <a:lvl6pPr marL="2514663" indent="-228605" algn="l" defTabSz="914423" rtl="0" eaLnBrk="1" latinLnBrk="0" hangingPunct="1">
+              <a:lnSpc>
+                <a:spcPct val="90000"/>
+              </a:lnSpc>
+              <a:spcBef>
+                <a:spcPts val="500"/>
+              </a:spcBef>
+              <a:buFont typeface="Arial" panose="020B0604020202020204" pitchFamily="34" charset="0"/>
+              <a:buChar char="•"/>
+              <a:defRPr sz="1800" kern="1200">
+                <a:solidFill>
+                  <a:schemeClr val="tx1"/>
+                </a:solidFill>
+                <a:latin typeface="+mn-lt"/>
+                <a:ea typeface="+mn-ea"/>
+                <a:cs typeface="+mn-cs"/>
+              </a:defRPr>
+            </a:lvl6pPr>
+            <a:lvl7pPr marL="2971875" indent="-228605" algn="l" defTabSz="914423" rtl="0" eaLnBrk="1" latinLnBrk="0" hangingPunct="1">
+              <a:lnSpc>
+                <a:spcPct val="90000"/>
+              </a:lnSpc>
+              <a:spcBef>
+                <a:spcPts val="500"/>
+              </a:spcBef>
+              <a:buFont typeface="Arial" panose="020B0604020202020204" pitchFamily="34" charset="0"/>
+              <a:buChar char="•"/>
+              <a:defRPr sz="1800" kern="1200">
+                <a:solidFill>
+                  <a:schemeClr val="tx1"/>
+                </a:solidFill>
+                <a:latin typeface="+mn-lt"/>
+                <a:ea typeface="+mn-ea"/>
+                <a:cs typeface="+mn-cs"/>
+              </a:defRPr>
+            </a:lvl7pPr>
+            <a:lvl8pPr marL="3429085" indent="-228605" algn="l" defTabSz="914423" rtl="0" eaLnBrk="1" latinLnBrk="0" hangingPunct="1">
+              <a:lnSpc>
+                <a:spcPct val="90000"/>
+              </a:lnSpc>
+              <a:spcBef>
+                <a:spcPts val="500"/>
+              </a:spcBef>
+              <a:buFont typeface="Arial" panose="020B0604020202020204" pitchFamily="34" charset="0"/>
+              <a:buChar char="•"/>
+              <a:defRPr sz="1800" kern="1200">
+                <a:solidFill>
+                  <a:schemeClr val="tx1"/>
+                </a:solidFill>
+                <a:latin typeface="+mn-lt"/>
+                <a:ea typeface="+mn-ea"/>
+                <a:cs typeface="+mn-cs"/>
+              </a:defRPr>
+            </a:lvl8pPr>
+            <a:lvl9pPr marL="3886298" indent="-228605" algn="l" defTabSz="914423" rtl="0" eaLnBrk="1" latinLnBrk="0" hangingPunct="1">
+              <a:lnSpc>
+                <a:spcPct val="90000"/>
+              </a:lnSpc>
+              <a:spcBef>
+                <a:spcPts val="500"/>
+              </a:spcBef>
+              <a:buFont typeface="Arial" panose="020B0604020202020204" pitchFamily="34" charset="0"/>
+              <a:buChar char="•"/>
+              <a:defRPr sz="1800" kern="1200">
+                <a:solidFill>
+                  <a:schemeClr val="tx1"/>
+                </a:solidFill>
+                <a:latin typeface="+mn-lt"/>
+                <a:ea typeface="+mn-ea"/>
+                <a:cs typeface="+mn-cs"/>
+              </a:defRPr>
+            </a:lvl9pPr>
+          </a:lstStyle>
           <a:p>
-            <a:pPr algn="ctr">
-              <a:lnSpc>
-                <a:spcPts val="5400"/>
-              </a:lnSpc>
+            <a:pPr>
+              <a:defRPr/>
             </a:pPr>
             <a:r>
-              <a:rPr lang="de-DE" altLang="ko-KR" sz="6000" dirty="0">
+              <a:rPr lang="de-DE" dirty="0">
                 <a:solidFill>
                   <a:srgbClr val="002060"/>
                 </a:solidFill>
@@ -4990,742 +5558,56 @@
                 <a:ea typeface="CMU Serif" panose="02000803000000000000" pitchFamily="2" charset="0"/>
                 <a:cs typeface="CMU Serif" panose="02000803000000000000" pitchFamily="2" charset="0"/>
               </a:rPr>
-              <a:t>Gliederung</a:t>
+              <a:t>Soll bei der Schätzung von Mietpreisen in großen polnischen Städten unterstützen:</a:t>
             </a:r>
-            <a:endParaRPr lang="de-DE" altLang="ko-KR" sz="6000" dirty="0">
+          </a:p>
+          <a:p>
+            <a:pPr>
+              <a:defRPr/>
+            </a:pPr>
+            <a:endParaRPr lang="de-DE" dirty="0">
               <a:solidFill>
-                <a:schemeClr val="accent1"/>
+                <a:srgbClr val="002060"/>
               </a:solidFill>
               <a:latin typeface="CMU Serif" panose="02000803000000000000" pitchFamily="2" charset="0"/>
               <a:ea typeface="CMU Serif" panose="02000803000000000000" pitchFamily="2" charset="0"/>
               <a:cs typeface="CMU Serif" panose="02000803000000000000" pitchFamily="2" charset="0"/>
             </a:endParaRPr>
           </a:p>
-        </p:txBody>
-      </p:sp>
-      <p:sp>
-        <p:nvSpPr>
-          <p:cNvPr id="153" name="Freeform: Shape 152">
-            <a:extLst>
-              <a:ext uri="{FF2B5EF4-FFF2-40B4-BE49-F238E27FC236}">
-                <a16:creationId xmlns:a16="http://schemas.microsoft.com/office/drawing/2014/main" id="{F3B4A34E-C246-47F5-A863-109A43C0757D}"/>
-              </a:ext>
-            </a:extLst>
-          </p:cNvPr>
-          <p:cNvSpPr/>
-          <p:nvPr/>
-        </p:nvSpPr>
-        <p:spPr>
-          <a:xfrm>
-            <a:off x="437433" y="352759"/>
-            <a:ext cx="1473009" cy="906048"/>
-          </a:xfrm>
-          <a:custGeom>
-            <a:avLst/>
-            <a:gdLst>
-              <a:gd name="connsiteX0" fmla="*/ 5086770 w 5086770"/>
-              <a:gd name="connsiteY0" fmla="*/ 1174706 h 3128874"/>
-              <a:gd name="connsiteX1" fmla="*/ 5086770 w 5086770"/>
-              <a:gd name="connsiteY1" fmla="*/ 1184663 h 3128874"/>
-              <a:gd name="connsiteX2" fmla="*/ 5079830 w 5086770"/>
-              <a:gd name="connsiteY2" fmla="*/ 1185820 h 3128874"/>
-              <a:gd name="connsiteX3" fmla="*/ 5078289 w 5086770"/>
-              <a:gd name="connsiteY3" fmla="*/ 1182737 h 3128874"/>
-              <a:gd name="connsiteX4" fmla="*/ 5078289 w 5086770"/>
-              <a:gd name="connsiteY4" fmla="*/ 1179654 h 3128874"/>
-              <a:gd name="connsiteX5" fmla="*/ 1690658 w 5086770"/>
-              <a:gd name="connsiteY5" fmla="*/ 810655 h 3128874"/>
-              <a:gd name="connsiteX6" fmla="*/ 1349061 w 5086770"/>
-              <a:gd name="connsiteY6" fmla="*/ 1934928 h 3128874"/>
-              <a:gd name="connsiteX7" fmla="*/ 2035854 w 5086770"/>
-              <a:gd name="connsiteY7" fmla="*/ 1934928 h 3128874"/>
-              <a:gd name="connsiteX8" fmla="*/ 3765314 w 5086770"/>
-              <a:gd name="connsiteY8" fmla="*/ 0 h 3128874"/>
-              <a:gd name="connsiteX9" fmla="*/ 4465138 w 5086770"/>
-              <a:gd name="connsiteY9" fmla="*/ 0 h 3128874"/>
-              <a:gd name="connsiteX10" fmla="*/ 4675955 w 5086770"/>
-              <a:gd name="connsiteY10" fmla="*/ 0 h 3128874"/>
-              <a:gd name="connsiteX11" fmla="*/ 4659036 w 5086770"/>
-              <a:gd name="connsiteY11" fmla="*/ 34412 h 3128874"/>
-              <a:gd name="connsiteX12" fmla="*/ 4651327 w 5086770"/>
-              <a:gd name="connsiteY12" fmla="*/ 45203 h 3128874"/>
-              <a:gd name="connsiteX13" fmla="*/ 4648245 w 5086770"/>
-              <a:gd name="connsiteY13" fmla="*/ 51368 h 3128874"/>
-              <a:gd name="connsiteX14" fmla="*/ 4483319 w 5086770"/>
-              <a:gd name="connsiteY14" fmla="*/ 361184 h 3128874"/>
-              <a:gd name="connsiteX15" fmla="*/ 4480236 w 5086770"/>
-              <a:gd name="connsiteY15" fmla="*/ 373515 h 3128874"/>
-              <a:gd name="connsiteX16" fmla="*/ 4474071 w 5086770"/>
-              <a:gd name="connsiteY16" fmla="*/ 398176 h 3128874"/>
-              <a:gd name="connsiteX17" fmla="*/ 4450950 w 5086770"/>
-              <a:gd name="connsiteY17" fmla="*/ 498367 h 3128874"/>
-              <a:gd name="connsiteX18" fmla="*/ 4440161 w 5086770"/>
-              <a:gd name="connsiteY18" fmla="*/ 527652 h 3128874"/>
-              <a:gd name="connsiteX19" fmla="*/ 4441700 w 5086770"/>
-              <a:gd name="connsiteY19" fmla="*/ 539983 h 3128874"/>
-              <a:gd name="connsiteX20" fmla="*/ 4437078 w 5086770"/>
-              <a:gd name="connsiteY20" fmla="*/ 561562 h 3128874"/>
-              <a:gd name="connsiteX21" fmla="*/ 4433995 w 5086770"/>
-              <a:gd name="connsiteY21" fmla="*/ 576976 h 3128874"/>
-              <a:gd name="connsiteX22" fmla="*/ 4433994 w 5086770"/>
-              <a:gd name="connsiteY22" fmla="*/ 578519 h 3128874"/>
-              <a:gd name="connsiteX23" fmla="*/ 4413956 w 5086770"/>
-              <a:gd name="connsiteY23" fmla="*/ 797393 h 3128874"/>
-              <a:gd name="connsiteX24" fmla="*/ 4438619 w 5086770"/>
-              <a:gd name="connsiteY24" fmla="*/ 996230 h 3128874"/>
-              <a:gd name="connsiteX25" fmla="*/ 4433995 w 5086770"/>
-              <a:gd name="connsiteY25" fmla="*/ 1016268 h 3128874"/>
-              <a:gd name="connsiteX26" fmla="*/ 4435536 w 5086770"/>
-              <a:gd name="connsiteY26" fmla="*/ 1025517 h 3128874"/>
-              <a:gd name="connsiteX27" fmla="*/ 4437078 w 5086770"/>
-              <a:gd name="connsiteY27" fmla="*/ 1027057 h 3128874"/>
-              <a:gd name="connsiteX28" fmla="*/ 4432452 w 5086770"/>
-              <a:gd name="connsiteY28" fmla="*/ 1048636 h 3128874"/>
-              <a:gd name="connsiteX29" fmla="*/ 4413956 w 5086770"/>
-              <a:gd name="connsiteY29" fmla="*/ 1085630 h 3128874"/>
-              <a:gd name="connsiteX30" fmla="*/ 4196623 w 5086770"/>
-              <a:gd name="connsiteY30" fmla="*/ 1389280 h 3128874"/>
-              <a:gd name="connsiteX31" fmla="*/ 4085645 w 5086770"/>
-              <a:gd name="connsiteY31" fmla="*/ 1597365 h 3128874"/>
-              <a:gd name="connsiteX32" fmla="*/ 4216661 w 5086770"/>
-              <a:gd name="connsiteY32" fmla="*/ 1697556 h 3128874"/>
-              <a:gd name="connsiteX33" fmla="*/ 4250571 w 5086770"/>
-              <a:gd name="connsiteY33" fmla="*/ 1811617 h 3128874"/>
-              <a:gd name="connsiteX34" fmla="*/ 4173502 w 5086770"/>
-              <a:gd name="connsiteY34" fmla="*/ 1888685 h 3128874"/>
-              <a:gd name="connsiteX35" fmla="*/ 4213578 w 5086770"/>
-              <a:gd name="connsiteY35" fmla="*/ 2022784 h 3128874"/>
-              <a:gd name="connsiteX36" fmla="*/ 4347678 w 5086770"/>
-              <a:gd name="connsiteY36" fmla="*/ 2090605 h 3128874"/>
-              <a:gd name="connsiteX37" fmla="*/ 4233616 w 5086770"/>
-              <a:gd name="connsiteY37" fmla="*/ 2138388 h 3128874"/>
-              <a:gd name="connsiteX38" fmla="*/ 4227451 w 5086770"/>
-              <a:gd name="connsiteY38" fmla="*/ 2258616 h 3128874"/>
-              <a:gd name="connsiteX39" fmla="*/ 4350761 w 5086770"/>
-              <a:gd name="connsiteY39" fmla="*/ 2320270 h 3128874"/>
-              <a:gd name="connsiteX40" fmla="*/ 4333805 w 5086770"/>
-              <a:gd name="connsiteY40" fmla="*/ 2462077 h 3128874"/>
-              <a:gd name="connsiteX41" fmla="*/ 4467905 w 5086770"/>
-              <a:gd name="connsiteY41" fmla="*/ 2719486 h 3128874"/>
-              <a:gd name="connsiteX42" fmla="*/ 4800655 w 5086770"/>
-              <a:gd name="connsiteY42" fmla="*/ 2748491 h 3128874"/>
-              <a:gd name="connsiteX43" fmla="*/ 4838191 w 5086770"/>
-              <a:gd name="connsiteY43" fmla="*/ 2744074 h 3128874"/>
-              <a:gd name="connsiteX44" fmla="*/ 4863823 w 5086770"/>
-              <a:gd name="connsiteY44" fmla="*/ 2765476 h 3128874"/>
-              <a:gd name="connsiteX45" fmla="*/ 4934321 w 5086770"/>
-              <a:gd name="connsiteY45" fmla="*/ 2911083 h 3128874"/>
-              <a:gd name="connsiteX46" fmla="*/ 4964162 w 5086770"/>
-              <a:gd name="connsiteY46" fmla="*/ 3074402 h 3128874"/>
-              <a:gd name="connsiteX47" fmla="*/ 4967647 w 5086770"/>
-              <a:gd name="connsiteY47" fmla="*/ 3128874 h 3128874"/>
-              <a:gd name="connsiteX48" fmla="*/ 4465138 w 5086770"/>
-              <a:gd name="connsiteY48" fmla="*/ 3128874 h 3128874"/>
-              <a:gd name="connsiteX49" fmla="*/ 4465138 w 5086770"/>
-              <a:gd name="connsiteY49" fmla="*/ 3127460 h 3128874"/>
-              <a:gd name="connsiteX50" fmla="*/ 3765314 w 5086770"/>
-              <a:gd name="connsiteY50" fmla="*/ 3127460 h 3128874"/>
-              <a:gd name="connsiteX51" fmla="*/ 1175459 w 5086770"/>
-              <a:gd name="connsiteY51" fmla="*/ 0 h 3128874"/>
-              <a:gd name="connsiteX52" fmla="*/ 2229594 w 5086770"/>
-              <a:gd name="connsiteY52" fmla="*/ 0 h 3128874"/>
-              <a:gd name="connsiteX53" fmla="*/ 3404781 w 5086770"/>
-              <a:gd name="connsiteY53" fmla="*/ 3127460 h 3128874"/>
-              <a:gd name="connsiteX54" fmla="*/ 2392789 w 5086770"/>
-              <a:gd name="connsiteY54" fmla="*/ 3127460 h 3128874"/>
-              <a:gd name="connsiteX55" fmla="*/ 2236317 w 5086770"/>
-              <a:gd name="connsiteY55" fmla="*/ 2611186 h 3128874"/>
-              <a:gd name="connsiteX56" fmla="*/ 1139165 w 5086770"/>
-              <a:gd name="connsiteY56" fmla="*/ 2611186 h 3128874"/>
-              <a:gd name="connsiteX57" fmla="*/ 986721 w 5086770"/>
-              <a:gd name="connsiteY57" fmla="*/ 3127460 h 3128874"/>
-              <a:gd name="connsiteX58" fmla="*/ 0 w 5086770"/>
-              <a:gd name="connsiteY58" fmla="*/ 3127460 h 3128874"/>
-            </a:gdLst>
-            <a:ahLst/>
-            <a:cxnLst>
-              <a:cxn ang="0">
-                <a:pos x="connsiteX0" y="connsiteY0"/>
-              </a:cxn>
-              <a:cxn ang="0">
-                <a:pos x="connsiteX1" y="connsiteY1"/>
-              </a:cxn>
-              <a:cxn ang="0">
-                <a:pos x="connsiteX2" y="connsiteY2"/>
-              </a:cxn>
-              <a:cxn ang="0">
-                <a:pos x="connsiteX3" y="connsiteY3"/>
-              </a:cxn>
-              <a:cxn ang="0">
-                <a:pos x="connsiteX4" y="connsiteY4"/>
-              </a:cxn>
-              <a:cxn ang="0">
-                <a:pos x="connsiteX5" y="connsiteY5"/>
-              </a:cxn>
-              <a:cxn ang="0">
-                <a:pos x="connsiteX6" y="connsiteY6"/>
-              </a:cxn>
-              <a:cxn ang="0">
-                <a:pos x="connsiteX7" y="connsiteY7"/>
-              </a:cxn>
-              <a:cxn ang="0">
-                <a:pos x="connsiteX8" y="connsiteY8"/>
-              </a:cxn>
-              <a:cxn ang="0">
-                <a:pos x="connsiteX9" y="connsiteY9"/>
-              </a:cxn>
-              <a:cxn ang="0">
-                <a:pos x="connsiteX10" y="connsiteY10"/>
-              </a:cxn>
-              <a:cxn ang="0">
-                <a:pos x="connsiteX11" y="connsiteY11"/>
-              </a:cxn>
-              <a:cxn ang="0">
-                <a:pos x="connsiteX12" y="connsiteY12"/>
-              </a:cxn>
-              <a:cxn ang="0">
-                <a:pos x="connsiteX13" y="connsiteY13"/>
-              </a:cxn>
-              <a:cxn ang="0">
-                <a:pos x="connsiteX14" y="connsiteY14"/>
-              </a:cxn>
-              <a:cxn ang="0">
-                <a:pos x="connsiteX15" y="connsiteY15"/>
-              </a:cxn>
-              <a:cxn ang="0">
-                <a:pos x="connsiteX16" y="connsiteY16"/>
-              </a:cxn>
-              <a:cxn ang="0">
-                <a:pos x="connsiteX17" y="connsiteY17"/>
-              </a:cxn>
-              <a:cxn ang="0">
-                <a:pos x="connsiteX18" y="connsiteY18"/>
-              </a:cxn>
-              <a:cxn ang="0">
-                <a:pos x="connsiteX19" y="connsiteY19"/>
-              </a:cxn>
-              <a:cxn ang="0">
-                <a:pos x="connsiteX20" y="connsiteY20"/>
-              </a:cxn>
-              <a:cxn ang="0">
-                <a:pos x="connsiteX21" y="connsiteY21"/>
-              </a:cxn>
-              <a:cxn ang="0">
-                <a:pos x="connsiteX22" y="connsiteY22"/>
-              </a:cxn>
-              <a:cxn ang="0">
-                <a:pos x="connsiteX23" y="connsiteY23"/>
-              </a:cxn>
-              <a:cxn ang="0">
-                <a:pos x="connsiteX24" y="connsiteY24"/>
-              </a:cxn>
-              <a:cxn ang="0">
-                <a:pos x="connsiteX25" y="connsiteY25"/>
-              </a:cxn>
-              <a:cxn ang="0">
-                <a:pos x="connsiteX26" y="connsiteY26"/>
-              </a:cxn>
-              <a:cxn ang="0">
-                <a:pos x="connsiteX27" y="connsiteY27"/>
-              </a:cxn>
-              <a:cxn ang="0">
-                <a:pos x="connsiteX28" y="connsiteY28"/>
-              </a:cxn>
-              <a:cxn ang="0">
-                <a:pos x="connsiteX29" y="connsiteY29"/>
-              </a:cxn>
-              <a:cxn ang="0">
-                <a:pos x="connsiteX30" y="connsiteY30"/>
-              </a:cxn>
-              <a:cxn ang="0">
-                <a:pos x="connsiteX31" y="connsiteY31"/>
-              </a:cxn>
-              <a:cxn ang="0">
-                <a:pos x="connsiteX32" y="connsiteY32"/>
-              </a:cxn>
-              <a:cxn ang="0">
-                <a:pos x="connsiteX33" y="connsiteY33"/>
-              </a:cxn>
-              <a:cxn ang="0">
-                <a:pos x="connsiteX34" y="connsiteY34"/>
-              </a:cxn>
-              <a:cxn ang="0">
-                <a:pos x="connsiteX35" y="connsiteY35"/>
-              </a:cxn>
-              <a:cxn ang="0">
-                <a:pos x="connsiteX36" y="connsiteY36"/>
-              </a:cxn>
-              <a:cxn ang="0">
-                <a:pos x="connsiteX37" y="connsiteY37"/>
-              </a:cxn>
-              <a:cxn ang="0">
-                <a:pos x="connsiteX38" y="connsiteY38"/>
-              </a:cxn>
-              <a:cxn ang="0">
-                <a:pos x="connsiteX39" y="connsiteY39"/>
-              </a:cxn>
-              <a:cxn ang="0">
-                <a:pos x="connsiteX40" y="connsiteY40"/>
-              </a:cxn>
-              <a:cxn ang="0">
-                <a:pos x="connsiteX41" y="connsiteY41"/>
-              </a:cxn>
-              <a:cxn ang="0">
-                <a:pos x="connsiteX42" y="connsiteY42"/>
-              </a:cxn>
-              <a:cxn ang="0">
-                <a:pos x="connsiteX43" y="connsiteY43"/>
-              </a:cxn>
-              <a:cxn ang="0">
-                <a:pos x="connsiteX44" y="connsiteY44"/>
-              </a:cxn>
-              <a:cxn ang="0">
-                <a:pos x="connsiteX45" y="connsiteY45"/>
-              </a:cxn>
-              <a:cxn ang="0">
-                <a:pos x="connsiteX46" y="connsiteY46"/>
-              </a:cxn>
-              <a:cxn ang="0">
-                <a:pos x="connsiteX47" y="connsiteY47"/>
-              </a:cxn>
-              <a:cxn ang="0">
-                <a:pos x="connsiteX48" y="connsiteY48"/>
-              </a:cxn>
-              <a:cxn ang="0">
-                <a:pos x="connsiteX49" y="connsiteY49"/>
-              </a:cxn>
-              <a:cxn ang="0">
-                <a:pos x="connsiteX50" y="connsiteY50"/>
-              </a:cxn>
-              <a:cxn ang="0">
-                <a:pos x="connsiteX51" y="connsiteY51"/>
-              </a:cxn>
-              <a:cxn ang="0">
-                <a:pos x="connsiteX52" y="connsiteY52"/>
-              </a:cxn>
-              <a:cxn ang="0">
-                <a:pos x="connsiteX53" y="connsiteY53"/>
-              </a:cxn>
-              <a:cxn ang="0">
-                <a:pos x="connsiteX54" y="connsiteY54"/>
-              </a:cxn>
-              <a:cxn ang="0">
-                <a:pos x="connsiteX55" y="connsiteY55"/>
-              </a:cxn>
-              <a:cxn ang="0">
-                <a:pos x="connsiteX56" y="connsiteY56"/>
-              </a:cxn>
-              <a:cxn ang="0">
-                <a:pos x="connsiteX57" y="connsiteY57"/>
-              </a:cxn>
-              <a:cxn ang="0">
-                <a:pos x="connsiteX58" y="connsiteY58"/>
-              </a:cxn>
-            </a:cxnLst>
-            <a:rect l="l" t="t" r="r" b="b"/>
-            <a:pathLst>
-              <a:path w="5086770" h="3128874">
-                <a:moveTo>
-                  <a:pt x="5086770" y="1174706"/>
-                </a:moveTo>
-                <a:lnTo>
-                  <a:pt x="5086770" y="1184663"/>
-                </a:lnTo>
-                <a:lnTo>
-                  <a:pt x="5079830" y="1185820"/>
-                </a:lnTo>
-                <a:cubicBezTo>
-                  <a:pt x="5079829" y="1184277"/>
-                  <a:pt x="5078289" y="1184277"/>
-                  <a:pt x="5078289" y="1182737"/>
-                </a:cubicBezTo>
-                <a:lnTo>
-                  <a:pt x="5078289" y="1179654"/>
-                </a:lnTo>
-                <a:close/>
-                <a:moveTo>
-                  <a:pt x="1690658" y="810655"/>
-                </a:moveTo>
-                <a:lnTo>
-                  <a:pt x="1349061" y="1934928"/>
-                </a:lnTo>
-                <a:lnTo>
-                  <a:pt x="2035854" y="1934928"/>
-                </a:lnTo>
-                <a:close/>
-                <a:moveTo>
-                  <a:pt x="3765314" y="0"/>
-                </a:moveTo>
-                <a:lnTo>
-                  <a:pt x="4465138" y="0"/>
-                </a:lnTo>
-                <a:lnTo>
-                  <a:pt x="4675955" y="0"/>
-                </a:lnTo>
-                <a:lnTo>
-                  <a:pt x="4659036" y="34412"/>
-                </a:lnTo>
-                <a:cubicBezTo>
-                  <a:pt x="4655952" y="37496"/>
-                  <a:pt x="4652870" y="40578"/>
-                  <a:pt x="4651327" y="45203"/>
-                </a:cubicBezTo>
-                <a:cubicBezTo>
-                  <a:pt x="4649787" y="48285"/>
-                  <a:pt x="4649788" y="49827"/>
-                  <a:pt x="4648245" y="51368"/>
-                </a:cubicBezTo>
-                <a:cubicBezTo>
-                  <a:pt x="4632831" y="72947"/>
-                  <a:pt x="4528018" y="224002"/>
-                  <a:pt x="4483319" y="361184"/>
-                </a:cubicBezTo>
-                <a:cubicBezTo>
-                  <a:pt x="4481777" y="365808"/>
-                  <a:pt x="4480236" y="368891"/>
-                  <a:pt x="4480236" y="373515"/>
-                </a:cubicBezTo>
-                <a:cubicBezTo>
-                  <a:pt x="4478694" y="381223"/>
-                  <a:pt x="4475612" y="390471"/>
-                  <a:pt x="4474071" y="398176"/>
-                </a:cubicBezTo>
-                <a:cubicBezTo>
-                  <a:pt x="4466362" y="432087"/>
-                  <a:pt x="4458657" y="465997"/>
-                  <a:pt x="4450950" y="498367"/>
-                </a:cubicBezTo>
-                <a:cubicBezTo>
-                  <a:pt x="4444783" y="506073"/>
-                  <a:pt x="4440160" y="516863"/>
-                  <a:pt x="4440161" y="527652"/>
-                </a:cubicBezTo>
-                <a:cubicBezTo>
-                  <a:pt x="4440160" y="532277"/>
-                  <a:pt x="4440160" y="535360"/>
-                  <a:pt x="4441700" y="539983"/>
-                </a:cubicBezTo>
-                <a:cubicBezTo>
-                  <a:pt x="4440161" y="547691"/>
-                  <a:pt x="4438618" y="555397"/>
-                  <a:pt x="4437078" y="561562"/>
-                </a:cubicBezTo>
-                <a:cubicBezTo>
-                  <a:pt x="4435535" y="566187"/>
-                  <a:pt x="4433995" y="570810"/>
-                  <a:pt x="4433995" y="576976"/>
-                </a:cubicBezTo>
-                <a:cubicBezTo>
-                  <a:pt x="4433995" y="576976"/>
-                  <a:pt x="4433994" y="578519"/>
-                  <a:pt x="4433994" y="578519"/>
-                </a:cubicBezTo>
-                <a:cubicBezTo>
-                  <a:pt x="4417039" y="674083"/>
-                  <a:pt x="4407790" y="755776"/>
-                  <a:pt x="4413956" y="797393"/>
-                </a:cubicBezTo>
-                <a:cubicBezTo>
-                  <a:pt x="4421664" y="846717"/>
-                  <a:pt x="4440160" y="929951"/>
-                  <a:pt x="4438619" y="996230"/>
-                </a:cubicBezTo>
-                <a:cubicBezTo>
-                  <a:pt x="4435535" y="1002395"/>
-                  <a:pt x="4433995" y="1008560"/>
-                  <a:pt x="4433995" y="1016268"/>
-                </a:cubicBezTo>
-                <a:cubicBezTo>
-                  <a:pt x="4433995" y="1019351"/>
-                  <a:pt x="4435536" y="1022434"/>
-                  <a:pt x="4435536" y="1025517"/>
-                </a:cubicBezTo>
-                <a:cubicBezTo>
-                  <a:pt x="4435536" y="1025517"/>
-                  <a:pt x="4435535" y="1027057"/>
-                  <a:pt x="4437078" y="1027057"/>
-                </a:cubicBezTo>
-                <a:cubicBezTo>
-                  <a:pt x="4435536" y="1034764"/>
-                  <a:pt x="4433994" y="1042471"/>
-                  <a:pt x="4432452" y="1048636"/>
-                </a:cubicBezTo>
-                <a:lnTo>
-                  <a:pt x="4413956" y="1085630"/>
-                </a:lnTo>
-                <a:cubicBezTo>
-                  <a:pt x="4369257" y="1164240"/>
-                  <a:pt x="4258278" y="1339957"/>
-                  <a:pt x="4196623" y="1389280"/>
-                </a:cubicBezTo>
-                <a:cubicBezTo>
-                  <a:pt x="4128802" y="1441687"/>
-                  <a:pt x="4062523" y="1538793"/>
-                  <a:pt x="4085645" y="1597365"/>
-                </a:cubicBezTo>
-                <a:cubicBezTo>
-                  <a:pt x="4119555" y="1660562"/>
-                  <a:pt x="4181210" y="1688307"/>
-                  <a:pt x="4216661" y="1697556"/>
-                </a:cubicBezTo>
-                <a:cubicBezTo>
-                  <a:pt x="4252112" y="1706804"/>
-                  <a:pt x="4275233" y="1779247"/>
-                  <a:pt x="4250571" y="1811617"/>
-                </a:cubicBezTo>
-                <a:cubicBezTo>
-                  <a:pt x="4225909" y="1843985"/>
-                  <a:pt x="4187375" y="1853233"/>
-                  <a:pt x="4173502" y="1888685"/>
-                </a:cubicBezTo>
-                <a:cubicBezTo>
-                  <a:pt x="4159630" y="1924137"/>
-                  <a:pt x="4153465" y="1998123"/>
-                  <a:pt x="4213578" y="2022784"/>
-                </a:cubicBezTo>
-                <a:cubicBezTo>
-                  <a:pt x="4259818" y="2041281"/>
-                  <a:pt x="4349219" y="2081356"/>
-                  <a:pt x="4347678" y="2090605"/>
-                </a:cubicBezTo>
-                <a:cubicBezTo>
-                  <a:pt x="4346136" y="2099853"/>
-                  <a:pt x="4250570" y="2107561"/>
-                  <a:pt x="4233616" y="2138388"/>
-                </a:cubicBezTo>
-                <a:cubicBezTo>
-                  <a:pt x="4216660" y="2169216"/>
-                  <a:pt x="4204330" y="2220080"/>
-                  <a:pt x="4227451" y="2258616"/>
-                </a:cubicBezTo>
-                <a:cubicBezTo>
-                  <a:pt x="4250571" y="2297149"/>
-                  <a:pt x="4332264" y="2292526"/>
-                  <a:pt x="4350761" y="2320270"/>
-                </a:cubicBezTo>
-                <a:cubicBezTo>
-                  <a:pt x="4381588" y="2371135"/>
-                  <a:pt x="4358466" y="2378843"/>
-                  <a:pt x="4333805" y="2462077"/>
-                </a:cubicBezTo>
-                <a:cubicBezTo>
-                  <a:pt x="4306060" y="2551476"/>
-                  <a:pt x="4302977" y="2650125"/>
-                  <a:pt x="4467905" y="2719486"/>
-                </a:cubicBezTo>
-                <a:cubicBezTo>
-                  <a:pt x="4562314" y="2758983"/>
-                  <a:pt x="4694054" y="2758743"/>
-                  <a:pt x="4800655" y="2748491"/>
-                </a:cubicBezTo>
-                <a:lnTo>
-                  <a:pt x="4838191" y="2744074"/>
-                </a:lnTo>
-                <a:lnTo>
-                  <a:pt x="4863823" y="2765476"/>
-                </a:lnTo>
-                <a:cubicBezTo>
-                  <a:pt x="4895578" y="2799449"/>
-                  <a:pt x="4917344" y="2847230"/>
-                  <a:pt x="4934321" y="2911083"/>
-                </a:cubicBezTo>
-                <a:cubicBezTo>
-                  <a:pt x="4945640" y="2953651"/>
-                  <a:pt x="4957371" y="3013267"/>
-                  <a:pt x="4964162" y="3074402"/>
-                </a:cubicBezTo>
-                <a:lnTo>
-                  <a:pt x="4967647" y="3128874"/>
-                </a:lnTo>
-                <a:lnTo>
-                  <a:pt x="4465138" y="3128874"/>
-                </a:lnTo>
-                <a:lnTo>
-                  <a:pt x="4465138" y="3127460"/>
-                </a:lnTo>
-                <a:lnTo>
-                  <a:pt x="3765314" y="3127460"/>
-                </a:lnTo>
-                <a:close/>
-                <a:moveTo>
-                  <a:pt x="1175459" y="0"/>
-                </a:moveTo>
-                <a:lnTo>
-                  <a:pt x="2229594" y="0"/>
-                </a:lnTo>
-                <a:lnTo>
-                  <a:pt x="3404781" y="3127460"/>
-                </a:lnTo>
-                <a:lnTo>
-                  <a:pt x="2392789" y="3127460"/>
-                </a:lnTo>
-                <a:lnTo>
-                  <a:pt x="2236317" y="2611186"/>
-                </a:lnTo>
-                <a:lnTo>
-                  <a:pt x="1139165" y="2611186"/>
-                </a:lnTo>
-                <a:lnTo>
-                  <a:pt x="986721" y="3127460"/>
-                </a:lnTo>
-                <a:lnTo>
-                  <a:pt x="0" y="3127460"/>
-                </a:lnTo>
-                <a:close/>
-              </a:path>
-            </a:pathLst>
-          </a:custGeom>
-          <a:solidFill>
-            <a:srgbClr val="002060"/>
-          </a:solidFill>
-          <a:ln>
-            <a:noFill/>
-          </a:ln>
-        </p:spPr>
-        <p:style>
-          <a:lnRef idx="2">
-            <a:schemeClr val="accent1">
-              <a:shade val="50000"/>
-            </a:schemeClr>
-          </a:lnRef>
-          <a:fillRef idx="1">
-            <a:schemeClr val="accent1"/>
-          </a:fillRef>
-          <a:effectRef idx="0">
-            <a:schemeClr val="accent1"/>
-          </a:effectRef>
-          <a:fontRef idx="minor">
-            <a:schemeClr val="lt1"/>
-          </a:fontRef>
-        </p:style>
-        <p:txBody>
-          <a:bodyPr rtlCol="0" anchor="ctr"/>
-          <a:lstStyle/>
           <a:p>
-            <a:pPr algn="ctr"/>
-            <a:endParaRPr lang="en-US"/>
-          </a:p>
-        </p:txBody>
-      </p:sp>
-      <p:sp>
-        <p:nvSpPr>
-          <p:cNvPr id="2" name="Rechteck 1">
-            <a:extLst>
-              <a:ext uri="{FF2B5EF4-FFF2-40B4-BE49-F238E27FC236}">
-                <a16:creationId xmlns:a16="http://schemas.microsoft.com/office/drawing/2014/main" id="{96AA9A24-87CF-4FD9-A062-3E8FD5FCE155}"/>
-              </a:ext>
-            </a:extLst>
-          </p:cNvPr>
-          <p:cNvSpPr/>
-          <p:nvPr/>
-        </p:nvSpPr>
-        <p:spPr>
-          <a:xfrm>
-            <a:off x="-39394" y="6497053"/>
-            <a:ext cx="12270787" cy="425115"/>
-          </a:xfrm>
-          <a:prstGeom prst="rect">
-            <a:avLst/>
-          </a:prstGeom>
-          <a:solidFill>
-            <a:srgbClr val="AA313F"/>
-          </a:solidFill>
-          <a:ln>
-            <a:noFill/>
-          </a:ln>
-        </p:spPr>
-        <p:style>
-          <a:lnRef idx="2">
-            <a:schemeClr val="accent1">
-              <a:shade val="50000"/>
-            </a:schemeClr>
-          </a:lnRef>
-          <a:fillRef idx="1">
-            <a:schemeClr val="accent1"/>
-          </a:fillRef>
-          <a:effectRef idx="0">
-            <a:schemeClr val="accent1"/>
-          </a:effectRef>
-          <a:fontRef idx="minor">
-            <a:schemeClr val="lt1"/>
-          </a:fontRef>
-        </p:style>
-        <p:txBody>
-          <a:bodyPr rtlCol="0" anchor="ctr"/>
-          <a:lstStyle/>
-          <a:p>
-            <a:pPr algn="ctr"/>
-            <a:endParaRPr lang="de-DE"/>
-          </a:p>
-        </p:txBody>
-      </p:sp>
-      <p:sp>
-        <p:nvSpPr>
-          <p:cNvPr id="3" name="Textfeld 2">
-            <a:extLst>
-              <a:ext uri="{FF2B5EF4-FFF2-40B4-BE49-F238E27FC236}">
-                <a16:creationId xmlns:a16="http://schemas.microsoft.com/office/drawing/2014/main" id="{569E23AF-B412-1D98-2A67-3BFC83F561B5}"/>
-              </a:ext>
-            </a:extLst>
-          </p:cNvPr>
-          <p:cNvSpPr txBox="1"/>
-          <p:nvPr/>
-        </p:nvSpPr>
-        <p:spPr>
-          <a:xfrm>
-            <a:off x="437433" y="1551214"/>
-            <a:ext cx="11319138" cy="923330"/>
-          </a:xfrm>
-          <a:prstGeom prst="rect">
-            <a:avLst/>
-          </a:prstGeom>
-          <a:noFill/>
-        </p:spPr>
-        <p:txBody>
-          <a:bodyPr wrap="square" rtlCol="0">
-            <a:spAutoFit/>
-          </a:bodyPr>
-          <a:lstStyle/>
-          <a:p>
-            <a:pPr marL="285750" indent="-285750">
-              <a:buFont typeface="Arial" panose="020B0604020202020204" pitchFamily="34" charset="0"/>
+            <a:pPr marL="457200" indent="-457200">
+              <a:buFont typeface="Arial"/>
               <a:buChar char="•"/>
+              <a:defRPr/>
             </a:pPr>
             <a:r>
               <a:rPr lang="de-DE" dirty="0">
+                <a:solidFill>
+                  <a:srgbClr val="002060"/>
+                </a:solidFill>
                 <a:latin typeface="CMU Serif" panose="02000803000000000000" pitchFamily="2" charset="0"/>
                 <a:ea typeface="CMU Serif" panose="02000803000000000000" pitchFamily="2" charset="0"/>
                 <a:cs typeface="CMU Serif" panose="02000803000000000000" pitchFamily="2" charset="0"/>
               </a:rPr>
-              <a:t>1.</a:t>
+              <a:t>Als Mietspiegel für Wohnungssuchende</a:t>
             </a:r>
           </a:p>
           <a:p>
-            <a:pPr marL="285750" indent="-285750">
-              <a:buFont typeface="Arial" panose="020B0604020202020204" pitchFamily="34" charset="0"/>
+            <a:pPr marL="457200" indent="-457200">
+              <a:buFont typeface="Arial"/>
               <a:buChar char="•"/>
+              <a:defRPr/>
             </a:pPr>
             <a:r>
               <a:rPr lang="de-DE" dirty="0">
+                <a:solidFill>
+                  <a:srgbClr val="002060"/>
+                </a:solidFill>
                 <a:latin typeface="CMU Serif" panose="02000803000000000000" pitchFamily="2" charset="0"/>
                 <a:ea typeface="CMU Serif" panose="02000803000000000000" pitchFamily="2" charset="0"/>
                 <a:cs typeface="CMU Serif" panose="02000803000000000000" pitchFamily="2" charset="0"/>
               </a:rPr>
-              <a:t>2.</a:t>
-            </a:r>
-          </a:p>
-          <a:p>
-            <a:pPr marL="285750" indent="-285750">
-              <a:buFont typeface="Arial" panose="020B0604020202020204" pitchFamily="34" charset="0"/>
-              <a:buChar char="•"/>
-            </a:pPr>
-            <a:r>
-              <a:rPr lang="de-DE" dirty="0">
-                <a:latin typeface="CMU Serif" panose="02000803000000000000" pitchFamily="2" charset="0"/>
-                <a:ea typeface="CMU Serif" panose="02000803000000000000" pitchFamily="2" charset="0"/>
-                <a:cs typeface="CMU Serif" panose="02000803000000000000" pitchFamily="2" charset="0"/>
-              </a:rPr>
-              <a:t>3.</a:t>
+              <a:t>Orientierungshilfe für Vermieter</a:t>
             </a:r>
           </a:p>
         </p:txBody>
@@ -5733,7 +5615,7 @@
     </p:spTree>
     <p:extLst>
       <p:ext uri="{BB962C8B-B14F-4D97-AF65-F5344CB8AC3E}">
-        <p14:creationId xmlns:p14="http://schemas.microsoft.com/office/powerpoint/2010/main" val="1100588271"/>
+        <p14:creationId xmlns:p14="http://schemas.microsoft.com/office/powerpoint/2010/main" val="1104479321"/>
       </p:ext>
     </p:extLst>
   </p:cSld>
@@ -5747,6 +5629,1129 @@
 </file>
 
 <file path=ppt/slides/slide3.xml><?xml version="1.0" encoding="utf-8"?>
+<p:sld xmlns:a="http://schemas.openxmlformats.org/drawingml/2006/main" xmlns:r="http://schemas.openxmlformats.org/officeDocument/2006/relationships" xmlns:p="http://schemas.openxmlformats.org/presentationml/2006/main">
+  <p:cSld>
+    <p:spTree>
+      <p:nvGrpSpPr>
+        <p:cNvPr id="1" name=""/>
+        <p:cNvGrpSpPr/>
+        <p:nvPr/>
+      </p:nvGrpSpPr>
+      <p:grpSpPr>
+        <a:xfrm>
+          <a:off x="0" y="0"/>
+          <a:ext cx="0" cy="0"/>
+          <a:chOff x="0" y="0"/>
+          <a:chExt cx="0" cy="0"/>
+        </a:xfrm>
+      </p:grpSpPr>
+      <p:sp>
+        <p:nvSpPr>
+          <p:cNvPr id="2" name="Textplatzhalter 1">
+            <a:extLst>
+              <a:ext uri="{FF2B5EF4-FFF2-40B4-BE49-F238E27FC236}">
+                <a16:creationId xmlns:a16="http://schemas.microsoft.com/office/drawing/2014/main" id="{C683846D-F180-2B17-0B4A-01204BDDE06A}"/>
+              </a:ext>
+            </a:extLst>
+          </p:cNvPr>
+          <p:cNvSpPr>
+            <a:spLocks noGrp="1"/>
+          </p:cNvSpPr>
+          <p:nvPr>
+            <p:ph type="body" sz="quarter" idx="10"/>
+          </p:nvPr>
+        </p:nvSpPr>
+        <p:spPr>
+          <a:xfrm>
+            <a:off x="2120735" y="388495"/>
+            <a:ext cx="3975266" cy="724247"/>
+          </a:xfrm>
+        </p:spPr>
+        <p:txBody>
+          <a:bodyPr/>
+          <a:lstStyle/>
+          <a:p>
+            <a:r>
+              <a:rPr lang="de-DE" dirty="0">
+                <a:latin typeface="CMU Serif" panose="02000803000000000000" pitchFamily="2" charset="0"/>
+                <a:ea typeface="CMU Serif" panose="02000803000000000000" pitchFamily="2" charset="0"/>
+                <a:cs typeface="CMU Serif" panose="02000803000000000000" pitchFamily="2" charset="0"/>
+              </a:rPr>
+              <a:t>Datensatz</a:t>
+            </a:r>
+          </a:p>
+        </p:txBody>
+      </p:sp>
+      <p:graphicFrame>
+        <p:nvGraphicFramePr>
+          <p:cNvPr id="3" name="Inhaltsplatzhalter 3">
+            <a:extLst>
+              <a:ext uri="{FF2B5EF4-FFF2-40B4-BE49-F238E27FC236}">
+                <a16:creationId xmlns:a16="http://schemas.microsoft.com/office/drawing/2014/main" id="{CBD87F8D-BA84-EAAF-FA72-60ACDD099481}"/>
+              </a:ext>
+            </a:extLst>
+          </p:cNvPr>
+          <p:cNvGraphicFramePr>
+            <a:graphicFrameLocks/>
+          </p:cNvGraphicFramePr>
+          <p:nvPr>
+            <p:extLst>
+              <p:ext uri="{D42A27DB-BD31-4B8C-83A1-F6EECF244321}">
+                <p14:modId xmlns:p14="http://schemas.microsoft.com/office/powerpoint/2010/main" val="1659635185"/>
+              </p:ext>
+            </p:extLst>
+          </p:nvPr>
+        </p:nvGraphicFramePr>
+        <p:xfrm>
+          <a:off x="499928" y="1791470"/>
+          <a:ext cx="11061516" cy="4450080"/>
+        </p:xfrm>
+        <a:graphic>
+          <a:graphicData uri="http://schemas.openxmlformats.org/drawingml/2006/table">
+            <a:tbl>
+              <a:tblPr firstRow="1" bandRow="1">
+                <a:tableStyleId>{5C22544A-7EE6-4342-B048-85BDC9FD1C3A}</a:tableStyleId>
+              </a:tblPr>
+              <a:tblGrid>
+                <a:gridCol w="3687172">
+                  <a:extLst>
+                    <a:ext uri="{9D8B030D-6E8A-4147-A177-3AD203B41FA5}">
+                      <a16:colId xmlns:a16="http://schemas.microsoft.com/office/drawing/2014/main" val="20000"/>
+                    </a:ext>
+                  </a:extLst>
+                </a:gridCol>
+                <a:gridCol w="4695643">
+                  <a:extLst>
+                    <a:ext uri="{9D8B030D-6E8A-4147-A177-3AD203B41FA5}">
+                      <a16:colId xmlns:a16="http://schemas.microsoft.com/office/drawing/2014/main" val="20001"/>
+                    </a:ext>
+                  </a:extLst>
+                </a:gridCol>
+                <a:gridCol w="2678701">
+                  <a:extLst>
+                    <a:ext uri="{9D8B030D-6E8A-4147-A177-3AD203B41FA5}">
+                      <a16:colId xmlns:a16="http://schemas.microsoft.com/office/drawing/2014/main" val="20002"/>
+                    </a:ext>
+                  </a:extLst>
+                </a:gridCol>
+              </a:tblGrid>
+              <a:tr h="370840">
+                <a:tc>
+                  <a:txBody>
+                    <a:bodyPr/>
+                    <a:lstStyle/>
+                    <a:p>
+                      <a:pPr>
+                        <a:defRPr/>
+                      </a:pPr>
+                      <a:r>
+                        <a:rPr lang="de-DE" dirty="0">
+                          <a:latin typeface="CMU Serif" panose="02000803000000000000" pitchFamily="2" charset="0"/>
+                          <a:ea typeface="CMU Serif" panose="02000803000000000000" pitchFamily="2" charset="0"/>
+                          <a:cs typeface="CMU Serif" panose="02000803000000000000" pitchFamily="2" charset="0"/>
+                        </a:rPr>
+                        <a:t>Variablenname</a:t>
+                      </a:r>
+                      <a:endParaRPr dirty="0">
+                        <a:latin typeface="CMU Serif" panose="02000803000000000000" pitchFamily="2" charset="0"/>
+                        <a:ea typeface="CMU Serif" panose="02000803000000000000" pitchFamily="2" charset="0"/>
+                        <a:cs typeface="CMU Serif" panose="02000803000000000000" pitchFamily="2" charset="0"/>
+                      </a:endParaRPr>
+                    </a:p>
+                  </a:txBody>
+                  <a:tcPr/>
+                </a:tc>
+                <a:tc>
+                  <a:txBody>
+                    <a:bodyPr/>
+                    <a:lstStyle/>
+                    <a:p>
+                      <a:pPr>
+                        <a:defRPr/>
+                      </a:pPr>
+                      <a:r>
+                        <a:rPr lang="de-DE">
+                          <a:latin typeface="CMU Serif" panose="02000803000000000000" pitchFamily="2" charset="0"/>
+                          <a:ea typeface="CMU Serif" panose="02000803000000000000" pitchFamily="2" charset="0"/>
+                          <a:cs typeface="CMU Serif" panose="02000803000000000000" pitchFamily="2" charset="0"/>
+                        </a:rPr>
+                        <a:t>Beschreibung</a:t>
+                      </a:r>
+                      <a:endParaRPr>
+                        <a:latin typeface="CMU Serif" panose="02000803000000000000" pitchFamily="2" charset="0"/>
+                        <a:ea typeface="CMU Serif" panose="02000803000000000000" pitchFamily="2" charset="0"/>
+                        <a:cs typeface="CMU Serif" panose="02000803000000000000" pitchFamily="2" charset="0"/>
+                      </a:endParaRPr>
+                    </a:p>
+                  </a:txBody>
+                  <a:tcPr/>
+                </a:tc>
+                <a:tc>
+                  <a:txBody>
+                    <a:bodyPr/>
+                    <a:lstStyle/>
+                    <a:p>
+                      <a:pPr>
+                        <a:defRPr/>
+                      </a:pPr>
+                      <a:r>
+                        <a:rPr lang="de-DE" dirty="0">
+                          <a:latin typeface="CMU Serif" panose="02000803000000000000" pitchFamily="2" charset="0"/>
+                          <a:ea typeface="CMU Serif" panose="02000803000000000000" pitchFamily="2" charset="0"/>
+                          <a:cs typeface="CMU Serif" panose="02000803000000000000" pitchFamily="2" charset="0"/>
+                        </a:rPr>
+                        <a:t>Typ</a:t>
+                      </a:r>
+                      <a:endParaRPr dirty="0">
+                        <a:latin typeface="CMU Serif" panose="02000803000000000000" pitchFamily="2" charset="0"/>
+                        <a:ea typeface="CMU Serif" panose="02000803000000000000" pitchFamily="2" charset="0"/>
+                        <a:cs typeface="CMU Serif" panose="02000803000000000000" pitchFamily="2" charset="0"/>
+                      </a:endParaRPr>
+                    </a:p>
+                  </a:txBody>
+                  <a:tcPr/>
+                </a:tc>
+                <a:extLst>
+                  <a:ext uri="{0D108BD9-81ED-4DB2-BD59-A6C34878D82A}">
+                    <a16:rowId xmlns:a16="http://schemas.microsoft.com/office/drawing/2014/main" val="10000"/>
+                  </a:ext>
+                </a:extLst>
+              </a:tr>
+              <a:tr h="370840">
+                <a:tc>
+                  <a:txBody>
+                    <a:bodyPr/>
+                    <a:lstStyle/>
+                    <a:p>
+                      <a:pPr>
+                        <a:defRPr/>
+                      </a:pPr>
+                      <a:r>
+                        <a:rPr lang="de-DE" dirty="0" err="1">
+                          <a:latin typeface="CMU Serif" panose="02000803000000000000" pitchFamily="2" charset="0"/>
+                          <a:ea typeface="CMU Serif" panose="02000803000000000000" pitchFamily="2" charset="0"/>
+                          <a:cs typeface="CMU Serif" panose="02000803000000000000" pitchFamily="2" charset="0"/>
+                        </a:rPr>
+                        <a:t>city</a:t>
+                      </a:r>
+                      <a:endParaRPr dirty="0">
+                        <a:latin typeface="CMU Serif" panose="02000803000000000000" pitchFamily="2" charset="0"/>
+                        <a:ea typeface="CMU Serif" panose="02000803000000000000" pitchFamily="2" charset="0"/>
+                        <a:cs typeface="CMU Serif" panose="02000803000000000000" pitchFamily="2" charset="0"/>
+                      </a:endParaRPr>
+                    </a:p>
+                  </a:txBody>
+                  <a:tcPr/>
+                </a:tc>
+                <a:tc>
+                  <a:txBody>
+                    <a:bodyPr/>
+                    <a:lstStyle/>
+                    <a:p>
+                      <a:pPr>
+                        <a:defRPr/>
+                      </a:pPr>
+                      <a:r>
+                        <a:rPr lang="de-DE">
+                          <a:latin typeface="CMU Serif" panose="02000803000000000000" pitchFamily="2" charset="0"/>
+                          <a:ea typeface="CMU Serif" panose="02000803000000000000" pitchFamily="2" charset="0"/>
+                          <a:cs typeface="CMU Serif" panose="02000803000000000000" pitchFamily="2" charset="0"/>
+                        </a:rPr>
+                        <a:t>Stadtname</a:t>
+                      </a:r>
+                      <a:endParaRPr>
+                        <a:latin typeface="CMU Serif" panose="02000803000000000000" pitchFamily="2" charset="0"/>
+                        <a:ea typeface="CMU Serif" panose="02000803000000000000" pitchFamily="2" charset="0"/>
+                        <a:cs typeface="CMU Serif" panose="02000803000000000000" pitchFamily="2" charset="0"/>
+                      </a:endParaRPr>
+                    </a:p>
+                  </a:txBody>
+                  <a:tcPr/>
+                </a:tc>
+                <a:tc>
+                  <a:txBody>
+                    <a:bodyPr/>
+                    <a:lstStyle/>
+                    <a:p>
+                      <a:pPr>
+                        <a:defRPr/>
+                      </a:pPr>
+                      <a:r>
+                        <a:rPr lang="de-DE">
+                          <a:latin typeface="CMU Serif" panose="02000803000000000000" pitchFamily="2" charset="0"/>
+                          <a:ea typeface="CMU Serif" panose="02000803000000000000" pitchFamily="2" charset="0"/>
+                          <a:cs typeface="CMU Serif" panose="02000803000000000000" pitchFamily="2" charset="0"/>
+                        </a:rPr>
+                        <a:t>Nominal</a:t>
+                      </a:r>
+                      <a:endParaRPr>
+                        <a:latin typeface="CMU Serif" panose="02000803000000000000" pitchFamily="2" charset="0"/>
+                        <a:ea typeface="CMU Serif" panose="02000803000000000000" pitchFamily="2" charset="0"/>
+                        <a:cs typeface="CMU Serif" panose="02000803000000000000" pitchFamily="2" charset="0"/>
+                      </a:endParaRPr>
+                    </a:p>
+                  </a:txBody>
+                  <a:tcPr/>
+                </a:tc>
+                <a:extLst>
+                  <a:ext uri="{0D108BD9-81ED-4DB2-BD59-A6C34878D82A}">
+                    <a16:rowId xmlns:a16="http://schemas.microsoft.com/office/drawing/2014/main" val="10001"/>
+                  </a:ext>
+                </a:extLst>
+              </a:tr>
+              <a:tr h="370840">
+                <a:tc>
+                  <a:txBody>
+                    <a:bodyPr/>
+                    <a:lstStyle/>
+                    <a:p>
+                      <a:pPr>
+                        <a:defRPr/>
+                      </a:pPr>
+                      <a:r>
+                        <a:rPr lang="de-DE" dirty="0" err="1">
+                          <a:latin typeface="CMU Serif" panose="02000803000000000000" pitchFamily="2" charset="0"/>
+                          <a:ea typeface="CMU Serif" panose="02000803000000000000" pitchFamily="2" charset="0"/>
+                          <a:cs typeface="CMU Serif" panose="02000803000000000000" pitchFamily="2" charset="0"/>
+                        </a:rPr>
+                        <a:t>squareMeters</a:t>
+                      </a:r>
+                      <a:endParaRPr dirty="0">
+                        <a:latin typeface="CMU Serif" panose="02000803000000000000" pitchFamily="2" charset="0"/>
+                        <a:ea typeface="CMU Serif" panose="02000803000000000000" pitchFamily="2" charset="0"/>
+                        <a:cs typeface="CMU Serif" panose="02000803000000000000" pitchFamily="2" charset="0"/>
+                      </a:endParaRPr>
+                    </a:p>
+                  </a:txBody>
+                  <a:tcPr/>
+                </a:tc>
+                <a:tc>
+                  <a:txBody>
+                    <a:bodyPr/>
+                    <a:lstStyle/>
+                    <a:p>
+                      <a:pPr>
+                        <a:defRPr/>
+                      </a:pPr>
+                      <a:r>
+                        <a:rPr lang="de-DE" dirty="0">
+                          <a:latin typeface="CMU Serif" panose="02000803000000000000" pitchFamily="2" charset="0"/>
+                          <a:ea typeface="CMU Serif" panose="02000803000000000000" pitchFamily="2" charset="0"/>
+                          <a:cs typeface="CMU Serif" panose="02000803000000000000" pitchFamily="2" charset="0"/>
+                        </a:rPr>
+                        <a:t>Quadratmeter Wohnfläche</a:t>
+                      </a:r>
+                      <a:endParaRPr dirty="0">
+                        <a:latin typeface="CMU Serif" panose="02000803000000000000" pitchFamily="2" charset="0"/>
+                        <a:ea typeface="CMU Serif" panose="02000803000000000000" pitchFamily="2" charset="0"/>
+                        <a:cs typeface="CMU Serif" panose="02000803000000000000" pitchFamily="2" charset="0"/>
+                      </a:endParaRPr>
+                    </a:p>
+                  </a:txBody>
+                  <a:tcPr/>
+                </a:tc>
+                <a:tc>
+                  <a:txBody>
+                    <a:bodyPr/>
+                    <a:lstStyle/>
+                    <a:p>
+                      <a:pPr>
+                        <a:defRPr/>
+                      </a:pPr>
+                      <a:r>
+                        <a:rPr lang="de-DE">
+                          <a:latin typeface="CMU Serif" panose="02000803000000000000" pitchFamily="2" charset="0"/>
+                          <a:ea typeface="CMU Serif" panose="02000803000000000000" pitchFamily="2" charset="0"/>
+                          <a:cs typeface="CMU Serif" panose="02000803000000000000" pitchFamily="2" charset="0"/>
+                        </a:rPr>
+                        <a:t>Numerisch</a:t>
+                      </a:r>
+                      <a:endParaRPr>
+                        <a:latin typeface="CMU Serif" panose="02000803000000000000" pitchFamily="2" charset="0"/>
+                        <a:ea typeface="CMU Serif" panose="02000803000000000000" pitchFamily="2" charset="0"/>
+                        <a:cs typeface="CMU Serif" panose="02000803000000000000" pitchFamily="2" charset="0"/>
+                      </a:endParaRPr>
+                    </a:p>
+                  </a:txBody>
+                  <a:tcPr/>
+                </a:tc>
+                <a:extLst>
+                  <a:ext uri="{0D108BD9-81ED-4DB2-BD59-A6C34878D82A}">
+                    <a16:rowId xmlns:a16="http://schemas.microsoft.com/office/drawing/2014/main" val="10002"/>
+                  </a:ext>
+                </a:extLst>
+              </a:tr>
+              <a:tr h="370840">
+                <a:tc>
+                  <a:txBody>
+                    <a:bodyPr/>
+                    <a:lstStyle/>
+                    <a:p>
+                      <a:pPr>
+                        <a:defRPr/>
+                      </a:pPr>
+                      <a:r>
+                        <a:rPr lang="de-DE">
+                          <a:latin typeface="CMU Serif" panose="02000803000000000000" pitchFamily="2" charset="0"/>
+                          <a:ea typeface="CMU Serif" panose="02000803000000000000" pitchFamily="2" charset="0"/>
+                          <a:cs typeface="CMU Serif" panose="02000803000000000000" pitchFamily="2" charset="0"/>
+                        </a:rPr>
+                        <a:t>rooms</a:t>
+                      </a:r>
+                      <a:endParaRPr>
+                        <a:latin typeface="CMU Serif" panose="02000803000000000000" pitchFamily="2" charset="0"/>
+                        <a:ea typeface="CMU Serif" panose="02000803000000000000" pitchFamily="2" charset="0"/>
+                        <a:cs typeface="CMU Serif" panose="02000803000000000000" pitchFamily="2" charset="0"/>
+                      </a:endParaRPr>
+                    </a:p>
+                  </a:txBody>
+                  <a:tcPr/>
+                </a:tc>
+                <a:tc>
+                  <a:txBody>
+                    <a:bodyPr/>
+                    <a:lstStyle/>
+                    <a:p>
+                      <a:pPr>
+                        <a:defRPr/>
+                      </a:pPr>
+                      <a:r>
+                        <a:rPr lang="de-DE" dirty="0">
+                          <a:latin typeface="CMU Serif" panose="02000803000000000000" pitchFamily="2" charset="0"/>
+                          <a:ea typeface="CMU Serif" panose="02000803000000000000" pitchFamily="2" charset="0"/>
+                          <a:cs typeface="CMU Serif" panose="02000803000000000000" pitchFamily="2" charset="0"/>
+                        </a:rPr>
+                        <a:t>Anzahl der Zimmer</a:t>
+                      </a:r>
+                      <a:endParaRPr dirty="0">
+                        <a:latin typeface="CMU Serif" panose="02000803000000000000" pitchFamily="2" charset="0"/>
+                        <a:ea typeface="CMU Serif" panose="02000803000000000000" pitchFamily="2" charset="0"/>
+                        <a:cs typeface="CMU Serif" panose="02000803000000000000" pitchFamily="2" charset="0"/>
+                      </a:endParaRPr>
+                    </a:p>
+                  </a:txBody>
+                  <a:tcPr/>
+                </a:tc>
+                <a:tc>
+                  <a:txBody>
+                    <a:bodyPr/>
+                    <a:lstStyle/>
+                    <a:p>
+                      <a:pPr>
+                        <a:defRPr/>
+                      </a:pPr>
+                      <a:r>
+                        <a:rPr lang="de-DE" dirty="0">
+                          <a:latin typeface="CMU Serif" panose="02000803000000000000" pitchFamily="2" charset="0"/>
+                          <a:ea typeface="CMU Serif" panose="02000803000000000000" pitchFamily="2" charset="0"/>
+                          <a:cs typeface="CMU Serif" panose="02000803000000000000" pitchFamily="2" charset="0"/>
+                        </a:rPr>
+                        <a:t>Numerisch</a:t>
+                      </a:r>
+                      <a:endParaRPr dirty="0">
+                        <a:latin typeface="CMU Serif" panose="02000803000000000000" pitchFamily="2" charset="0"/>
+                        <a:ea typeface="CMU Serif" panose="02000803000000000000" pitchFamily="2" charset="0"/>
+                        <a:cs typeface="CMU Serif" panose="02000803000000000000" pitchFamily="2" charset="0"/>
+                      </a:endParaRPr>
+                    </a:p>
+                  </a:txBody>
+                  <a:tcPr/>
+                </a:tc>
+                <a:extLst>
+                  <a:ext uri="{0D108BD9-81ED-4DB2-BD59-A6C34878D82A}">
+                    <a16:rowId xmlns:a16="http://schemas.microsoft.com/office/drawing/2014/main" val="10003"/>
+                  </a:ext>
+                </a:extLst>
+              </a:tr>
+              <a:tr h="370840">
+                <a:tc>
+                  <a:txBody>
+                    <a:bodyPr/>
+                    <a:lstStyle/>
+                    <a:p>
+                      <a:pPr>
+                        <a:defRPr/>
+                      </a:pPr>
+                      <a:r>
+                        <a:rPr lang="de-DE">
+                          <a:latin typeface="CMU Serif" panose="02000803000000000000" pitchFamily="2" charset="0"/>
+                          <a:ea typeface="CMU Serif" panose="02000803000000000000" pitchFamily="2" charset="0"/>
+                          <a:cs typeface="CMU Serif" panose="02000803000000000000" pitchFamily="2" charset="0"/>
+                        </a:rPr>
+                        <a:t>floor</a:t>
+                      </a:r>
+                      <a:endParaRPr>
+                        <a:latin typeface="CMU Serif" panose="02000803000000000000" pitchFamily="2" charset="0"/>
+                        <a:ea typeface="CMU Serif" panose="02000803000000000000" pitchFamily="2" charset="0"/>
+                        <a:cs typeface="CMU Serif" panose="02000803000000000000" pitchFamily="2" charset="0"/>
+                      </a:endParaRPr>
+                    </a:p>
+                  </a:txBody>
+                  <a:tcPr/>
+                </a:tc>
+                <a:tc>
+                  <a:txBody>
+                    <a:bodyPr/>
+                    <a:lstStyle/>
+                    <a:p>
+                      <a:pPr>
+                        <a:defRPr/>
+                      </a:pPr>
+                      <a:r>
+                        <a:rPr lang="de-DE">
+                          <a:latin typeface="CMU Serif" panose="02000803000000000000" pitchFamily="2" charset="0"/>
+                          <a:ea typeface="CMU Serif" panose="02000803000000000000" pitchFamily="2" charset="0"/>
+                          <a:cs typeface="CMU Serif" panose="02000803000000000000" pitchFamily="2" charset="0"/>
+                        </a:rPr>
+                        <a:t>Etage des Apartments</a:t>
+                      </a:r>
+                      <a:endParaRPr>
+                        <a:latin typeface="CMU Serif" panose="02000803000000000000" pitchFamily="2" charset="0"/>
+                        <a:ea typeface="CMU Serif" panose="02000803000000000000" pitchFamily="2" charset="0"/>
+                        <a:cs typeface="CMU Serif" panose="02000803000000000000" pitchFamily="2" charset="0"/>
+                      </a:endParaRPr>
+                    </a:p>
+                  </a:txBody>
+                  <a:tcPr/>
+                </a:tc>
+                <a:tc>
+                  <a:txBody>
+                    <a:bodyPr/>
+                    <a:lstStyle/>
+                    <a:p>
+                      <a:pPr>
+                        <a:defRPr/>
+                      </a:pPr>
+                      <a:r>
+                        <a:rPr lang="de-DE" dirty="0">
+                          <a:latin typeface="CMU Serif" panose="02000803000000000000" pitchFamily="2" charset="0"/>
+                          <a:ea typeface="CMU Serif" panose="02000803000000000000" pitchFamily="2" charset="0"/>
+                          <a:cs typeface="CMU Serif" panose="02000803000000000000" pitchFamily="2" charset="0"/>
+                        </a:rPr>
+                        <a:t>Numerisch</a:t>
+                      </a:r>
+                      <a:endParaRPr dirty="0">
+                        <a:latin typeface="CMU Serif" panose="02000803000000000000" pitchFamily="2" charset="0"/>
+                        <a:ea typeface="CMU Serif" panose="02000803000000000000" pitchFamily="2" charset="0"/>
+                        <a:cs typeface="CMU Serif" panose="02000803000000000000" pitchFamily="2" charset="0"/>
+                      </a:endParaRPr>
+                    </a:p>
+                  </a:txBody>
+                  <a:tcPr/>
+                </a:tc>
+                <a:extLst>
+                  <a:ext uri="{0D108BD9-81ED-4DB2-BD59-A6C34878D82A}">
+                    <a16:rowId xmlns:a16="http://schemas.microsoft.com/office/drawing/2014/main" val="10004"/>
+                  </a:ext>
+                </a:extLst>
+              </a:tr>
+              <a:tr h="370840">
+                <a:tc>
+                  <a:txBody>
+                    <a:bodyPr/>
+                    <a:lstStyle/>
+                    <a:p>
+                      <a:pPr>
+                        <a:defRPr/>
+                      </a:pPr>
+                      <a:r>
+                        <a:rPr lang="de-DE">
+                          <a:latin typeface="CMU Serif" panose="02000803000000000000" pitchFamily="2" charset="0"/>
+                          <a:ea typeface="CMU Serif" panose="02000803000000000000" pitchFamily="2" charset="0"/>
+                          <a:cs typeface="CMU Serif" panose="02000803000000000000" pitchFamily="2" charset="0"/>
+                        </a:rPr>
+                        <a:t>buildYear</a:t>
+                      </a:r>
+                      <a:endParaRPr>
+                        <a:latin typeface="CMU Serif" panose="02000803000000000000" pitchFamily="2" charset="0"/>
+                        <a:ea typeface="CMU Serif" panose="02000803000000000000" pitchFamily="2" charset="0"/>
+                        <a:cs typeface="CMU Serif" panose="02000803000000000000" pitchFamily="2" charset="0"/>
+                      </a:endParaRPr>
+                    </a:p>
+                  </a:txBody>
+                  <a:tcPr/>
+                </a:tc>
+                <a:tc>
+                  <a:txBody>
+                    <a:bodyPr/>
+                    <a:lstStyle/>
+                    <a:p>
+                      <a:pPr>
+                        <a:defRPr/>
+                      </a:pPr>
+                      <a:r>
+                        <a:rPr lang="de-DE">
+                          <a:latin typeface="CMU Serif" panose="02000803000000000000" pitchFamily="2" charset="0"/>
+                          <a:ea typeface="CMU Serif" panose="02000803000000000000" pitchFamily="2" charset="0"/>
+                          <a:cs typeface="CMU Serif" panose="02000803000000000000" pitchFamily="2" charset="0"/>
+                        </a:rPr>
+                        <a:t>Baujahr</a:t>
+                      </a:r>
+                      <a:endParaRPr>
+                        <a:latin typeface="CMU Serif" panose="02000803000000000000" pitchFamily="2" charset="0"/>
+                        <a:ea typeface="CMU Serif" panose="02000803000000000000" pitchFamily="2" charset="0"/>
+                        <a:cs typeface="CMU Serif" panose="02000803000000000000" pitchFamily="2" charset="0"/>
+                      </a:endParaRPr>
+                    </a:p>
+                  </a:txBody>
+                  <a:tcPr/>
+                </a:tc>
+                <a:tc>
+                  <a:txBody>
+                    <a:bodyPr/>
+                    <a:lstStyle/>
+                    <a:p>
+                      <a:pPr>
+                        <a:defRPr/>
+                      </a:pPr>
+                      <a:r>
+                        <a:rPr lang="de-DE" dirty="0">
+                          <a:latin typeface="CMU Serif" panose="02000803000000000000" pitchFamily="2" charset="0"/>
+                          <a:ea typeface="CMU Serif" panose="02000803000000000000" pitchFamily="2" charset="0"/>
+                          <a:cs typeface="CMU Serif" panose="02000803000000000000" pitchFamily="2" charset="0"/>
+                        </a:rPr>
+                        <a:t>Numerisch</a:t>
+                      </a:r>
+                      <a:endParaRPr dirty="0">
+                        <a:latin typeface="CMU Serif" panose="02000803000000000000" pitchFamily="2" charset="0"/>
+                        <a:ea typeface="CMU Serif" panose="02000803000000000000" pitchFamily="2" charset="0"/>
+                        <a:cs typeface="CMU Serif" panose="02000803000000000000" pitchFamily="2" charset="0"/>
+                      </a:endParaRPr>
+                    </a:p>
+                  </a:txBody>
+                  <a:tcPr/>
+                </a:tc>
+                <a:extLst>
+                  <a:ext uri="{0D108BD9-81ED-4DB2-BD59-A6C34878D82A}">
+                    <a16:rowId xmlns:a16="http://schemas.microsoft.com/office/drawing/2014/main" val="10005"/>
+                  </a:ext>
+                </a:extLst>
+              </a:tr>
+              <a:tr h="370840">
+                <a:tc>
+                  <a:txBody>
+                    <a:bodyPr/>
+                    <a:lstStyle/>
+                    <a:p>
+                      <a:pPr>
+                        <a:defRPr/>
+                      </a:pPr>
+                      <a:r>
+                        <a:rPr lang="de-DE">
+                          <a:latin typeface="CMU Serif" panose="02000803000000000000" pitchFamily="2" charset="0"/>
+                          <a:ea typeface="CMU Serif" panose="02000803000000000000" pitchFamily="2" charset="0"/>
+                          <a:cs typeface="CMU Serif" panose="02000803000000000000" pitchFamily="2" charset="0"/>
+                        </a:rPr>
+                        <a:t>centreDistance</a:t>
+                      </a:r>
+                      <a:endParaRPr>
+                        <a:latin typeface="CMU Serif" panose="02000803000000000000" pitchFamily="2" charset="0"/>
+                        <a:ea typeface="CMU Serif" panose="02000803000000000000" pitchFamily="2" charset="0"/>
+                        <a:cs typeface="CMU Serif" panose="02000803000000000000" pitchFamily="2" charset="0"/>
+                      </a:endParaRPr>
+                    </a:p>
+                  </a:txBody>
+                  <a:tcPr/>
+                </a:tc>
+                <a:tc>
+                  <a:txBody>
+                    <a:bodyPr/>
+                    <a:lstStyle/>
+                    <a:p>
+                      <a:pPr>
+                        <a:defRPr/>
+                      </a:pPr>
+                      <a:r>
+                        <a:rPr lang="de-DE">
+                          <a:latin typeface="CMU Serif" panose="02000803000000000000" pitchFamily="2" charset="0"/>
+                          <a:ea typeface="CMU Serif" panose="02000803000000000000" pitchFamily="2" charset="0"/>
+                          <a:cs typeface="CMU Serif" panose="02000803000000000000" pitchFamily="2" charset="0"/>
+                        </a:rPr>
+                        <a:t>Distanz vom Stadtzentrum in km</a:t>
+                      </a:r>
+                      <a:endParaRPr>
+                        <a:latin typeface="CMU Serif" panose="02000803000000000000" pitchFamily="2" charset="0"/>
+                        <a:ea typeface="CMU Serif" panose="02000803000000000000" pitchFamily="2" charset="0"/>
+                        <a:cs typeface="CMU Serif" panose="02000803000000000000" pitchFamily="2" charset="0"/>
+                      </a:endParaRPr>
+                    </a:p>
+                  </a:txBody>
+                  <a:tcPr/>
+                </a:tc>
+                <a:tc>
+                  <a:txBody>
+                    <a:bodyPr/>
+                    <a:lstStyle/>
+                    <a:p>
+                      <a:pPr>
+                        <a:defRPr/>
+                      </a:pPr>
+                      <a:r>
+                        <a:rPr lang="de-DE" dirty="0">
+                          <a:latin typeface="CMU Serif" panose="02000803000000000000" pitchFamily="2" charset="0"/>
+                          <a:ea typeface="CMU Serif" panose="02000803000000000000" pitchFamily="2" charset="0"/>
+                          <a:cs typeface="CMU Serif" panose="02000803000000000000" pitchFamily="2" charset="0"/>
+                        </a:rPr>
+                        <a:t>Numerisch</a:t>
+                      </a:r>
+                      <a:endParaRPr dirty="0">
+                        <a:latin typeface="CMU Serif" panose="02000803000000000000" pitchFamily="2" charset="0"/>
+                        <a:ea typeface="CMU Serif" panose="02000803000000000000" pitchFamily="2" charset="0"/>
+                        <a:cs typeface="CMU Serif" panose="02000803000000000000" pitchFamily="2" charset="0"/>
+                      </a:endParaRPr>
+                    </a:p>
+                  </a:txBody>
+                  <a:tcPr/>
+                </a:tc>
+                <a:extLst>
+                  <a:ext uri="{0D108BD9-81ED-4DB2-BD59-A6C34878D82A}">
+                    <a16:rowId xmlns:a16="http://schemas.microsoft.com/office/drawing/2014/main" val="10006"/>
+                  </a:ext>
+                </a:extLst>
+              </a:tr>
+              <a:tr h="370840">
+                <a:tc>
+                  <a:txBody>
+                    <a:bodyPr/>
+                    <a:lstStyle/>
+                    <a:p>
+                      <a:pPr>
+                        <a:defRPr/>
+                      </a:pPr>
+                      <a:r>
+                        <a:rPr lang="de-DE">
+                          <a:latin typeface="CMU Serif" panose="02000803000000000000" pitchFamily="2" charset="0"/>
+                          <a:ea typeface="CMU Serif" panose="02000803000000000000" pitchFamily="2" charset="0"/>
+                          <a:cs typeface="CMU Serif" panose="02000803000000000000" pitchFamily="2" charset="0"/>
+                        </a:rPr>
+                        <a:t>schoolDistance</a:t>
+                      </a:r>
+                      <a:endParaRPr>
+                        <a:latin typeface="CMU Serif" panose="02000803000000000000" pitchFamily="2" charset="0"/>
+                        <a:ea typeface="CMU Serif" panose="02000803000000000000" pitchFamily="2" charset="0"/>
+                        <a:cs typeface="CMU Serif" panose="02000803000000000000" pitchFamily="2" charset="0"/>
+                      </a:endParaRPr>
+                    </a:p>
+                  </a:txBody>
+                  <a:tcPr/>
+                </a:tc>
+                <a:tc>
+                  <a:txBody>
+                    <a:bodyPr/>
+                    <a:lstStyle/>
+                    <a:p>
+                      <a:pPr>
+                        <a:defRPr/>
+                      </a:pPr>
+                      <a:r>
+                        <a:rPr lang="de-DE">
+                          <a:latin typeface="CMU Serif" panose="02000803000000000000" pitchFamily="2" charset="0"/>
+                          <a:ea typeface="CMU Serif" panose="02000803000000000000" pitchFamily="2" charset="0"/>
+                          <a:cs typeface="CMU Serif" panose="02000803000000000000" pitchFamily="2" charset="0"/>
+                        </a:rPr>
+                        <a:t>Distanz zur nächsten Schule in km</a:t>
+                      </a:r>
+                      <a:endParaRPr>
+                        <a:latin typeface="CMU Serif" panose="02000803000000000000" pitchFamily="2" charset="0"/>
+                        <a:ea typeface="CMU Serif" panose="02000803000000000000" pitchFamily="2" charset="0"/>
+                        <a:cs typeface="CMU Serif" panose="02000803000000000000" pitchFamily="2" charset="0"/>
+                      </a:endParaRPr>
+                    </a:p>
+                  </a:txBody>
+                  <a:tcPr/>
+                </a:tc>
+                <a:tc>
+                  <a:txBody>
+                    <a:bodyPr/>
+                    <a:lstStyle/>
+                    <a:p>
+                      <a:pPr>
+                        <a:defRPr/>
+                      </a:pPr>
+                      <a:r>
+                        <a:rPr lang="de-DE" dirty="0">
+                          <a:latin typeface="CMU Serif" panose="02000803000000000000" pitchFamily="2" charset="0"/>
+                          <a:ea typeface="CMU Serif" panose="02000803000000000000" pitchFamily="2" charset="0"/>
+                          <a:cs typeface="CMU Serif" panose="02000803000000000000" pitchFamily="2" charset="0"/>
+                        </a:rPr>
+                        <a:t>Numerisch</a:t>
+                      </a:r>
+                      <a:endParaRPr dirty="0">
+                        <a:latin typeface="CMU Serif" panose="02000803000000000000" pitchFamily="2" charset="0"/>
+                        <a:ea typeface="CMU Serif" panose="02000803000000000000" pitchFamily="2" charset="0"/>
+                        <a:cs typeface="CMU Serif" panose="02000803000000000000" pitchFamily="2" charset="0"/>
+                      </a:endParaRPr>
+                    </a:p>
+                  </a:txBody>
+                  <a:tcPr/>
+                </a:tc>
+                <a:extLst>
+                  <a:ext uri="{0D108BD9-81ED-4DB2-BD59-A6C34878D82A}">
+                    <a16:rowId xmlns:a16="http://schemas.microsoft.com/office/drawing/2014/main" val="10007"/>
+                  </a:ext>
+                </a:extLst>
+              </a:tr>
+              <a:tr h="370840">
+                <a:tc>
+                  <a:txBody>
+                    <a:bodyPr/>
+                    <a:lstStyle/>
+                    <a:p>
+                      <a:pPr>
+                        <a:defRPr/>
+                      </a:pPr>
+                      <a:r>
+                        <a:rPr lang="de-DE">
+                          <a:latin typeface="CMU Serif" panose="02000803000000000000" pitchFamily="2" charset="0"/>
+                          <a:ea typeface="CMU Serif" panose="02000803000000000000" pitchFamily="2" charset="0"/>
+                          <a:cs typeface="CMU Serif" panose="02000803000000000000" pitchFamily="2" charset="0"/>
+                        </a:rPr>
+                        <a:t>hasParkingSpace</a:t>
+                      </a:r>
+                      <a:endParaRPr>
+                        <a:latin typeface="CMU Serif" panose="02000803000000000000" pitchFamily="2" charset="0"/>
+                        <a:ea typeface="CMU Serif" panose="02000803000000000000" pitchFamily="2" charset="0"/>
+                        <a:cs typeface="CMU Serif" panose="02000803000000000000" pitchFamily="2" charset="0"/>
+                      </a:endParaRPr>
+                    </a:p>
+                  </a:txBody>
+                  <a:tcPr/>
+                </a:tc>
+                <a:tc>
+                  <a:txBody>
+                    <a:bodyPr/>
+                    <a:lstStyle/>
+                    <a:p>
+                      <a:pPr>
+                        <a:defRPr/>
+                      </a:pPr>
+                      <a:r>
+                        <a:rPr lang="de-DE">
+                          <a:latin typeface="CMU Serif" panose="02000803000000000000" pitchFamily="2" charset="0"/>
+                          <a:ea typeface="CMU Serif" panose="02000803000000000000" pitchFamily="2" charset="0"/>
+                          <a:cs typeface="CMU Serif" panose="02000803000000000000" pitchFamily="2" charset="0"/>
+                        </a:rPr>
+                        <a:t>Parkplatz vorhanden</a:t>
+                      </a:r>
+                      <a:endParaRPr>
+                        <a:latin typeface="CMU Serif" panose="02000803000000000000" pitchFamily="2" charset="0"/>
+                        <a:ea typeface="CMU Serif" panose="02000803000000000000" pitchFamily="2" charset="0"/>
+                        <a:cs typeface="CMU Serif" panose="02000803000000000000" pitchFamily="2" charset="0"/>
+                      </a:endParaRPr>
+                    </a:p>
+                  </a:txBody>
+                  <a:tcPr/>
+                </a:tc>
+                <a:tc>
+                  <a:txBody>
+                    <a:bodyPr/>
+                    <a:lstStyle/>
+                    <a:p>
+                      <a:pPr>
+                        <a:defRPr/>
+                      </a:pPr>
+                      <a:r>
+                        <a:rPr lang="de-DE" dirty="0">
+                          <a:latin typeface="CMU Serif" panose="02000803000000000000" pitchFamily="2" charset="0"/>
+                          <a:ea typeface="CMU Serif" panose="02000803000000000000" pitchFamily="2" charset="0"/>
+                          <a:cs typeface="CMU Serif" panose="02000803000000000000" pitchFamily="2" charset="0"/>
+                        </a:rPr>
+                        <a:t>Binär</a:t>
+                      </a:r>
+                      <a:endParaRPr dirty="0">
+                        <a:latin typeface="CMU Serif" panose="02000803000000000000" pitchFamily="2" charset="0"/>
+                        <a:ea typeface="CMU Serif" panose="02000803000000000000" pitchFamily="2" charset="0"/>
+                        <a:cs typeface="CMU Serif" panose="02000803000000000000" pitchFamily="2" charset="0"/>
+                      </a:endParaRPr>
+                    </a:p>
+                  </a:txBody>
+                  <a:tcPr/>
+                </a:tc>
+                <a:extLst>
+                  <a:ext uri="{0D108BD9-81ED-4DB2-BD59-A6C34878D82A}">
+                    <a16:rowId xmlns:a16="http://schemas.microsoft.com/office/drawing/2014/main" val="10008"/>
+                  </a:ext>
+                </a:extLst>
+              </a:tr>
+              <a:tr h="370840">
+                <a:tc>
+                  <a:txBody>
+                    <a:bodyPr/>
+                    <a:lstStyle/>
+                    <a:p>
+                      <a:pPr>
+                        <a:defRPr/>
+                      </a:pPr>
+                      <a:r>
+                        <a:rPr lang="de-DE">
+                          <a:latin typeface="CMU Serif" panose="02000803000000000000" pitchFamily="2" charset="0"/>
+                          <a:ea typeface="CMU Serif" panose="02000803000000000000" pitchFamily="2" charset="0"/>
+                          <a:cs typeface="CMU Serif" panose="02000803000000000000" pitchFamily="2" charset="0"/>
+                        </a:rPr>
+                        <a:t>hasBalcony</a:t>
+                      </a:r>
+                      <a:endParaRPr>
+                        <a:latin typeface="CMU Serif" panose="02000803000000000000" pitchFamily="2" charset="0"/>
+                        <a:ea typeface="CMU Serif" panose="02000803000000000000" pitchFamily="2" charset="0"/>
+                        <a:cs typeface="CMU Serif" panose="02000803000000000000" pitchFamily="2" charset="0"/>
+                      </a:endParaRPr>
+                    </a:p>
+                  </a:txBody>
+                  <a:tcPr/>
+                </a:tc>
+                <a:tc>
+                  <a:txBody>
+                    <a:bodyPr/>
+                    <a:lstStyle/>
+                    <a:p>
+                      <a:pPr>
+                        <a:defRPr/>
+                      </a:pPr>
+                      <a:r>
+                        <a:rPr lang="de-DE">
+                          <a:latin typeface="CMU Serif" panose="02000803000000000000" pitchFamily="2" charset="0"/>
+                          <a:ea typeface="CMU Serif" panose="02000803000000000000" pitchFamily="2" charset="0"/>
+                          <a:cs typeface="CMU Serif" panose="02000803000000000000" pitchFamily="2" charset="0"/>
+                        </a:rPr>
+                        <a:t>Balkon vorhanden</a:t>
+                      </a:r>
+                      <a:endParaRPr>
+                        <a:latin typeface="CMU Serif" panose="02000803000000000000" pitchFamily="2" charset="0"/>
+                        <a:ea typeface="CMU Serif" panose="02000803000000000000" pitchFamily="2" charset="0"/>
+                        <a:cs typeface="CMU Serif" panose="02000803000000000000" pitchFamily="2" charset="0"/>
+                      </a:endParaRPr>
+                    </a:p>
+                  </a:txBody>
+                  <a:tcPr/>
+                </a:tc>
+                <a:tc>
+                  <a:txBody>
+                    <a:bodyPr/>
+                    <a:lstStyle/>
+                    <a:p>
+                      <a:pPr>
+                        <a:defRPr/>
+                      </a:pPr>
+                      <a:r>
+                        <a:rPr lang="de-DE" dirty="0">
+                          <a:latin typeface="CMU Serif" panose="02000803000000000000" pitchFamily="2" charset="0"/>
+                          <a:ea typeface="CMU Serif" panose="02000803000000000000" pitchFamily="2" charset="0"/>
+                          <a:cs typeface="CMU Serif" panose="02000803000000000000" pitchFamily="2" charset="0"/>
+                        </a:rPr>
+                        <a:t>Binär</a:t>
+                      </a:r>
+                      <a:endParaRPr dirty="0">
+                        <a:latin typeface="CMU Serif" panose="02000803000000000000" pitchFamily="2" charset="0"/>
+                        <a:ea typeface="CMU Serif" panose="02000803000000000000" pitchFamily="2" charset="0"/>
+                        <a:cs typeface="CMU Serif" panose="02000803000000000000" pitchFamily="2" charset="0"/>
+                      </a:endParaRPr>
+                    </a:p>
+                  </a:txBody>
+                  <a:tcPr/>
+                </a:tc>
+                <a:extLst>
+                  <a:ext uri="{0D108BD9-81ED-4DB2-BD59-A6C34878D82A}">
+                    <a16:rowId xmlns:a16="http://schemas.microsoft.com/office/drawing/2014/main" val="10009"/>
+                  </a:ext>
+                </a:extLst>
+              </a:tr>
+              <a:tr h="370840">
+                <a:tc>
+                  <a:txBody>
+                    <a:bodyPr/>
+                    <a:lstStyle/>
+                    <a:p>
+                      <a:pPr>
+                        <a:defRPr/>
+                      </a:pPr>
+                      <a:r>
+                        <a:rPr lang="de-DE">
+                          <a:latin typeface="CMU Serif" panose="02000803000000000000" pitchFamily="2" charset="0"/>
+                          <a:ea typeface="CMU Serif" panose="02000803000000000000" pitchFamily="2" charset="0"/>
+                          <a:cs typeface="CMU Serif" panose="02000803000000000000" pitchFamily="2" charset="0"/>
+                        </a:rPr>
+                        <a:t>hasElevator</a:t>
+                      </a:r>
+                      <a:endParaRPr>
+                        <a:latin typeface="CMU Serif" panose="02000803000000000000" pitchFamily="2" charset="0"/>
+                        <a:ea typeface="CMU Serif" panose="02000803000000000000" pitchFamily="2" charset="0"/>
+                        <a:cs typeface="CMU Serif" panose="02000803000000000000" pitchFamily="2" charset="0"/>
+                      </a:endParaRPr>
+                    </a:p>
+                  </a:txBody>
+                  <a:tcPr/>
+                </a:tc>
+                <a:tc>
+                  <a:txBody>
+                    <a:bodyPr/>
+                    <a:lstStyle/>
+                    <a:p>
+                      <a:pPr>
+                        <a:defRPr/>
+                      </a:pPr>
+                      <a:r>
+                        <a:rPr lang="de-DE">
+                          <a:latin typeface="CMU Serif" panose="02000803000000000000" pitchFamily="2" charset="0"/>
+                          <a:ea typeface="CMU Serif" panose="02000803000000000000" pitchFamily="2" charset="0"/>
+                          <a:cs typeface="CMU Serif" panose="02000803000000000000" pitchFamily="2" charset="0"/>
+                        </a:rPr>
+                        <a:t>Fahrstuhl vorhanden</a:t>
+                      </a:r>
+                      <a:endParaRPr>
+                        <a:latin typeface="CMU Serif" panose="02000803000000000000" pitchFamily="2" charset="0"/>
+                        <a:ea typeface="CMU Serif" panose="02000803000000000000" pitchFamily="2" charset="0"/>
+                        <a:cs typeface="CMU Serif" panose="02000803000000000000" pitchFamily="2" charset="0"/>
+                      </a:endParaRPr>
+                    </a:p>
+                  </a:txBody>
+                  <a:tcPr/>
+                </a:tc>
+                <a:tc>
+                  <a:txBody>
+                    <a:bodyPr/>
+                    <a:lstStyle/>
+                    <a:p>
+                      <a:pPr>
+                        <a:defRPr/>
+                      </a:pPr>
+                      <a:r>
+                        <a:rPr lang="de-DE" dirty="0">
+                          <a:latin typeface="CMU Serif" panose="02000803000000000000" pitchFamily="2" charset="0"/>
+                          <a:ea typeface="CMU Serif" panose="02000803000000000000" pitchFamily="2" charset="0"/>
+                          <a:cs typeface="CMU Serif" panose="02000803000000000000" pitchFamily="2" charset="0"/>
+                        </a:rPr>
+                        <a:t>Binär</a:t>
+                      </a:r>
+                      <a:endParaRPr dirty="0">
+                        <a:latin typeface="CMU Serif" panose="02000803000000000000" pitchFamily="2" charset="0"/>
+                        <a:ea typeface="CMU Serif" panose="02000803000000000000" pitchFamily="2" charset="0"/>
+                        <a:cs typeface="CMU Serif" panose="02000803000000000000" pitchFamily="2" charset="0"/>
+                      </a:endParaRPr>
+                    </a:p>
+                  </a:txBody>
+                  <a:tcPr/>
+                </a:tc>
+                <a:extLst>
+                  <a:ext uri="{0D108BD9-81ED-4DB2-BD59-A6C34878D82A}">
+                    <a16:rowId xmlns:a16="http://schemas.microsoft.com/office/drawing/2014/main" val="10010"/>
+                  </a:ext>
+                </a:extLst>
+              </a:tr>
+              <a:tr h="370840">
+                <a:tc>
+                  <a:txBody>
+                    <a:bodyPr/>
+                    <a:lstStyle/>
+                    <a:p>
+                      <a:pPr>
+                        <a:defRPr/>
+                      </a:pPr>
+                      <a:r>
+                        <a:rPr lang="de-DE" dirty="0" err="1">
+                          <a:latin typeface="CMU Serif" panose="02000803000000000000" pitchFamily="2" charset="0"/>
+                          <a:ea typeface="CMU Serif" panose="02000803000000000000" pitchFamily="2" charset="0"/>
+                          <a:cs typeface="CMU Serif" panose="02000803000000000000" pitchFamily="2" charset="0"/>
+                        </a:rPr>
+                        <a:t>priceInEuro</a:t>
+                      </a:r>
+                      <a:endParaRPr dirty="0">
+                        <a:latin typeface="CMU Serif" panose="02000803000000000000" pitchFamily="2" charset="0"/>
+                        <a:ea typeface="CMU Serif" panose="02000803000000000000" pitchFamily="2" charset="0"/>
+                        <a:cs typeface="CMU Serif" panose="02000803000000000000" pitchFamily="2" charset="0"/>
+                      </a:endParaRPr>
+                    </a:p>
+                  </a:txBody>
+                  <a:tcPr>
+                    <a:solidFill>
+                      <a:srgbClr val="92D050"/>
+                    </a:solidFill>
+                  </a:tcPr>
+                </a:tc>
+                <a:tc>
+                  <a:txBody>
+                    <a:bodyPr/>
+                    <a:lstStyle/>
+                    <a:p>
+                      <a:pPr>
+                        <a:defRPr/>
+                      </a:pPr>
+                      <a:r>
+                        <a:rPr lang="de-DE" dirty="0">
+                          <a:latin typeface="CMU Serif" panose="02000803000000000000" pitchFamily="2" charset="0"/>
+                          <a:ea typeface="CMU Serif" panose="02000803000000000000" pitchFamily="2" charset="0"/>
+                          <a:cs typeface="CMU Serif" panose="02000803000000000000" pitchFamily="2" charset="0"/>
+                        </a:rPr>
+                        <a:t>Mietpreis in Euro</a:t>
+                      </a:r>
+                      <a:endParaRPr dirty="0">
+                        <a:latin typeface="CMU Serif" panose="02000803000000000000" pitchFamily="2" charset="0"/>
+                        <a:ea typeface="CMU Serif" panose="02000803000000000000" pitchFamily="2" charset="0"/>
+                        <a:cs typeface="CMU Serif" panose="02000803000000000000" pitchFamily="2" charset="0"/>
+                      </a:endParaRPr>
+                    </a:p>
+                  </a:txBody>
+                  <a:tcPr>
+                    <a:solidFill>
+                      <a:srgbClr val="92D050"/>
+                    </a:solidFill>
+                  </a:tcPr>
+                </a:tc>
+                <a:tc>
+                  <a:txBody>
+                    <a:bodyPr/>
+                    <a:lstStyle/>
+                    <a:p>
+                      <a:pPr>
+                        <a:defRPr/>
+                      </a:pPr>
+                      <a:r>
+                        <a:rPr lang="de-DE" dirty="0">
+                          <a:latin typeface="CMU Serif" panose="02000803000000000000" pitchFamily="2" charset="0"/>
+                          <a:ea typeface="CMU Serif" panose="02000803000000000000" pitchFamily="2" charset="0"/>
+                          <a:cs typeface="CMU Serif" panose="02000803000000000000" pitchFamily="2" charset="0"/>
+                        </a:rPr>
+                        <a:t>Numerisch</a:t>
+                      </a:r>
+                      <a:endParaRPr dirty="0">
+                        <a:latin typeface="CMU Serif" panose="02000803000000000000" pitchFamily="2" charset="0"/>
+                        <a:ea typeface="CMU Serif" panose="02000803000000000000" pitchFamily="2" charset="0"/>
+                        <a:cs typeface="CMU Serif" panose="02000803000000000000" pitchFamily="2" charset="0"/>
+                      </a:endParaRPr>
+                    </a:p>
+                  </a:txBody>
+                  <a:tcPr>
+                    <a:solidFill>
+                      <a:srgbClr val="92D050"/>
+                    </a:solidFill>
+                  </a:tcPr>
+                </a:tc>
+                <a:extLst>
+                  <a:ext uri="{0D108BD9-81ED-4DB2-BD59-A6C34878D82A}">
+                    <a16:rowId xmlns:a16="http://schemas.microsoft.com/office/drawing/2014/main" val="10011"/>
+                  </a:ext>
+                </a:extLst>
+              </a:tr>
+            </a:tbl>
+          </a:graphicData>
+        </a:graphic>
+      </p:graphicFrame>
+    </p:spTree>
+    <p:extLst>
+      <p:ext uri="{BB962C8B-B14F-4D97-AF65-F5344CB8AC3E}">
+        <p14:creationId xmlns:p14="http://schemas.microsoft.com/office/powerpoint/2010/main" val="353874020"/>
+      </p:ext>
+    </p:extLst>
+  </p:cSld>
+  <p:clrMapOvr>
+    <a:masterClrMapping/>
+  </p:clrMapOvr>
+  <p:transition spd="slow">
+    <p:push dir="u"/>
+  </p:transition>
+</p:sld>
+</file>
+
+<file path=ppt/slides/slide4.xml><?xml version="1.0" encoding="utf-8"?>
 <p:sld xmlns:a="http://schemas.openxmlformats.org/drawingml/2006/main" xmlns:r="http://schemas.openxmlformats.org/officeDocument/2006/relationships" xmlns:p="http://schemas.openxmlformats.org/presentationml/2006/main">
   <p:cSld>
     <p:spTree>
@@ -6206,7 +7211,7 @@
 </p:sld>
 </file>
 
-<file path=ppt/slides/slide4.xml><?xml version="1.0" encoding="utf-8"?>
+<file path=ppt/slides/slide5.xml><?xml version="1.0" encoding="utf-8"?>
 <p:sld xmlns:a="http://schemas.openxmlformats.org/drawingml/2006/main" xmlns:r="http://schemas.openxmlformats.org/officeDocument/2006/relationships" xmlns:p="http://schemas.openxmlformats.org/presentationml/2006/main">
   <p:cSld>
     <p:spTree>
@@ -6460,7 +7465,7 @@
 </p:sld>
 </file>
 
-<file path=ppt/slides/slide5.xml><?xml version="1.0" encoding="utf-8"?>
+<file path=ppt/slides/slide6.xml><?xml version="1.0" encoding="utf-8"?>
 <p:sld xmlns:a="http://schemas.openxmlformats.org/drawingml/2006/main" xmlns:r="http://schemas.openxmlformats.org/officeDocument/2006/relationships" xmlns:p="http://schemas.openxmlformats.org/presentationml/2006/main">
   <p:cSld>
     <p:spTree>
@@ -6528,8 +7533,8 @@
         </p:nvSpPr>
         <p:spPr>
           <a:xfrm>
-            <a:off x="827314" y="3147758"/>
-            <a:ext cx="10537372" cy="1200329"/>
+            <a:off x="827314" y="2021087"/>
+            <a:ext cx="10537372" cy="3416320"/>
           </a:xfrm>
           <a:prstGeom prst="rect">
             <a:avLst/>
@@ -6599,6 +7604,78 @@
               <a:buFont typeface="Arial" panose="020B0604020202020204" pitchFamily="34" charset="0"/>
               <a:buChar char="•"/>
             </a:pPr>
+            <a:endParaRPr lang="de-DE" dirty="0">
+              <a:solidFill>
+                <a:schemeClr val="accent1"/>
+              </a:solidFill>
+              <a:latin typeface="CMU Serif" panose="02000803000000000000" pitchFamily="2" charset="0"/>
+              <a:ea typeface="CMU Serif" panose="02000803000000000000" pitchFamily="2" charset="0"/>
+              <a:cs typeface="CMU Serif" panose="02000803000000000000" pitchFamily="2" charset="0"/>
+            </a:endParaRPr>
+          </a:p>
+          <a:p>
+            <a:pPr marL="285750" indent="-285750" algn="ctr">
+              <a:buFont typeface="Arial" panose="020B0604020202020204" pitchFamily="34" charset="0"/>
+              <a:buChar char="•"/>
+            </a:pPr>
+            <a:endParaRPr lang="de-DE" dirty="0">
+              <a:solidFill>
+                <a:schemeClr val="accent1"/>
+              </a:solidFill>
+              <a:latin typeface="CMU Serif" panose="02000803000000000000" pitchFamily="2" charset="0"/>
+              <a:ea typeface="CMU Serif" panose="02000803000000000000" pitchFamily="2" charset="0"/>
+              <a:cs typeface="CMU Serif" panose="02000803000000000000" pitchFamily="2" charset="0"/>
+            </a:endParaRPr>
+          </a:p>
+          <a:p>
+            <a:pPr algn="ctr"/>
+            <a:endParaRPr lang="de-DE" dirty="0">
+              <a:solidFill>
+                <a:schemeClr val="accent1"/>
+              </a:solidFill>
+              <a:latin typeface="CMU Serif" panose="02000803000000000000" pitchFamily="2" charset="0"/>
+              <a:ea typeface="CMU Serif" panose="02000803000000000000" pitchFamily="2" charset="0"/>
+              <a:cs typeface="CMU Serif" panose="02000803000000000000" pitchFamily="2" charset="0"/>
+            </a:endParaRPr>
+          </a:p>
+          <a:p>
+            <a:pPr algn="ctr"/>
+            <a:endParaRPr lang="de-DE" dirty="0">
+              <a:solidFill>
+                <a:schemeClr val="accent1"/>
+              </a:solidFill>
+              <a:latin typeface="CMU Serif" panose="02000803000000000000" pitchFamily="2" charset="0"/>
+              <a:ea typeface="CMU Serif" panose="02000803000000000000" pitchFamily="2" charset="0"/>
+              <a:cs typeface="CMU Serif" panose="02000803000000000000" pitchFamily="2" charset="0"/>
+            </a:endParaRPr>
+          </a:p>
+          <a:p>
+            <a:pPr algn="ctr"/>
+            <a:endParaRPr lang="de-DE" dirty="0">
+              <a:solidFill>
+                <a:schemeClr val="accent1"/>
+              </a:solidFill>
+              <a:latin typeface="CMU Serif" panose="02000803000000000000" pitchFamily="2" charset="0"/>
+              <a:ea typeface="CMU Serif" panose="02000803000000000000" pitchFamily="2" charset="0"/>
+              <a:cs typeface="CMU Serif" panose="02000803000000000000" pitchFamily="2" charset="0"/>
+            </a:endParaRPr>
+          </a:p>
+          <a:p>
+            <a:pPr algn="ctr"/>
+            <a:endParaRPr lang="de-DE" dirty="0">
+              <a:solidFill>
+                <a:schemeClr val="accent1"/>
+              </a:solidFill>
+              <a:latin typeface="CMU Serif" panose="02000803000000000000" pitchFamily="2" charset="0"/>
+              <a:ea typeface="CMU Serif" panose="02000803000000000000" pitchFamily="2" charset="0"/>
+              <a:cs typeface="CMU Serif" panose="02000803000000000000" pitchFamily="2" charset="0"/>
+            </a:endParaRPr>
+          </a:p>
+          <a:p>
+            <a:pPr marL="285750" indent="-285750" algn="ctr">
+              <a:buFont typeface="Arial" panose="020B0604020202020204" pitchFamily="34" charset="0"/>
+              <a:buChar char="•"/>
+            </a:pPr>
             <a:r>
               <a:rPr lang="de-DE" dirty="0">
                 <a:solidFill>
@@ -6608,11 +7685,268 @@
                 <a:ea typeface="CMU Serif" panose="02000803000000000000" pitchFamily="2" charset="0"/>
                 <a:cs typeface="CMU Serif" panose="02000803000000000000" pitchFamily="2" charset="0"/>
               </a:rPr>
-              <a:t>Aus ursprünglichen 8850 Einträgen haben wir am Ende 5384 valide Einträge für unser Modell.  </a:t>
+              <a:t>Aus ursprünglichen 8850 Einträgen haben wir am Ende 5384 valide Einträge für unser Modell.</a:t>
+            </a:r>
+          </a:p>
+          <a:p>
+            <a:pPr marL="285750" indent="-285750" algn="ctr">
+              <a:buFont typeface="Arial" panose="020B0604020202020204" pitchFamily="34" charset="0"/>
+              <a:buChar char="•"/>
+            </a:pPr>
+            <a:endParaRPr lang="de-DE" dirty="0">
+              <a:solidFill>
+                <a:schemeClr val="accent1"/>
+              </a:solidFill>
+              <a:latin typeface="CMU Serif" panose="02000803000000000000" pitchFamily="2" charset="0"/>
+              <a:ea typeface="CMU Serif" panose="02000803000000000000" pitchFamily="2" charset="0"/>
+              <a:cs typeface="CMU Serif" panose="02000803000000000000" pitchFamily="2" charset="0"/>
+            </a:endParaRPr>
+          </a:p>
+          <a:p>
+            <a:pPr marL="285750" indent="-285750" algn="ctr">
+              <a:buFont typeface="Arial" panose="020B0604020202020204" pitchFamily="34" charset="0"/>
+              <a:buChar char="•"/>
+            </a:pPr>
+            <a:r>
+              <a:rPr lang="de-DE" dirty="0">
+                <a:solidFill>
+                  <a:schemeClr val="accent1"/>
+                </a:solidFill>
+                <a:latin typeface="CMU Serif" panose="02000803000000000000" pitchFamily="2" charset="0"/>
+                <a:ea typeface="CMU Serif" panose="02000803000000000000" pitchFamily="2" charset="0"/>
+                <a:cs typeface="CMU Serif" panose="02000803000000000000" pitchFamily="2" charset="0"/>
+              </a:rPr>
+              <a:t>Ursprüngliche 28 Variablen haben wir auf 12 reduziert.  </a:t>
             </a:r>
           </a:p>
         </p:txBody>
       </p:sp>
+      <p:graphicFrame>
+        <p:nvGraphicFramePr>
+          <p:cNvPr id="5" name="Tabelle 4">
+            <a:extLst>
+              <a:ext uri="{FF2B5EF4-FFF2-40B4-BE49-F238E27FC236}">
+                <a16:creationId xmlns:a16="http://schemas.microsoft.com/office/drawing/2014/main" id="{813B6344-C3BA-2C8D-7659-84F0592412EC}"/>
+              </a:ext>
+            </a:extLst>
+          </p:cNvPr>
+          <p:cNvGraphicFramePr>
+            <a:graphicFrameLocks noGrp="1"/>
+          </p:cNvGraphicFramePr>
+          <p:nvPr>
+            <p:extLst>
+              <p:ext uri="{D42A27DB-BD31-4B8C-83A1-F6EECF244321}">
+                <p14:modId xmlns:p14="http://schemas.microsoft.com/office/powerpoint/2010/main" val="3926049099"/>
+              </p:ext>
+            </p:extLst>
+          </p:nvPr>
+        </p:nvGraphicFramePr>
+        <p:xfrm>
+          <a:off x="2065564" y="2613780"/>
+          <a:ext cx="7625443" cy="1010920"/>
+        </p:xfrm>
+        <a:graphic>
+          <a:graphicData uri="http://schemas.openxmlformats.org/drawingml/2006/table">
+            <a:tbl>
+              <a:tblPr firstRow="1" bandRow="1">
+                <a:tableStyleId>{5C22544A-7EE6-4342-B048-85BDC9FD1C3A}</a:tableStyleId>
+              </a:tblPr>
+              <a:tblGrid>
+                <a:gridCol w="2456113">
+                  <a:extLst>
+                    <a:ext uri="{9D8B030D-6E8A-4147-A177-3AD203B41FA5}">
+                      <a16:colId xmlns:a16="http://schemas.microsoft.com/office/drawing/2014/main" val="3310571623"/>
+                    </a:ext>
+                  </a:extLst>
+                </a:gridCol>
+                <a:gridCol w="2584665">
+                  <a:extLst>
+                    <a:ext uri="{9D8B030D-6E8A-4147-A177-3AD203B41FA5}">
+                      <a16:colId xmlns:a16="http://schemas.microsoft.com/office/drawing/2014/main" val="4067509422"/>
+                    </a:ext>
+                  </a:extLst>
+                </a:gridCol>
+                <a:gridCol w="2584665">
+                  <a:extLst>
+                    <a:ext uri="{9D8B030D-6E8A-4147-A177-3AD203B41FA5}">
+                      <a16:colId xmlns:a16="http://schemas.microsoft.com/office/drawing/2014/main" val="3232951412"/>
+                    </a:ext>
+                  </a:extLst>
+                </a:gridCol>
+              </a:tblGrid>
+              <a:tr h="370840">
+                <a:tc>
+                  <a:txBody>
+                    <a:bodyPr/>
+                    <a:lstStyle/>
+                    <a:p>
+                      <a:endParaRPr lang="de-DE" dirty="0">
+                        <a:latin typeface="CMU Serif" panose="02000803000000000000" pitchFamily="2" charset="0"/>
+                        <a:ea typeface="CMU Serif" panose="02000803000000000000" pitchFamily="2" charset="0"/>
+                        <a:cs typeface="CMU Serif" panose="02000803000000000000" pitchFamily="2" charset="0"/>
+                      </a:endParaRPr>
+                    </a:p>
+                  </a:txBody>
+                  <a:tcPr/>
+                </a:tc>
+                <a:tc>
+                  <a:txBody>
+                    <a:bodyPr/>
+                    <a:lstStyle/>
+                    <a:p>
+                      <a:pPr algn="ctr"/>
+                      <a:r>
+                        <a:rPr lang="de-DE" dirty="0">
+                          <a:latin typeface="CMU Serif" panose="02000803000000000000" pitchFamily="2" charset="0"/>
+                          <a:ea typeface="CMU Serif" panose="02000803000000000000" pitchFamily="2" charset="0"/>
+                          <a:cs typeface="CMU Serif" panose="02000803000000000000" pitchFamily="2" charset="0"/>
+                        </a:rPr>
+                        <a:t>Davor</a:t>
+                      </a:r>
+                    </a:p>
+                  </a:txBody>
+                  <a:tcPr/>
+                </a:tc>
+                <a:tc>
+                  <a:txBody>
+                    <a:bodyPr/>
+                    <a:lstStyle/>
+                    <a:p>
+                      <a:pPr algn="ctr"/>
+                      <a:r>
+                        <a:rPr lang="de-DE" dirty="0">
+                          <a:latin typeface="CMU Serif" panose="02000803000000000000" pitchFamily="2" charset="0"/>
+                          <a:ea typeface="CMU Serif" panose="02000803000000000000" pitchFamily="2" charset="0"/>
+                          <a:cs typeface="CMU Serif" panose="02000803000000000000" pitchFamily="2" charset="0"/>
+                        </a:rPr>
+                        <a:t>Danach</a:t>
+                      </a:r>
+                    </a:p>
+                  </a:txBody>
+                  <a:tcPr/>
+                </a:tc>
+                <a:extLst>
+                  <a:ext uri="{0D108BD9-81ED-4DB2-BD59-A6C34878D82A}">
+                    <a16:rowId xmlns:a16="http://schemas.microsoft.com/office/drawing/2014/main" val="1066288974"/>
+                  </a:ext>
+                </a:extLst>
+              </a:tr>
+              <a:tr h="370840">
+                <a:tc>
+                  <a:txBody>
+                    <a:bodyPr/>
+                    <a:lstStyle/>
+                    <a:p>
+                      <a:pPr algn="ctr"/>
+                      <a:r>
+                        <a:rPr lang="de-DE" dirty="0">
+                          <a:solidFill>
+                            <a:srgbClr val="002060"/>
+                          </a:solidFill>
+                          <a:latin typeface="CMU Serif" panose="02000803000000000000" pitchFamily="2" charset="0"/>
+                          <a:ea typeface="CMU Serif" panose="02000803000000000000" pitchFamily="2" charset="0"/>
+                          <a:cs typeface="CMU Serif" panose="02000803000000000000" pitchFamily="2" charset="0"/>
+                        </a:rPr>
+                        <a:t>Price Range</a:t>
+                      </a:r>
+                    </a:p>
+                    <a:p>
+                      <a:pPr algn="ctr"/>
+                      <a:r>
+                        <a:rPr lang="de-DE" dirty="0">
+                          <a:solidFill>
+                            <a:srgbClr val="002060"/>
+                          </a:solidFill>
+                          <a:latin typeface="CMU Serif" panose="02000803000000000000" pitchFamily="2" charset="0"/>
+                          <a:ea typeface="CMU Serif" panose="02000803000000000000" pitchFamily="2" charset="0"/>
+                          <a:cs typeface="CMU Serif" panose="02000803000000000000" pitchFamily="2" charset="0"/>
+                        </a:rPr>
+                        <a:t>(in Euro)</a:t>
+                      </a:r>
+                    </a:p>
+                  </a:txBody>
+                  <a:tcPr/>
+                </a:tc>
+                <a:tc>
+                  <a:txBody>
+                    <a:bodyPr/>
+                    <a:lstStyle/>
+                    <a:p>
+                      <a:pPr algn="ctr"/>
+                      <a:r>
+                        <a:rPr lang="de-DE" dirty="0">
+                          <a:solidFill>
+                            <a:srgbClr val="002060"/>
+                          </a:solidFill>
+                          <a:latin typeface="CMU Serif" panose="02000803000000000000" pitchFamily="2" charset="0"/>
+                          <a:ea typeface="CMU Serif" panose="02000803000000000000" pitchFamily="2" charset="0"/>
+                          <a:cs typeface="CMU Serif" panose="02000803000000000000" pitchFamily="2" charset="0"/>
+                        </a:rPr>
+                        <a:t>Min=172,5</a:t>
+                      </a:r>
+                    </a:p>
+                    <a:p>
+                      <a:pPr algn="ctr"/>
+                      <a:r>
+                        <a:rPr lang="de-DE" dirty="0">
+                          <a:solidFill>
+                            <a:srgbClr val="002060"/>
+                          </a:solidFill>
+                          <a:latin typeface="CMU Serif" panose="02000803000000000000" pitchFamily="2" charset="0"/>
+                          <a:ea typeface="CMU Serif" panose="02000803000000000000" pitchFamily="2" charset="0"/>
+                          <a:cs typeface="CMU Serif" panose="02000803000000000000" pitchFamily="2" charset="0"/>
+                        </a:rPr>
+                        <a:t>Max=4525</a:t>
+                      </a:r>
+                    </a:p>
+                  </a:txBody>
+                  <a:tcPr/>
+                </a:tc>
+                <a:tc>
+                  <a:txBody>
+                    <a:bodyPr/>
+                    <a:lstStyle/>
+                    <a:p>
+                      <a:pPr algn="ctr"/>
+                      <a:r>
+                        <a:rPr lang="de-DE" dirty="0">
+                          <a:solidFill>
+                            <a:srgbClr val="002060"/>
+                          </a:solidFill>
+                          <a:latin typeface="CMU Serif" panose="02000803000000000000" pitchFamily="2" charset="0"/>
+                          <a:ea typeface="CMU Serif" panose="02000803000000000000" pitchFamily="2" charset="0"/>
+                          <a:cs typeface="CMU Serif" panose="02000803000000000000" pitchFamily="2" charset="0"/>
+                        </a:rPr>
+                        <a:t>Min=172,5</a:t>
+                      </a:r>
+                    </a:p>
+                    <a:p>
+                      <a:pPr algn="ctr"/>
+                      <a:r>
+                        <a:rPr lang="de-DE" dirty="0">
+                          <a:solidFill>
+                            <a:srgbClr val="002060"/>
+                          </a:solidFill>
+                          <a:latin typeface="CMU Serif" panose="02000803000000000000" pitchFamily="2" charset="0"/>
+                          <a:ea typeface="CMU Serif" panose="02000803000000000000" pitchFamily="2" charset="0"/>
+                          <a:cs typeface="CMU Serif" panose="02000803000000000000" pitchFamily="2" charset="0"/>
+                        </a:rPr>
+                        <a:t>Max=1610</a:t>
+                      </a:r>
+                    </a:p>
+                  </a:txBody>
+                  <a:tcPr/>
+                </a:tc>
+                <a:extLst>
+                  <a:ext uri="{0D108BD9-81ED-4DB2-BD59-A6C34878D82A}">
+                    <a16:rowId xmlns:a16="http://schemas.microsoft.com/office/drawing/2014/main" val="2211949909"/>
+                  </a:ext>
+                </a:extLst>
+              </a:tr>
+            </a:tbl>
+          </a:graphicData>
+        </a:graphic>
+      </p:graphicFrame>
     </p:spTree>
     <p:extLst>
       <p:ext uri="{BB962C8B-B14F-4D97-AF65-F5344CB8AC3E}">
@@ -6629,7 +7963,7 @@
 </p:sld>
 </file>
 
-<file path=ppt/slides/slide6.xml><?xml version="1.0" encoding="utf-8"?>
+<file path=ppt/slides/slide7.xml><?xml version="1.0" encoding="utf-8"?>
 <p:sld xmlns:a="http://schemas.openxmlformats.org/drawingml/2006/main" xmlns:r="http://schemas.openxmlformats.org/officeDocument/2006/relationships" xmlns:p="http://schemas.openxmlformats.org/presentationml/2006/main">
   <p:cSld>
     <p:spTree>
@@ -6888,10 +8222,750 @@
   <p:clrMapOvr>
     <a:masterClrMapping/>
   </p:clrMapOvr>
+  <p:transition spd="slow">
+    <p:push dir="u"/>
+  </p:transition>
 </p:sld>
 </file>
 
-<file path=ppt/slides/slide7.xml><?xml version="1.0" encoding="utf-8"?>
+<file path=ppt/slides/slide8.xml><?xml version="1.0" encoding="utf-8"?>
+<p:sld xmlns:a="http://schemas.openxmlformats.org/drawingml/2006/main" xmlns:r="http://schemas.openxmlformats.org/officeDocument/2006/relationships" xmlns:p="http://schemas.openxmlformats.org/presentationml/2006/main">
+  <p:cSld>
+    <p:spTree>
+      <p:nvGrpSpPr>
+        <p:cNvPr id="1" name=""/>
+        <p:cNvGrpSpPr/>
+        <p:nvPr/>
+      </p:nvGrpSpPr>
+      <p:grpSpPr>
+        <a:xfrm>
+          <a:off x="0" y="0"/>
+          <a:ext cx="0" cy="0"/>
+          <a:chOff x="0" y="0"/>
+          <a:chExt cx="0" cy="0"/>
+        </a:xfrm>
+      </p:grpSpPr>
+      <p:sp>
+        <p:nvSpPr>
+          <p:cNvPr id="2" name="Textplatzhalter 1">
+            <a:extLst>
+              <a:ext uri="{FF2B5EF4-FFF2-40B4-BE49-F238E27FC236}">
+                <a16:creationId xmlns:a16="http://schemas.microsoft.com/office/drawing/2014/main" id="{2B4CE6F0-60E3-F559-ECB2-D6D163150BDA}"/>
+              </a:ext>
+            </a:extLst>
+          </p:cNvPr>
+          <p:cNvSpPr>
+            <a:spLocks noGrp="1"/>
+          </p:cNvSpPr>
+          <p:nvPr>
+            <p:ph type="body" sz="quarter" idx="10"/>
+          </p:nvPr>
+        </p:nvSpPr>
+        <p:spPr>
+          <a:xfrm>
+            <a:off x="2120734" y="416379"/>
+            <a:ext cx="9775991" cy="647377"/>
+          </a:xfrm>
+        </p:spPr>
+        <p:txBody>
+          <a:bodyPr/>
+          <a:lstStyle/>
+          <a:p>
+            <a:r>
+              <a:rPr lang="de-DE" dirty="0">
+                <a:latin typeface="CMU Serif" panose="02000803000000000000" pitchFamily="2" charset="0"/>
+                <a:ea typeface="CMU Serif" panose="02000803000000000000" pitchFamily="2" charset="0"/>
+                <a:cs typeface="CMU Serif" panose="02000803000000000000" pitchFamily="2" charset="0"/>
+              </a:rPr>
+              <a:t>User Interface</a:t>
+            </a:r>
+          </a:p>
+        </p:txBody>
+      </p:sp>
+      <p:graphicFrame>
+        <p:nvGraphicFramePr>
+          <p:cNvPr id="5" name="Inhaltsplatzhalter 3">
+            <a:extLst>
+              <a:ext uri="{FF2B5EF4-FFF2-40B4-BE49-F238E27FC236}">
+                <a16:creationId xmlns:a16="http://schemas.microsoft.com/office/drawing/2014/main" id="{1E228F48-9702-801B-825B-03853C574261}"/>
+              </a:ext>
+            </a:extLst>
+          </p:cNvPr>
+          <p:cNvGraphicFramePr>
+            <a:graphicFrameLocks/>
+          </p:cNvGraphicFramePr>
+          <p:nvPr>
+            <p:extLst>
+              <p:ext uri="{D42A27DB-BD31-4B8C-83A1-F6EECF244321}">
+                <p14:modId xmlns:p14="http://schemas.microsoft.com/office/powerpoint/2010/main" val="296578139"/>
+              </p:ext>
+            </p:extLst>
+          </p:nvPr>
+        </p:nvGraphicFramePr>
+        <p:xfrm>
+          <a:off x="1668959" y="2036404"/>
+          <a:ext cx="8854082" cy="4079240"/>
+        </p:xfrm>
+        <a:graphic>
+          <a:graphicData uri="http://schemas.openxmlformats.org/drawingml/2006/table">
+            <a:tbl>
+              <a:tblPr firstRow="1" bandRow="1">
+                <a:tableStyleId>{5C22544A-7EE6-4342-B048-85BDC9FD1C3A}</a:tableStyleId>
+              </a:tblPr>
+              <a:tblGrid>
+                <a:gridCol w="3833046">
+                  <a:extLst>
+                    <a:ext uri="{9D8B030D-6E8A-4147-A177-3AD203B41FA5}">
+                      <a16:colId xmlns:a16="http://schemas.microsoft.com/office/drawing/2014/main" val="20000"/>
+                    </a:ext>
+                  </a:extLst>
+                </a:gridCol>
+                <a:gridCol w="5021036">
+                  <a:extLst>
+                    <a:ext uri="{9D8B030D-6E8A-4147-A177-3AD203B41FA5}">
+                      <a16:colId xmlns:a16="http://schemas.microsoft.com/office/drawing/2014/main" val="20001"/>
+                    </a:ext>
+                  </a:extLst>
+                </a:gridCol>
+              </a:tblGrid>
+              <a:tr h="370840">
+                <a:tc>
+                  <a:txBody>
+                    <a:bodyPr/>
+                    <a:lstStyle/>
+                    <a:p>
+                      <a:pPr>
+                        <a:defRPr/>
+                      </a:pPr>
+                      <a:r>
+                        <a:rPr lang="de-DE" dirty="0">
+                          <a:latin typeface="CMU Serif" panose="02000803000000000000" pitchFamily="2" charset="0"/>
+                          <a:ea typeface="CMU Serif" panose="02000803000000000000" pitchFamily="2" charset="0"/>
+                          <a:cs typeface="CMU Serif" panose="02000803000000000000" pitchFamily="2" charset="0"/>
+                        </a:rPr>
+                        <a:t>Variablenname</a:t>
+                      </a:r>
+                      <a:endParaRPr dirty="0">
+                        <a:latin typeface="CMU Serif" panose="02000803000000000000" pitchFamily="2" charset="0"/>
+                        <a:ea typeface="CMU Serif" panose="02000803000000000000" pitchFamily="2" charset="0"/>
+                        <a:cs typeface="CMU Serif" panose="02000803000000000000" pitchFamily="2" charset="0"/>
+                      </a:endParaRPr>
+                    </a:p>
+                  </a:txBody>
+                  <a:tcPr/>
+                </a:tc>
+                <a:tc>
+                  <a:txBody>
+                    <a:bodyPr/>
+                    <a:lstStyle/>
+                    <a:p>
+                      <a:pPr>
+                        <a:defRPr/>
+                      </a:pPr>
+                      <a:r>
+                        <a:rPr lang="de-DE">
+                          <a:latin typeface="CMU Serif" panose="02000803000000000000" pitchFamily="2" charset="0"/>
+                          <a:ea typeface="CMU Serif" panose="02000803000000000000" pitchFamily="2" charset="0"/>
+                          <a:cs typeface="CMU Serif" panose="02000803000000000000" pitchFamily="2" charset="0"/>
+                        </a:rPr>
+                        <a:t>Interface-Objekt</a:t>
+                      </a:r>
+                      <a:endParaRPr>
+                        <a:latin typeface="CMU Serif" panose="02000803000000000000" pitchFamily="2" charset="0"/>
+                        <a:ea typeface="CMU Serif" panose="02000803000000000000" pitchFamily="2" charset="0"/>
+                        <a:cs typeface="CMU Serif" panose="02000803000000000000" pitchFamily="2" charset="0"/>
+                      </a:endParaRPr>
+                    </a:p>
+                  </a:txBody>
+                  <a:tcPr/>
+                </a:tc>
+                <a:extLst>
+                  <a:ext uri="{0D108BD9-81ED-4DB2-BD59-A6C34878D82A}">
+                    <a16:rowId xmlns:a16="http://schemas.microsoft.com/office/drawing/2014/main" val="10000"/>
+                  </a:ext>
+                </a:extLst>
+              </a:tr>
+              <a:tr h="370840">
+                <a:tc>
+                  <a:txBody>
+                    <a:bodyPr/>
+                    <a:lstStyle/>
+                    <a:p>
+                      <a:pPr>
+                        <a:defRPr/>
+                      </a:pPr>
+                      <a:r>
+                        <a:rPr lang="de-DE" dirty="0" err="1">
+                          <a:latin typeface="CMU Serif" panose="02000803000000000000" pitchFamily="2" charset="0"/>
+                          <a:ea typeface="CMU Serif" panose="02000803000000000000" pitchFamily="2" charset="0"/>
+                          <a:cs typeface="CMU Serif" panose="02000803000000000000" pitchFamily="2" charset="0"/>
+                        </a:rPr>
+                        <a:t>city</a:t>
+                      </a:r>
+                      <a:endParaRPr dirty="0">
+                        <a:latin typeface="CMU Serif" panose="02000803000000000000" pitchFamily="2" charset="0"/>
+                        <a:ea typeface="CMU Serif" panose="02000803000000000000" pitchFamily="2" charset="0"/>
+                        <a:cs typeface="CMU Serif" panose="02000803000000000000" pitchFamily="2" charset="0"/>
+                      </a:endParaRPr>
+                    </a:p>
+                  </a:txBody>
+                  <a:tcPr/>
+                </a:tc>
+                <a:tc>
+                  <a:txBody>
+                    <a:bodyPr/>
+                    <a:lstStyle/>
+                    <a:p>
+                      <a:pPr>
+                        <a:defRPr/>
+                      </a:pPr>
+                      <a:r>
+                        <a:rPr lang="de-DE" dirty="0">
+                          <a:latin typeface="CMU Serif" panose="02000803000000000000" pitchFamily="2" charset="0"/>
+                          <a:ea typeface="CMU Serif" panose="02000803000000000000" pitchFamily="2" charset="0"/>
+                          <a:cs typeface="CMU Serif" panose="02000803000000000000" pitchFamily="2" charset="0"/>
+                        </a:rPr>
+                        <a:t>Dropdown-Menü</a:t>
+                      </a:r>
+                      <a:endParaRPr dirty="0">
+                        <a:latin typeface="CMU Serif" panose="02000803000000000000" pitchFamily="2" charset="0"/>
+                        <a:ea typeface="CMU Serif" panose="02000803000000000000" pitchFamily="2" charset="0"/>
+                        <a:cs typeface="CMU Serif" panose="02000803000000000000" pitchFamily="2" charset="0"/>
+                      </a:endParaRPr>
+                    </a:p>
+                  </a:txBody>
+                  <a:tcPr/>
+                </a:tc>
+                <a:extLst>
+                  <a:ext uri="{0D108BD9-81ED-4DB2-BD59-A6C34878D82A}">
+                    <a16:rowId xmlns:a16="http://schemas.microsoft.com/office/drawing/2014/main" val="10001"/>
+                  </a:ext>
+                </a:extLst>
+              </a:tr>
+              <a:tr h="370840">
+                <a:tc>
+                  <a:txBody>
+                    <a:bodyPr/>
+                    <a:lstStyle/>
+                    <a:p>
+                      <a:pPr>
+                        <a:defRPr/>
+                      </a:pPr>
+                      <a:r>
+                        <a:rPr lang="de-DE">
+                          <a:latin typeface="CMU Serif" panose="02000803000000000000" pitchFamily="2" charset="0"/>
+                          <a:ea typeface="CMU Serif" panose="02000803000000000000" pitchFamily="2" charset="0"/>
+                          <a:cs typeface="CMU Serif" panose="02000803000000000000" pitchFamily="2" charset="0"/>
+                        </a:rPr>
+                        <a:t>squareMeters</a:t>
+                      </a:r>
+                      <a:endParaRPr>
+                        <a:latin typeface="CMU Serif" panose="02000803000000000000" pitchFamily="2" charset="0"/>
+                        <a:ea typeface="CMU Serif" panose="02000803000000000000" pitchFamily="2" charset="0"/>
+                        <a:cs typeface="CMU Serif" panose="02000803000000000000" pitchFamily="2" charset="0"/>
+                      </a:endParaRPr>
+                    </a:p>
+                  </a:txBody>
+                  <a:tcPr/>
+                </a:tc>
+                <a:tc>
+                  <a:txBody>
+                    <a:bodyPr/>
+                    <a:lstStyle/>
+                    <a:p>
+                      <a:pPr>
+                        <a:defRPr/>
+                      </a:pPr>
+                      <a:r>
+                        <a:rPr lang="de-DE" dirty="0">
+                          <a:latin typeface="CMU Serif" panose="02000803000000000000" pitchFamily="2" charset="0"/>
+                          <a:ea typeface="CMU Serif" panose="02000803000000000000" pitchFamily="2" charset="0"/>
+                          <a:cs typeface="CMU Serif" panose="02000803000000000000" pitchFamily="2" charset="0"/>
+                        </a:rPr>
+                        <a:t>Numerisches Eingabefeld</a:t>
+                      </a:r>
+                      <a:endParaRPr dirty="0">
+                        <a:latin typeface="CMU Serif" panose="02000803000000000000" pitchFamily="2" charset="0"/>
+                        <a:ea typeface="CMU Serif" panose="02000803000000000000" pitchFamily="2" charset="0"/>
+                        <a:cs typeface="CMU Serif" panose="02000803000000000000" pitchFamily="2" charset="0"/>
+                      </a:endParaRPr>
+                    </a:p>
+                  </a:txBody>
+                  <a:tcPr/>
+                </a:tc>
+                <a:extLst>
+                  <a:ext uri="{0D108BD9-81ED-4DB2-BD59-A6C34878D82A}">
+                    <a16:rowId xmlns:a16="http://schemas.microsoft.com/office/drawing/2014/main" val="10002"/>
+                  </a:ext>
+                </a:extLst>
+              </a:tr>
+              <a:tr h="370840">
+                <a:tc>
+                  <a:txBody>
+                    <a:bodyPr/>
+                    <a:lstStyle/>
+                    <a:p>
+                      <a:pPr>
+                        <a:defRPr/>
+                      </a:pPr>
+                      <a:r>
+                        <a:rPr lang="de-DE">
+                          <a:latin typeface="CMU Serif" panose="02000803000000000000" pitchFamily="2" charset="0"/>
+                          <a:ea typeface="CMU Serif" panose="02000803000000000000" pitchFamily="2" charset="0"/>
+                          <a:cs typeface="CMU Serif" panose="02000803000000000000" pitchFamily="2" charset="0"/>
+                        </a:rPr>
+                        <a:t>rooms</a:t>
+                      </a:r>
+                      <a:endParaRPr>
+                        <a:latin typeface="CMU Serif" panose="02000803000000000000" pitchFamily="2" charset="0"/>
+                        <a:ea typeface="CMU Serif" panose="02000803000000000000" pitchFamily="2" charset="0"/>
+                        <a:cs typeface="CMU Serif" panose="02000803000000000000" pitchFamily="2" charset="0"/>
+                      </a:endParaRPr>
+                    </a:p>
+                  </a:txBody>
+                  <a:tcPr/>
+                </a:tc>
+                <a:tc>
+                  <a:txBody>
+                    <a:bodyPr/>
+                    <a:lstStyle/>
+                    <a:p>
+                      <a:pPr>
+                        <a:defRPr/>
+                      </a:pPr>
+                      <a:r>
+                        <a:rPr lang="de-DE" dirty="0">
+                          <a:latin typeface="CMU Serif" panose="02000803000000000000" pitchFamily="2" charset="0"/>
+                          <a:ea typeface="CMU Serif" panose="02000803000000000000" pitchFamily="2" charset="0"/>
+                          <a:cs typeface="CMU Serif" panose="02000803000000000000" pitchFamily="2" charset="0"/>
+                        </a:rPr>
+                        <a:t>Numerisches Eingabefeld</a:t>
+                      </a:r>
+                      <a:endParaRPr dirty="0">
+                        <a:latin typeface="CMU Serif" panose="02000803000000000000" pitchFamily="2" charset="0"/>
+                        <a:ea typeface="CMU Serif" panose="02000803000000000000" pitchFamily="2" charset="0"/>
+                        <a:cs typeface="CMU Serif" panose="02000803000000000000" pitchFamily="2" charset="0"/>
+                      </a:endParaRPr>
+                    </a:p>
+                  </a:txBody>
+                  <a:tcPr/>
+                </a:tc>
+                <a:extLst>
+                  <a:ext uri="{0D108BD9-81ED-4DB2-BD59-A6C34878D82A}">
+                    <a16:rowId xmlns:a16="http://schemas.microsoft.com/office/drawing/2014/main" val="10003"/>
+                  </a:ext>
+                </a:extLst>
+              </a:tr>
+              <a:tr h="370840">
+                <a:tc>
+                  <a:txBody>
+                    <a:bodyPr/>
+                    <a:lstStyle/>
+                    <a:p>
+                      <a:pPr>
+                        <a:defRPr/>
+                      </a:pPr>
+                      <a:r>
+                        <a:rPr lang="de-DE">
+                          <a:latin typeface="CMU Serif" panose="02000803000000000000" pitchFamily="2" charset="0"/>
+                          <a:ea typeface="CMU Serif" panose="02000803000000000000" pitchFamily="2" charset="0"/>
+                          <a:cs typeface="CMU Serif" panose="02000803000000000000" pitchFamily="2" charset="0"/>
+                        </a:rPr>
+                        <a:t>floor</a:t>
+                      </a:r>
+                      <a:endParaRPr>
+                        <a:latin typeface="CMU Serif" panose="02000803000000000000" pitchFamily="2" charset="0"/>
+                        <a:ea typeface="CMU Serif" panose="02000803000000000000" pitchFamily="2" charset="0"/>
+                        <a:cs typeface="CMU Serif" panose="02000803000000000000" pitchFamily="2" charset="0"/>
+                      </a:endParaRPr>
+                    </a:p>
+                  </a:txBody>
+                  <a:tcPr/>
+                </a:tc>
+                <a:tc>
+                  <a:txBody>
+                    <a:bodyPr/>
+                    <a:lstStyle/>
+                    <a:p>
+                      <a:pPr>
+                        <a:defRPr/>
+                      </a:pPr>
+                      <a:r>
+                        <a:rPr lang="de-DE" dirty="0">
+                          <a:latin typeface="CMU Serif" panose="02000803000000000000" pitchFamily="2" charset="0"/>
+                          <a:ea typeface="CMU Serif" panose="02000803000000000000" pitchFamily="2" charset="0"/>
+                          <a:cs typeface="CMU Serif" panose="02000803000000000000" pitchFamily="2" charset="0"/>
+                        </a:rPr>
+                        <a:t>Numerisches Eingabefeld</a:t>
+                      </a:r>
+                      <a:endParaRPr dirty="0">
+                        <a:latin typeface="CMU Serif" panose="02000803000000000000" pitchFamily="2" charset="0"/>
+                        <a:ea typeface="CMU Serif" panose="02000803000000000000" pitchFamily="2" charset="0"/>
+                        <a:cs typeface="CMU Serif" panose="02000803000000000000" pitchFamily="2" charset="0"/>
+                      </a:endParaRPr>
+                    </a:p>
+                  </a:txBody>
+                  <a:tcPr/>
+                </a:tc>
+                <a:extLst>
+                  <a:ext uri="{0D108BD9-81ED-4DB2-BD59-A6C34878D82A}">
+                    <a16:rowId xmlns:a16="http://schemas.microsoft.com/office/drawing/2014/main" val="10004"/>
+                  </a:ext>
+                </a:extLst>
+              </a:tr>
+              <a:tr h="370840">
+                <a:tc>
+                  <a:txBody>
+                    <a:bodyPr/>
+                    <a:lstStyle/>
+                    <a:p>
+                      <a:pPr>
+                        <a:defRPr/>
+                      </a:pPr>
+                      <a:r>
+                        <a:rPr lang="de-DE">
+                          <a:latin typeface="CMU Serif" panose="02000803000000000000" pitchFamily="2" charset="0"/>
+                          <a:ea typeface="CMU Serif" panose="02000803000000000000" pitchFamily="2" charset="0"/>
+                          <a:cs typeface="CMU Serif" panose="02000803000000000000" pitchFamily="2" charset="0"/>
+                        </a:rPr>
+                        <a:t>buildYear</a:t>
+                      </a:r>
+                      <a:endParaRPr>
+                        <a:latin typeface="CMU Serif" panose="02000803000000000000" pitchFamily="2" charset="0"/>
+                        <a:ea typeface="CMU Serif" panose="02000803000000000000" pitchFamily="2" charset="0"/>
+                        <a:cs typeface="CMU Serif" panose="02000803000000000000" pitchFamily="2" charset="0"/>
+                      </a:endParaRPr>
+                    </a:p>
+                  </a:txBody>
+                  <a:tcPr/>
+                </a:tc>
+                <a:tc>
+                  <a:txBody>
+                    <a:bodyPr/>
+                    <a:lstStyle/>
+                    <a:p>
+                      <a:pPr>
+                        <a:defRPr/>
+                      </a:pPr>
+                      <a:r>
+                        <a:rPr lang="de-DE" dirty="0">
+                          <a:latin typeface="CMU Serif" panose="02000803000000000000" pitchFamily="2" charset="0"/>
+                          <a:ea typeface="CMU Serif" panose="02000803000000000000" pitchFamily="2" charset="0"/>
+                          <a:cs typeface="CMU Serif" panose="02000803000000000000" pitchFamily="2" charset="0"/>
+                        </a:rPr>
+                        <a:t>Schieberegler</a:t>
+                      </a:r>
+                      <a:endParaRPr dirty="0">
+                        <a:latin typeface="CMU Serif" panose="02000803000000000000" pitchFamily="2" charset="0"/>
+                        <a:ea typeface="CMU Serif" panose="02000803000000000000" pitchFamily="2" charset="0"/>
+                        <a:cs typeface="CMU Serif" panose="02000803000000000000" pitchFamily="2" charset="0"/>
+                      </a:endParaRPr>
+                    </a:p>
+                  </a:txBody>
+                  <a:tcPr/>
+                </a:tc>
+                <a:extLst>
+                  <a:ext uri="{0D108BD9-81ED-4DB2-BD59-A6C34878D82A}">
+                    <a16:rowId xmlns:a16="http://schemas.microsoft.com/office/drawing/2014/main" val="10005"/>
+                  </a:ext>
+                </a:extLst>
+              </a:tr>
+              <a:tr h="370840">
+                <a:tc>
+                  <a:txBody>
+                    <a:bodyPr/>
+                    <a:lstStyle/>
+                    <a:p>
+                      <a:pPr>
+                        <a:defRPr/>
+                      </a:pPr>
+                      <a:r>
+                        <a:rPr lang="de-DE">
+                          <a:latin typeface="CMU Serif" panose="02000803000000000000" pitchFamily="2" charset="0"/>
+                          <a:ea typeface="CMU Serif" panose="02000803000000000000" pitchFamily="2" charset="0"/>
+                          <a:cs typeface="CMU Serif" panose="02000803000000000000" pitchFamily="2" charset="0"/>
+                        </a:rPr>
+                        <a:t>centreDistance</a:t>
+                      </a:r>
+                      <a:endParaRPr>
+                        <a:latin typeface="CMU Serif" panose="02000803000000000000" pitchFamily="2" charset="0"/>
+                        <a:ea typeface="CMU Serif" panose="02000803000000000000" pitchFamily="2" charset="0"/>
+                        <a:cs typeface="CMU Serif" panose="02000803000000000000" pitchFamily="2" charset="0"/>
+                      </a:endParaRPr>
+                    </a:p>
+                  </a:txBody>
+                  <a:tcPr/>
+                </a:tc>
+                <a:tc>
+                  <a:txBody>
+                    <a:bodyPr/>
+                    <a:lstStyle/>
+                    <a:p>
+                      <a:pPr>
+                        <a:defRPr/>
+                      </a:pPr>
+                      <a:r>
+                        <a:rPr lang="de-DE" dirty="0">
+                          <a:latin typeface="CMU Serif" panose="02000803000000000000" pitchFamily="2" charset="0"/>
+                          <a:ea typeface="CMU Serif" panose="02000803000000000000" pitchFamily="2" charset="0"/>
+                          <a:cs typeface="CMU Serif" panose="02000803000000000000" pitchFamily="2" charset="0"/>
+                        </a:rPr>
+                        <a:t>Schieberegler</a:t>
+                      </a:r>
+                    </a:p>
+                  </a:txBody>
+                  <a:tcPr/>
+                </a:tc>
+                <a:extLst>
+                  <a:ext uri="{0D108BD9-81ED-4DB2-BD59-A6C34878D82A}">
+                    <a16:rowId xmlns:a16="http://schemas.microsoft.com/office/drawing/2014/main" val="10006"/>
+                  </a:ext>
+                </a:extLst>
+              </a:tr>
+              <a:tr h="370840">
+                <a:tc>
+                  <a:txBody>
+                    <a:bodyPr/>
+                    <a:lstStyle/>
+                    <a:p>
+                      <a:pPr>
+                        <a:defRPr/>
+                      </a:pPr>
+                      <a:r>
+                        <a:rPr lang="de-DE">
+                          <a:latin typeface="CMU Serif" panose="02000803000000000000" pitchFamily="2" charset="0"/>
+                          <a:ea typeface="CMU Serif" panose="02000803000000000000" pitchFamily="2" charset="0"/>
+                          <a:cs typeface="CMU Serif" panose="02000803000000000000" pitchFamily="2" charset="0"/>
+                        </a:rPr>
+                        <a:t>schoolDistance</a:t>
+                      </a:r>
+                      <a:endParaRPr>
+                        <a:latin typeface="CMU Serif" panose="02000803000000000000" pitchFamily="2" charset="0"/>
+                        <a:ea typeface="CMU Serif" panose="02000803000000000000" pitchFamily="2" charset="0"/>
+                        <a:cs typeface="CMU Serif" panose="02000803000000000000" pitchFamily="2" charset="0"/>
+                      </a:endParaRPr>
+                    </a:p>
+                  </a:txBody>
+                  <a:tcPr/>
+                </a:tc>
+                <a:tc>
+                  <a:txBody>
+                    <a:bodyPr/>
+                    <a:lstStyle/>
+                    <a:p>
+                      <a:pPr>
+                        <a:defRPr/>
+                      </a:pPr>
+                      <a:r>
+                        <a:rPr lang="de-DE" dirty="0">
+                          <a:latin typeface="CMU Serif" panose="02000803000000000000" pitchFamily="2" charset="0"/>
+                          <a:ea typeface="CMU Serif" panose="02000803000000000000" pitchFamily="2" charset="0"/>
+                          <a:cs typeface="CMU Serif" panose="02000803000000000000" pitchFamily="2" charset="0"/>
+                        </a:rPr>
+                        <a:t>Schieberegler</a:t>
+                      </a:r>
+                    </a:p>
+                  </a:txBody>
+                  <a:tcPr/>
+                </a:tc>
+                <a:extLst>
+                  <a:ext uri="{0D108BD9-81ED-4DB2-BD59-A6C34878D82A}">
+                    <a16:rowId xmlns:a16="http://schemas.microsoft.com/office/drawing/2014/main" val="10007"/>
+                  </a:ext>
+                </a:extLst>
+              </a:tr>
+              <a:tr h="370840">
+                <a:tc>
+                  <a:txBody>
+                    <a:bodyPr/>
+                    <a:lstStyle/>
+                    <a:p>
+                      <a:pPr>
+                        <a:defRPr/>
+                      </a:pPr>
+                      <a:r>
+                        <a:rPr lang="de-DE">
+                          <a:latin typeface="CMU Serif" panose="02000803000000000000" pitchFamily="2" charset="0"/>
+                          <a:ea typeface="CMU Serif" panose="02000803000000000000" pitchFamily="2" charset="0"/>
+                          <a:cs typeface="CMU Serif" panose="02000803000000000000" pitchFamily="2" charset="0"/>
+                        </a:rPr>
+                        <a:t>hasParkingSpace</a:t>
+                      </a:r>
+                      <a:endParaRPr>
+                        <a:latin typeface="CMU Serif" panose="02000803000000000000" pitchFamily="2" charset="0"/>
+                        <a:ea typeface="CMU Serif" panose="02000803000000000000" pitchFamily="2" charset="0"/>
+                        <a:cs typeface="CMU Serif" panose="02000803000000000000" pitchFamily="2" charset="0"/>
+                      </a:endParaRPr>
+                    </a:p>
+                  </a:txBody>
+                  <a:tcPr/>
+                </a:tc>
+                <a:tc>
+                  <a:txBody>
+                    <a:bodyPr/>
+                    <a:lstStyle/>
+                    <a:p>
+                      <a:pPr>
+                        <a:defRPr/>
+                      </a:pPr>
+                      <a:r>
+                        <a:rPr lang="de-DE" dirty="0">
+                          <a:latin typeface="CMU Serif" panose="02000803000000000000" pitchFamily="2" charset="0"/>
+                          <a:ea typeface="CMU Serif" panose="02000803000000000000" pitchFamily="2" charset="0"/>
+                          <a:cs typeface="CMU Serif" panose="02000803000000000000" pitchFamily="2" charset="0"/>
+                        </a:rPr>
+                        <a:t>Checkbox</a:t>
+                      </a:r>
+                      <a:endParaRPr dirty="0">
+                        <a:latin typeface="CMU Serif" panose="02000803000000000000" pitchFamily="2" charset="0"/>
+                        <a:ea typeface="CMU Serif" panose="02000803000000000000" pitchFamily="2" charset="0"/>
+                        <a:cs typeface="CMU Serif" panose="02000803000000000000" pitchFamily="2" charset="0"/>
+                      </a:endParaRPr>
+                    </a:p>
+                  </a:txBody>
+                  <a:tcPr/>
+                </a:tc>
+                <a:extLst>
+                  <a:ext uri="{0D108BD9-81ED-4DB2-BD59-A6C34878D82A}">
+                    <a16:rowId xmlns:a16="http://schemas.microsoft.com/office/drawing/2014/main" val="10008"/>
+                  </a:ext>
+                </a:extLst>
+              </a:tr>
+              <a:tr h="370840">
+                <a:tc>
+                  <a:txBody>
+                    <a:bodyPr/>
+                    <a:lstStyle/>
+                    <a:p>
+                      <a:pPr>
+                        <a:defRPr/>
+                      </a:pPr>
+                      <a:r>
+                        <a:rPr lang="de-DE">
+                          <a:latin typeface="CMU Serif" panose="02000803000000000000" pitchFamily="2" charset="0"/>
+                          <a:ea typeface="CMU Serif" panose="02000803000000000000" pitchFamily="2" charset="0"/>
+                          <a:cs typeface="CMU Serif" panose="02000803000000000000" pitchFamily="2" charset="0"/>
+                        </a:rPr>
+                        <a:t>hasBalcony</a:t>
+                      </a:r>
+                      <a:endParaRPr>
+                        <a:latin typeface="CMU Serif" panose="02000803000000000000" pitchFamily="2" charset="0"/>
+                        <a:ea typeface="CMU Serif" panose="02000803000000000000" pitchFamily="2" charset="0"/>
+                        <a:cs typeface="CMU Serif" panose="02000803000000000000" pitchFamily="2" charset="0"/>
+                      </a:endParaRPr>
+                    </a:p>
+                  </a:txBody>
+                  <a:tcPr/>
+                </a:tc>
+                <a:tc>
+                  <a:txBody>
+                    <a:bodyPr/>
+                    <a:lstStyle/>
+                    <a:p>
+                      <a:pPr>
+                        <a:defRPr/>
+                      </a:pPr>
+                      <a:r>
+                        <a:rPr lang="de-DE" dirty="0">
+                          <a:latin typeface="CMU Serif" panose="02000803000000000000" pitchFamily="2" charset="0"/>
+                          <a:ea typeface="CMU Serif" panose="02000803000000000000" pitchFamily="2" charset="0"/>
+                          <a:cs typeface="CMU Serif" panose="02000803000000000000" pitchFamily="2" charset="0"/>
+                        </a:rPr>
+                        <a:t>Checkbox</a:t>
+                      </a:r>
+                      <a:endParaRPr dirty="0">
+                        <a:latin typeface="CMU Serif" panose="02000803000000000000" pitchFamily="2" charset="0"/>
+                        <a:ea typeface="CMU Serif" panose="02000803000000000000" pitchFamily="2" charset="0"/>
+                        <a:cs typeface="CMU Serif" panose="02000803000000000000" pitchFamily="2" charset="0"/>
+                      </a:endParaRPr>
+                    </a:p>
+                  </a:txBody>
+                  <a:tcPr/>
+                </a:tc>
+                <a:extLst>
+                  <a:ext uri="{0D108BD9-81ED-4DB2-BD59-A6C34878D82A}">
+                    <a16:rowId xmlns:a16="http://schemas.microsoft.com/office/drawing/2014/main" val="10009"/>
+                  </a:ext>
+                </a:extLst>
+              </a:tr>
+              <a:tr h="370840">
+                <a:tc>
+                  <a:txBody>
+                    <a:bodyPr/>
+                    <a:lstStyle/>
+                    <a:p>
+                      <a:pPr>
+                        <a:defRPr/>
+                      </a:pPr>
+                      <a:r>
+                        <a:rPr lang="de-DE">
+                          <a:latin typeface="CMU Serif" panose="02000803000000000000" pitchFamily="2" charset="0"/>
+                          <a:ea typeface="CMU Serif" panose="02000803000000000000" pitchFamily="2" charset="0"/>
+                          <a:cs typeface="CMU Serif" panose="02000803000000000000" pitchFamily="2" charset="0"/>
+                        </a:rPr>
+                        <a:t>hasElevator</a:t>
+                      </a:r>
+                      <a:endParaRPr>
+                        <a:latin typeface="CMU Serif" panose="02000803000000000000" pitchFamily="2" charset="0"/>
+                        <a:ea typeface="CMU Serif" panose="02000803000000000000" pitchFamily="2" charset="0"/>
+                        <a:cs typeface="CMU Serif" panose="02000803000000000000" pitchFamily="2" charset="0"/>
+                      </a:endParaRPr>
+                    </a:p>
+                  </a:txBody>
+                  <a:tcPr/>
+                </a:tc>
+                <a:tc>
+                  <a:txBody>
+                    <a:bodyPr/>
+                    <a:lstStyle/>
+                    <a:p>
+                      <a:pPr>
+                        <a:defRPr/>
+                      </a:pPr>
+                      <a:r>
+                        <a:rPr lang="de-DE" dirty="0">
+                          <a:latin typeface="CMU Serif" panose="02000803000000000000" pitchFamily="2" charset="0"/>
+                          <a:ea typeface="CMU Serif" panose="02000803000000000000" pitchFamily="2" charset="0"/>
+                          <a:cs typeface="CMU Serif" panose="02000803000000000000" pitchFamily="2" charset="0"/>
+                        </a:rPr>
+                        <a:t>Checkbox</a:t>
+                      </a:r>
+                      <a:endParaRPr dirty="0">
+                        <a:latin typeface="CMU Serif" panose="02000803000000000000" pitchFamily="2" charset="0"/>
+                        <a:ea typeface="CMU Serif" panose="02000803000000000000" pitchFamily="2" charset="0"/>
+                        <a:cs typeface="CMU Serif" panose="02000803000000000000" pitchFamily="2" charset="0"/>
+                      </a:endParaRPr>
+                    </a:p>
+                  </a:txBody>
+                  <a:tcPr/>
+                </a:tc>
+                <a:extLst>
+                  <a:ext uri="{0D108BD9-81ED-4DB2-BD59-A6C34878D82A}">
+                    <a16:rowId xmlns:a16="http://schemas.microsoft.com/office/drawing/2014/main" val="10010"/>
+                  </a:ext>
+                </a:extLst>
+              </a:tr>
+            </a:tbl>
+          </a:graphicData>
+        </a:graphic>
+      </p:graphicFrame>
+    </p:spTree>
+    <p:extLst>
+      <p:ext uri="{BB962C8B-B14F-4D97-AF65-F5344CB8AC3E}">
+        <p14:creationId xmlns:p14="http://schemas.microsoft.com/office/powerpoint/2010/main" val="3671093283"/>
+      </p:ext>
+    </p:extLst>
+  </p:cSld>
+  <p:clrMapOvr>
+    <a:masterClrMapping/>
+  </p:clrMapOvr>
+  <p:transition spd="slow">
+    <p:push dir="u"/>
+  </p:transition>
+</p:sld>
+</file>
+
+<file path=ppt/slides/slide9.xml><?xml version="1.0" encoding="utf-8"?>
 <p:sld xmlns:a="http://schemas.openxmlformats.org/drawingml/2006/main" xmlns:r="http://schemas.openxmlformats.org/officeDocument/2006/relationships" xmlns:p="http://schemas.openxmlformats.org/presentationml/2006/main">
   <p:cSld>
     <p:spTree>
@@ -7709,375 +9783,6 @@
     <p:extLst>
       <p:ext uri="{BB962C8B-B14F-4D97-AF65-F5344CB8AC3E}">
         <p14:creationId xmlns:p14="http://schemas.microsoft.com/office/powerpoint/2010/main" val="2021881645"/>
-      </p:ext>
-    </p:extLst>
-  </p:cSld>
-  <p:clrMapOvr>
-    <a:masterClrMapping/>
-  </p:clrMapOvr>
-  <p:transition spd="slow">
-    <p:push dir="u"/>
-  </p:transition>
-</p:sld>
-</file>
-
-<file path=ppt/slides/slide8.xml><?xml version="1.0" encoding="utf-8"?>
-<p:sld xmlns:a="http://schemas.openxmlformats.org/drawingml/2006/main" xmlns:r="http://schemas.openxmlformats.org/officeDocument/2006/relationships" xmlns:p="http://schemas.openxmlformats.org/presentationml/2006/main">
-  <p:cSld>
-    <p:spTree>
-      <p:nvGrpSpPr>
-        <p:cNvPr id="1" name=""/>
-        <p:cNvGrpSpPr/>
-        <p:nvPr/>
-      </p:nvGrpSpPr>
-      <p:grpSpPr>
-        <a:xfrm>
-          <a:off x="0" y="0"/>
-          <a:ext cx="0" cy="0"/>
-          <a:chOff x="0" y="0"/>
-          <a:chExt cx="0" cy="0"/>
-        </a:xfrm>
-      </p:grpSpPr>
-      <p:sp>
-        <p:nvSpPr>
-          <p:cNvPr id="2" name="Textplatzhalter 1">
-            <a:extLst>
-              <a:ext uri="{FF2B5EF4-FFF2-40B4-BE49-F238E27FC236}">
-                <a16:creationId xmlns:a16="http://schemas.microsoft.com/office/drawing/2014/main" id="{656B7792-E7D7-048D-938C-FCBA462EEFB8}"/>
-              </a:ext>
-            </a:extLst>
-          </p:cNvPr>
-          <p:cNvSpPr>
-            <a:spLocks noGrp="1"/>
-          </p:cNvSpPr>
-          <p:nvPr>
-            <p:ph type="body" sz="quarter" idx="10"/>
-          </p:nvPr>
-        </p:nvSpPr>
-        <p:spPr>
-          <a:xfrm>
-            <a:off x="2088077" y="355837"/>
-            <a:ext cx="8378537" cy="724247"/>
-          </a:xfrm>
-        </p:spPr>
-        <p:txBody>
-          <a:bodyPr/>
-          <a:lstStyle/>
-          <a:p>
-            <a:r>
-              <a:rPr lang="de-DE" dirty="0">
-                <a:latin typeface="CMU Serif" panose="02000803000000000000" pitchFamily="2" charset="0"/>
-                <a:ea typeface="CMU Serif" panose="02000803000000000000" pitchFamily="2" charset="0"/>
-                <a:cs typeface="CMU Serif" panose="02000803000000000000" pitchFamily="2" charset="0"/>
-              </a:rPr>
-              <a:t>Grafische Darstellung</a:t>
-            </a:r>
-          </a:p>
-        </p:txBody>
-      </p:sp>
-      <p:sp>
-        <p:nvSpPr>
-          <p:cNvPr id="3" name="Textfeld 2">
-            <a:extLst>
-              <a:ext uri="{FF2B5EF4-FFF2-40B4-BE49-F238E27FC236}">
-                <a16:creationId xmlns:a16="http://schemas.microsoft.com/office/drawing/2014/main" id="{09FEE9B1-876D-0C58-8302-9D486A7B28E6}"/>
-              </a:ext>
-            </a:extLst>
-          </p:cNvPr>
-          <p:cNvSpPr txBox="1"/>
-          <p:nvPr/>
-        </p:nvSpPr>
-        <p:spPr>
-          <a:xfrm>
-            <a:off x="492578" y="1596543"/>
-            <a:ext cx="10537372" cy="646331"/>
-          </a:xfrm>
-          <a:prstGeom prst="rect">
-            <a:avLst/>
-          </a:prstGeom>
-          <a:noFill/>
-        </p:spPr>
-        <p:txBody>
-          <a:bodyPr wrap="square" rtlCol="0">
-            <a:spAutoFit/>
-          </a:bodyPr>
-          <a:lstStyle/>
-          <a:p>
-            <a:r>
-              <a:rPr lang="de-DE" u="sng" dirty="0">
-                <a:solidFill>
-                  <a:schemeClr val="accent1"/>
-                </a:solidFill>
-                <a:latin typeface="CMU Serif" panose="02000803000000000000" pitchFamily="2" charset="0"/>
-                <a:ea typeface="CMU Serif" panose="02000803000000000000" pitchFamily="2" charset="0"/>
-                <a:cs typeface="CMU Serif" panose="02000803000000000000" pitchFamily="2" charset="0"/>
-              </a:rPr>
-              <a:t>Interaktive Karte Polens mit Markern auf den Städten</a:t>
-            </a:r>
-          </a:p>
-          <a:p>
-            <a:r>
-              <a:rPr lang="de-DE" dirty="0">
-                <a:solidFill>
-                  <a:schemeClr val="accent1"/>
-                </a:solidFill>
-                <a:latin typeface="CMU Serif" panose="02000803000000000000" pitchFamily="2" charset="0"/>
-                <a:ea typeface="CMU Serif" panose="02000803000000000000" pitchFamily="2" charset="0"/>
-                <a:cs typeface="CMU Serif" panose="02000803000000000000" pitchFamily="2" charset="0"/>
-              </a:rPr>
-              <a:t>   </a:t>
-            </a:r>
-          </a:p>
-        </p:txBody>
-      </p:sp>
-      <p:pic>
-        <p:nvPicPr>
-          <p:cNvPr id="7" name="Grafik 6">
-            <a:extLst>
-              <a:ext uri="{FF2B5EF4-FFF2-40B4-BE49-F238E27FC236}">
-                <a16:creationId xmlns:a16="http://schemas.microsoft.com/office/drawing/2014/main" id="{1458C961-4F10-4888-C2D4-0F18CFAD71D5}"/>
-              </a:ext>
-            </a:extLst>
-          </p:cNvPr>
-          <p:cNvPicPr>
-            <a:picLocks noChangeAspect="1"/>
-          </p:cNvPicPr>
-          <p:nvPr/>
-        </p:nvPicPr>
-        <p:blipFill>
-          <a:blip r:embed="rId2"/>
-          <a:stretch>
-            <a:fillRect/>
-          </a:stretch>
-        </p:blipFill>
-        <p:spPr>
-          <a:xfrm>
-            <a:off x="7329546" y="2021751"/>
-            <a:ext cx="4369876" cy="4480412"/>
-          </a:xfrm>
-          <a:prstGeom prst="rect">
-            <a:avLst/>
-          </a:prstGeom>
-        </p:spPr>
-      </p:pic>
-      <p:sp>
-        <p:nvSpPr>
-          <p:cNvPr id="8" name="Textfeld 7">
-            <a:extLst>
-              <a:ext uri="{FF2B5EF4-FFF2-40B4-BE49-F238E27FC236}">
-                <a16:creationId xmlns:a16="http://schemas.microsoft.com/office/drawing/2014/main" id="{52387C03-675D-9F73-844E-8C09B6B0601F}"/>
-              </a:ext>
-            </a:extLst>
-          </p:cNvPr>
-          <p:cNvSpPr txBox="1"/>
-          <p:nvPr/>
-        </p:nvSpPr>
-        <p:spPr>
-          <a:xfrm>
-            <a:off x="492578" y="3218356"/>
-            <a:ext cx="6504215" cy="2308324"/>
-          </a:xfrm>
-          <a:prstGeom prst="rect">
-            <a:avLst/>
-          </a:prstGeom>
-          <a:noFill/>
-        </p:spPr>
-        <p:txBody>
-          <a:bodyPr wrap="square" rtlCol="0">
-            <a:spAutoFit/>
-          </a:bodyPr>
-          <a:lstStyle/>
-          <a:p>
-            <a:r>
-              <a:rPr lang="de-DE" dirty="0">
-                <a:solidFill>
-                  <a:schemeClr val="accent1"/>
-                </a:solidFill>
-                <a:latin typeface="CMU Serif" panose="02000803000000000000" pitchFamily="2" charset="0"/>
-                <a:ea typeface="CMU Serif" panose="02000803000000000000" pitchFamily="2" charset="0"/>
-                <a:cs typeface="CMU Serif" panose="02000803000000000000" pitchFamily="2" charset="0"/>
-              </a:rPr>
-              <a:t>Grafische Darstellung in Form einer Karte, um bessere Visualisierung zu fördern.</a:t>
-            </a:r>
-          </a:p>
-          <a:p>
-            <a:endParaRPr lang="de-DE" dirty="0">
-              <a:solidFill>
-                <a:schemeClr val="accent1"/>
-              </a:solidFill>
-              <a:latin typeface="CMU Serif" panose="02000803000000000000" pitchFamily="2" charset="0"/>
-              <a:ea typeface="CMU Serif" panose="02000803000000000000" pitchFamily="2" charset="0"/>
-              <a:cs typeface="CMU Serif" panose="02000803000000000000" pitchFamily="2" charset="0"/>
-            </a:endParaRPr>
-          </a:p>
-          <a:p>
-            <a:r>
-              <a:rPr lang="de-DE" dirty="0">
-                <a:solidFill>
-                  <a:schemeClr val="accent1"/>
-                </a:solidFill>
-                <a:latin typeface="CMU Serif" panose="02000803000000000000" pitchFamily="2" charset="0"/>
-                <a:ea typeface="CMU Serif" panose="02000803000000000000" pitchFamily="2" charset="0"/>
-                <a:cs typeface="CMU Serif" panose="02000803000000000000" pitchFamily="2" charset="0"/>
-              </a:rPr>
-              <a:t>Der User kann bei der Prognose die vorhergesagten Preise für andere Städte direkt vergleichen und schafft sich ein Überblick über die ungefähren Mietverhältnisse in Polen.</a:t>
-            </a:r>
-          </a:p>
-          <a:p>
-            <a:endParaRPr lang="de-DE" dirty="0"/>
-          </a:p>
-        </p:txBody>
-      </p:sp>
-    </p:spTree>
-    <p:extLst>
-      <p:ext uri="{BB962C8B-B14F-4D97-AF65-F5344CB8AC3E}">
-        <p14:creationId xmlns:p14="http://schemas.microsoft.com/office/powerpoint/2010/main" val="2264192763"/>
-      </p:ext>
-    </p:extLst>
-  </p:cSld>
-  <p:clrMapOvr>
-    <a:masterClrMapping/>
-  </p:clrMapOvr>
-  <p:transition spd="slow">
-    <p:push dir="u"/>
-  </p:transition>
-</p:sld>
-</file>
-
-<file path=ppt/slides/slide9.xml><?xml version="1.0" encoding="utf-8"?>
-<p:sld xmlns:a="http://schemas.openxmlformats.org/drawingml/2006/main" xmlns:r="http://schemas.openxmlformats.org/officeDocument/2006/relationships" xmlns:p="http://schemas.openxmlformats.org/presentationml/2006/main">
-  <p:cSld>
-    <p:spTree>
-      <p:nvGrpSpPr>
-        <p:cNvPr id="1" name=""/>
-        <p:cNvGrpSpPr/>
-        <p:nvPr/>
-      </p:nvGrpSpPr>
-      <p:grpSpPr>
-        <a:xfrm>
-          <a:off x="0" y="0"/>
-          <a:ext cx="0" cy="0"/>
-          <a:chOff x="0" y="0"/>
-          <a:chExt cx="0" cy="0"/>
-        </a:xfrm>
-      </p:grpSpPr>
-      <p:pic>
-        <p:nvPicPr>
-          <p:cNvPr id="3" name="Grafik 2">
-            <a:extLst>
-              <a:ext uri="{FF2B5EF4-FFF2-40B4-BE49-F238E27FC236}">
-                <a16:creationId xmlns:a16="http://schemas.microsoft.com/office/drawing/2014/main" id="{A4799FE7-B1B5-4096-9DB7-31AB14DBE521}"/>
-              </a:ext>
-            </a:extLst>
-          </p:cNvPr>
-          <p:cNvPicPr>
-            <a:picLocks noChangeAspect="1"/>
-          </p:cNvPicPr>
-          <p:nvPr/>
-        </p:nvPicPr>
-        <p:blipFill>
-          <a:blip r:embed="rId2">
-            <a:extLst>
-              <a:ext uri="{28A0092B-C50C-407E-A947-70E740481C1C}">
-                <a14:useLocalDpi xmlns:a14="http://schemas.microsoft.com/office/drawing/2010/main" val="0"/>
-              </a:ext>
-            </a:extLst>
-          </a:blip>
-          <a:stretch>
-            <a:fillRect/>
-          </a:stretch>
-        </p:blipFill>
-        <p:spPr>
-          <a:xfrm flipH="1">
-            <a:off x="9660" y="0"/>
-            <a:ext cx="12182340" cy="6858000"/>
-          </a:xfrm>
-          <a:prstGeom prst="rect">
-            <a:avLst/>
-          </a:prstGeom>
-        </p:spPr>
-      </p:pic>
-      <p:sp>
-        <p:nvSpPr>
-          <p:cNvPr id="2" name="TextBox 12">
-            <a:extLst>
-              <a:ext uri="{FF2B5EF4-FFF2-40B4-BE49-F238E27FC236}">
-                <a16:creationId xmlns:a16="http://schemas.microsoft.com/office/drawing/2014/main" id="{D71FCAD2-A048-0864-9B6B-5DFCF1B71488}"/>
-              </a:ext>
-            </a:extLst>
-          </p:cNvPr>
-          <p:cNvSpPr txBox="1"/>
-          <p:nvPr/>
-        </p:nvSpPr>
-        <p:spPr>
-          <a:xfrm>
-            <a:off x="269418" y="4171006"/>
-            <a:ext cx="5453746" cy="2308324"/>
-          </a:xfrm>
-          <a:prstGeom prst="rect">
-            <a:avLst/>
-          </a:prstGeom>
-          <a:noFill/>
-        </p:spPr>
-        <p:txBody>
-          <a:bodyPr wrap="square" rtlCol="0" anchor="ctr">
-            <a:spAutoFit/>
-          </a:bodyPr>
-          <a:lstStyle/>
-          <a:p>
-            <a:pPr algn="ctr"/>
-            <a:r>
-              <a:rPr lang="de-DE" altLang="ko-KR" sz="4800" dirty="0">
-                <a:solidFill>
-                  <a:schemeClr val="accent1">
-                    <a:lumMod val="50000"/>
-                  </a:schemeClr>
-                </a:solidFill>
-                <a:latin typeface="CMU Serif" panose="02000803000000000000" pitchFamily="2" charset="0"/>
-                <a:ea typeface="CMU Serif" panose="02000803000000000000" pitchFamily="2" charset="0"/>
-                <a:cs typeface="CMU Serif" panose="02000803000000000000" pitchFamily="2" charset="0"/>
-              </a:rPr>
-              <a:t>Vielen Dank</a:t>
-            </a:r>
-          </a:p>
-          <a:p>
-            <a:pPr algn="ctr"/>
-            <a:r>
-              <a:rPr lang="de-DE" altLang="ko-KR" sz="4800" dirty="0">
-                <a:solidFill>
-                  <a:schemeClr val="accent1">
-                    <a:lumMod val="50000"/>
-                  </a:schemeClr>
-                </a:solidFill>
-                <a:latin typeface="CMU Serif" panose="02000803000000000000" pitchFamily="2" charset="0"/>
-                <a:ea typeface="CMU Serif" panose="02000803000000000000" pitchFamily="2" charset="0"/>
-                <a:cs typeface="CMU Serif" panose="02000803000000000000" pitchFamily="2" charset="0"/>
-              </a:rPr>
-              <a:t>für</a:t>
-            </a:r>
-          </a:p>
-          <a:p>
-            <a:pPr algn="ctr"/>
-            <a:r>
-              <a:rPr lang="de-DE" altLang="ko-KR" sz="4800" dirty="0">
-                <a:solidFill>
-                  <a:schemeClr val="accent1">
-                    <a:lumMod val="50000"/>
-                  </a:schemeClr>
-                </a:solidFill>
-                <a:latin typeface="CMU Serif" panose="02000803000000000000" pitchFamily="2" charset="0"/>
-                <a:ea typeface="CMU Serif" panose="02000803000000000000" pitchFamily="2" charset="0"/>
-                <a:cs typeface="CMU Serif" panose="02000803000000000000" pitchFamily="2" charset="0"/>
-              </a:rPr>
-              <a:t>Aufmerksamkeit</a:t>
-            </a:r>
-          </a:p>
-        </p:txBody>
-      </p:sp>
-    </p:spTree>
-    <p:extLst>
-      <p:ext uri="{BB962C8B-B14F-4D97-AF65-F5344CB8AC3E}">
-        <p14:creationId xmlns:p14="http://schemas.microsoft.com/office/powerpoint/2010/main" val="1889622369"/>
       </p:ext>
     </p:extLst>
   </p:cSld>

--- a/Mietspiegel_in_Polen.pptx
+++ b/Mietspiegel_in_Polen.pptx
@@ -5560,11 +5560,26 @@
               </a:rPr>
               <a:t>Soll bei der Schätzung von Mietpreisen in großen polnischen Städten unterstützen:</a:t>
             </a:r>
-          </a:p>
-          <a:p>
-            <a:pPr>
-              <a:defRPr/>
-            </a:pPr>
+            <a:br>
+              <a:rPr lang="de-DE" dirty="0">
+                <a:solidFill>
+                  <a:srgbClr val="002060"/>
+                </a:solidFill>
+                <a:latin typeface="CMU Serif" panose="02000803000000000000" pitchFamily="2" charset="0"/>
+                <a:ea typeface="CMU Serif" panose="02000803000000000000" pitchFamily="2" charset="0"/>
+                <a:cs typeface="CMU Serif" panose="02000803000000000000" pitchFamily="2" charset="0"/>
+              </a:rPr>
+            </a:br>
+            <a:br>
+              <a:rPr lang="de-DE" dirty="0">
+                <a:solidFill>
+                  <a:srgbClr val="002060"/>
+                </a:solidFill>
+                <a:latin typeface="CMU Serif" panose="02000803000000000000" pitchFamily="2" charset="0"/>
+                <a:ea typeface="CMU Serif" panose="02000803000000000000" pitchFamily="2" charset="0"/>
+                <a:cs typeface="CMU Serif" panose="02000803000000000000" pitchFamily="2" charset="0"/>
+              </a:rPr>
+            </a:br>
             <a:endParaRPr lang="de-DE" dirty="0">
               <a:solidFill>
                 <a:srgbClr val="002060"/>
@@ -5575,9 +5590,7 @@
             </a:endParaRPr>
           </a:p>
           <a:p>
-            <a:pPr marL="457200" indent="-457200">
-              <a:buFont typeface="Arial"/>
-              <a:buChar char="•"/>
+            <a:pPr lvl="1">
               <a:defRPr/>
             </a:pPr>
             <a:r>
@@ -5593,9 +5606,7 @@
             </a:r>
           </a:p>
           <a:p>
-            <a:pPr marL="457200" indent="-457200">
-              <a:buFont typeface="Arial"/>
-              <a:buChar char="•"/>
+            <a:pPr lvl="1">
               <a:defRPr/>
             </a:pPr>
             <a:r>
@@ -6800,7 +6811,7 @@
                 <a:ea typeface="CMU Serif" panose="02000803000000000000" pitchFamily="2" charset="0"/>
                 <a:cs typeface="CMU Serif" panose="02000803000000000000" pitchFamily="2" charset="0"/>
               </a:rPr>
-              <a:t>Aussortierte Variablen 1.</a:t>
+              <a:t>Aussortierte Variablen 1</a:t>
             </a:r>
           </a:p>
         </p:txBody>
@@ -7260,7 +7271,7 @@
                 <a:ea typeface="CMU Serif" panose="02000803000000000000" pitchFamily="2" charset="0"/>
                 <a:cs typeface="CMU Serif" panose="02000803000000000000" pitchFamily="2" charset="0"/>
               </a:rPr>
-              <a:t>Aussortierte Variablen 2.</a:t>
+              <a:t>Aussortierte Variablen 2</a:t>
             </a:r>
           </a:p>
         </p:txBody>
@@ -7514,7 +7525,7 @@
                 <a:ea typeface="CMU Serif" panose="02000803000000000000" pitchFamily="2" charset="0"/>
                 <a:cs typeface="CMU Serif" panose="02000803000000000000" pitchFamily="2" charset="0"/>
               </a:rPr>
-              <a:t>Aussortierte Variablen 3.</a:t>
+              <a:t>Aussortierte Variablen 3</a:t>
             </a:r>
           </a:p>
         </p:txBody>
@@ -7534,7 +7545,7 @@
         <p:spPr>
           <a:xfrm>
             <a:off x="827314" y="2021087"/>
-            <a:ext cx="10537372" cy="3416320"/>
+            <a:ext cx="10537372" cy="3139321"/>
           </a:xfrm>
           <a:prstGeom prst="rect">
             <a:avLst/>
@@ -7560,7 +7571,7 @@
                 <a:ea typeface="CMU Serif" panose="02000803000000000000" pitchFamily="2" charset="0"/>
                 <a:cs typeface="CMU Serif" panose="02000803000000000000" pitchFamily="2" charset="0"/>
               </a:rPr>
-              <a:t>Mithilfe von Boxplot wurden 465 Ausreißer aus </a:t>
+              <a:t>Mithilfe eines Boxplot wurden 465 Ausreißer aus </a:t>
             </a:r>
             <a:r>
               <a:rPr lang="de-DE" dirty="0" err="1">
@@ -7685,7 +7696,7 @@
                 <a:ea typeface="CMU Serif" panose="02000803000000000000" pitchFamily="2" charset="0"/>
                 <a:cs typeface="CMU Serif" panose="02000803000000000000" pitchFamily="2" charset="0"/>
               </a:rPr>
-              <a:t>Aus ursprünglichen 8850 Einträgen haben wir am Ende 5384 valide Einträge für unser Modell.</a:t>
+              <a:t>Aus ursprünglichen 8850 Einträgen resultierten 5384 valide Einträge für unser Modell.</a:t>
             </a:r>
           </a:p>
           <a:p>
@@ -7716,7 +7727,7 @@
                 <a:ea typeface="CMU Serif" panose="02000803000000000000" pitchFamily="2" charset="0"/>
                 <a:cs typeface="CMU Serif" panose="02000803000000000000" pitchFamily="2" charset="0"/>
               </a:rPr>
-              <a:t>Ursprüngliche 28 Variablen haben wir auf 12 reduziert.  </a:t>
+              <a:t>Ursprüngliche 28 Variablen wurden auf 12 reduziert.  </a:t>
             </a:r>
           </a:p>
         </p:txBody>

--- a/Mietspiegel_in_Polen.pptx
+++ b/Mietspiegel_in_Polen.pptx
@@ -7398,7 +7398,7 @@
         <p:spPr>
           <a:xfrm>
             <a:off x="400050" y="2766148"/>
-            <a:ext cx="6196694" cy="3416320"/>
+            <a:ext cx="6196694" cy="2862322"/>
           </a:xfrm>
           <a:prstGeom prst="rect">
             <a:avLst/>
@@ -7424,8 +7424,27 @@
                 <a:ea typeface="CMU Serif" panose="02000803000000000000" pitchFamily="2" charset="0"/>
                 <a:cs typeface="CMU Serif" panose="02000803000000000000" pitchFamily="2" charset="0"/>
               </a:rPr>
-              <a:t>Korrelation vorhanden, jedoch nicht so stark.</a:t>
+              <a:t>Mittelmäßige Korrelation zwischen den </a:t>
             </a:r>
+            <a:r>
+              <a:rPr lang="de-DE">
+                <a:solidFill>
+                  <a:schemeClr val="accent1"/>
+                </a:solidFill>
+                <a:latin typeface="CMU Serif" panose="02000803000000000000" pitchFamily="2" charset="0"/>
+                <a:ea typeface="CMU Serif" panose="02000803000000000000" pitchFamily="2" charset="0"/>
+                <a:cs typeface="CMU Serif" panose="02000803000000000000" pitchFamily="2" charset="0"/>
+              </a:rPr>
+              <a:t>Variablen vorhanden</a:t>
+            </a:r>
+            <a:endParaRPr lang="de-DE" dirty="0">
+              <a:solidFill>
+                <a:schemeClr val="accent1"/>
+              </a:solidFill>
+              <a:latin typeface="CMU Serif" panose="02000803000000000000" pitchFamily="2" charset="0"/>
+              <a:ea typeface="CMU Serif" panose="02000803000000000000" pitchFamily="2" charset="0"/>
+              <a:cs typeface="CMU Serif" panose="02000803000000000000" pitchFamily="2" charset="0"/>
+            </a:endParaRPr>
           </a:p>
           <a:p>
             <a:pPr marL="285750" indent="-285750">

--- a/Mietspiegel_in_Polen.pptx
+++ b/Mietspiegel_in_Polen.pptx
@@ -7,7 +7,7 @@
     <p:sldMasterId id="2147483684" r:id="rId3"/>
   </p:sldMasterIdLst>
   <p:notesMasterIdLst>
-    <p:notesMasterId r:id="rId15"/>
+    <p:notesMasterId r:id="rId16"/>
   </p:notesMasterIdLst>
   <p:sldIdLst>
     <p:sldId id="309" r:id="rId4"/>
@@ -20,7 +20,8 @@
     <p:sldId id="322" r:id="rId11"/>
     <p:sldId id="317" r:id="rId12"/>
     <p:sldId id="319" r:id="rId13"/>
-    <p:sldId id="314" r:id="rId14"/>
+    <p:sldId id="261" r:id="rId14"/>
+    <p:sldId id="314" r:id="rId15"/>
   </p:sldIdLst>
   <p:sldSz cx="12192000" cy="6858000"/>
   <p:notesSz cx="6858000" cy="9144000"/>
@@ -2253,6 +2254,52 @@
 </file>
 
 <file path=ppt/slideLayouts/slideLayout15.xml><?xml version="1.0" encoding="utf-8"?>
+<p:sldLayout xmlns:a="http://schemas.openxmlformats.org/drawingml/2006/main" xmlns:r="http://schemas.openxmlformats.org/officeDocument/2006/relationships" xmlns:p="http://schemas.openxmlformats.org/presentationml/2006/main" userDrawn="1">
+  <p:cSld name="Section Break Slide layout">
+    <p:spTree>
+      <p:nvGrpSpPr>
+        <p:cNvPr id="1" name=""/>
+        <p:cNvGrpSpPr/>
+        <p:nvPr/>
+      </p:nvGrpSpPr>
+      <p:grpSpPr>
+        <a:xfrm>
+          <a:off x="0" y="0"/>
+          <a:ext cx="0" cy="0"/>
+          <a:chOff x="0" y="0"/>
+          <a:chExt cx="0" cy="0"/>
+        </a:xfrm>
+      </p:grpSpPr>
+    </p:spTree>
+    <p:extLst>
+      <p:ext uri="{BB962C8B-B14F-4D97-AF65-F5344CB8AC3E}">
+        <p14:creationId xmlns:p14="http://schemas.microsoft.com/office/powerpoint/2010/main" val="1395508382"/>
+      </p:ext>
+    </p:extLst>
+  </p:cSld>
+  <p:clrMapOvr>
+    <a:masterClrMapping/>
+  </p:clrMapOvr>
+  <p:extLst>
+    <p:ext uri="{DCECCB84-F9BA-43D5-87BE-67443E8EF086}">
+      <p15:sldGuideLst xmlns:p15="http://schemas.microsoft.com/office/powerpoint/2012/main">
+        <p15:guide id="1" orient="horz" pos="2160">
+          <p15:clr>
+            <a:srgbClr val="FBAE40"/>
+          </p15:clr>
+        </p15:guide>
+        <p15:guide id="2" pos="3840">
+          <p15:clr>
+            <a:srgbClr val="FBAE40"/>
+          </p15:clr>
+        </p15:guide>
+      </p15:sldGuideLst>
+    </p:ext>
+  </p:extLst>
+</p:sldLayout>
+</file>
+
+<file path=ppt/slideLayouts/slideLayout16.xml><?xml version="1.0" encoding="utf-8"?>
 <p:sldLayout xmlns:a="http://schemas.openxmlformats.org/drawingml/2006/main" xmlns:r="http://schemas.openxmlformats.org/officeDocument/2006/relationships" xmlns:p="http://schemas.openxmlformats.org/presentationml/2006/main" preserve="1" userDrawn="1">
   <p:cSld name="Section Break Slide layout">
     <p:spTree>
@@ -4077,6 +4124,7 @@
     <p:sldLayoutId id="2147483747" r:id="rId11"/>
     <p:sldLayoutId id="2147483746" r:id="rId12"/>
     <p:sldLayoutId id="2147483744" r:id="rId13"/>
+    <p:sldLayoutId id="2147483748" r:id="rId14"/>
   </p:sldLayoutIdLst>
   <p:hf sldNum="0" hdr="0" ftr="0"/>
   <p:txStyles>
@@ -5173,6 +5221,750 @@
           <a:chExt cx="0" cy="0"/>
         </a:xfrm>
       </p:grpSpPr>
+      <p:sp>
+        <p:nvSpPr>
+          <p:cNvPr id="4" name="TextBox 3">
+            <a:extLst>
+              <a:ext uri="{FF2B5EF4-FFF2-40B4-BE49-F238E27FC236}">
+                <a16:creationId xmlns:a16="http://schemas.microsoft.com/office/drawing/2014/main" id="{948A2979-A456-4286-B8FC-8FF4C0C58EFD}"/>
+              </a:ext>
+            </a:extLst>
+          </p:cNvPr>
+          <p:cNvSpPr txBox="1"/>
+          <p:nvPr/>
+        </p:nvSpPr>
+        <p:spPr>
+          <a:xfrm>
+            <a:off x="6096000" y="3007730"/>
+            <a:ext cx="5446295" cy="842538"/>
+          </a:xfrm>
+          <a:prstGeom prst="rect">
+            <a:avLst/>
+          </a:prstGeom>
+          <a:noFill/>
+        </p:spPr>
+        <p:txBody>
+          <a:bodyPr wrap="square" rtlCol="0" anchor="ctr">
+            <a:spAutoFit/>
+          </a:bodyPr>
+          <a:lstStyle/>
+          <a:p>
+            <a:pPr algn="ctr">
+              <a:lnSpc>
+                <a:spcPts val="5400"/>
+              </a:lnSpc>
+            </a:pPr>
+            <a:r>
+              <a:rPr lang="de-DE" altLang="ko-KR" sz="6000" dirty="0">
+                <a:solidFill>
+                  <a:srgbClr val="002060"/>
+                </a:solidFill>
+                <a:latin typeface="CMU Serif" panose="02000803000000000000" pitchFamily="2" charset="0"/>
+                <a:ea typeface="CMU Serif" panose="02000803000000000000" pitchFamily="2" charset="0"/>
+                <a:cs typeface="CMU Serif" panose="02000803000000000000" pitchFamily="2" charset="0"/>
+              </a:rPr>
+              <a:t>Live Demo</a:t>
+            </a:r>
+            <a:endParaRPr lang="de-DE" altLang="ko-KR" sz="6000" dirty="0">
+              <a:solidFill>
+                <a:schemeClr val="accent1"/>
+              </a:solidFill>
+              <a:latin typeface="CMU Serif" panose="02000803000000000000" pitchFamily="2" charset="0"/>
+              <a:ea typeface="CMU Serif" panose="02000803000000000000" pitchFamily="2" charset="0"/>
+              <a:cs typeface="CMU Serif" panose="02000803000000000000" pitchFamily="2" charset="0"/>
+            </a:endParaRPr>
+          </a:p>
+        </p:txBody>
+      </p:sp>
+      <p:sp>
+        <p:nvSpPr>
+          <p:cNvPr id="153" name="Freeform: Shape 152">
+            <a:extLst>
+              <a:ext uri="{FF2B5EF4-FFF2-40B4-BE49-F238E27FC236}">
+                <a16:creationId xmlns:a16="http://schemas.microsoft.com/office/drawing/2014/main" id="{F3B4A34E-C246-47F5-A863-109A43C0757D}"/>
+              </a:ext>
+            </a:extLst>
+          </p:cNvPr>
+          <p:cNvSpPr/>
+          <p:nvPr/>
+        </p:nvSpPr>
+        <p:spPr>
+          <a:xfrm>
+            <a:off x="649705" y="1752268"/>
+            <a:ext cx="5086770" cy="3128874"/>
+          </a:xfrm>
+          <a:custGeom>
+            <a:avLst/>
+            <a:gdLst>
+              <a:gd name="connsiteX0" fmla="*/ 5086770 w 5086770"/>
+              <a:gd name="connsiteY0" fmla="*/ 1174706 h 3128874"/>
+              <a:gd name="connsiteX1" fmla="*/ 5086770 w 5086770"/>
+              <a:gd name="connsiteY1" fmla="*/ 1184663 h 3128874"/>
+              <a:gd name="connsiteX2" fmla="*/ 5079830 w 5086770"/>
+              <a:gd name="connsiteY2" fmla="*/ 1185820 h 3128874"/>
+              <a:gd name="connsiteX3" fmla="*/ 5078289 w 5086770"/>
+              <a:gd name="connsiteY3" fmla="*/ 1182737 h 3128874"/>
+              <a:gd name="connsiteX4" fmla="*/ 5078289 w 5086770"/>
+              <a:gd name="connsiteY4" fmla="*/ 1179654 h 3128874"/>
+              <a:gd name="connsiteX5" fmla="*/ 1690658 w 5086770"/>
+              <a:gd name="connsiteY5" fmla="*/ 810655 h 3128874"/>
+              <a:gd name="connsiteX6" fmla="*/ 1349061 w 5086770"/>
+              <a:gd name="connsiteY6" fmla="*/ 1934928 h 3128874"/>
+              <a:gd name="connsiteX7" fmla="*/ 2035854 w 5086770"/>
+              <a:gd name="connsiteY7" fmla="*/ 1934928 h 3128874"/>
+              <a:gd name="connsiteX8" fmla="*/ 3765314 w 5086770"/>
+              <a:gd name="connsiteY8" fmla="*/ 0 h 3128874"/>
+              <a:gd name="connsiteX9" fmla="*/ 4465138 w 5086770"/>
+              <a:gd name="connsiteY9" fmla="*/ 0 h 3128874"/>
+              <a:gd name="connsiteX10" fmla="*/ 4675955 w 5086770"/>
+              <a:gd name="connsiteY10" fmla="*/ 0 h 3128874"/>
+              <a:gd name="connsiteX11" fmla="*/ 4659036 w 5086770"/>
+              <a:gd name="connsiteY11" fmla="*/ 34412 h 3128874"/>
+              <a:gd name="connsiteX12" fmla="*/ 4651327 w 5086770"/>
+              <a:gd name="connsiteY12" fmla="*/ 45203 h 3128874"/>
+              <a:gd name="connsiteX13" fmla="*/ 4648245 w 5086770"/>
+              <a:gd name="connsiteY13" fmla="*/ 51368 h 3128874"/>
+              <a:gd name="connsiteX14" fmla="*/ 4483319 w 5086770"/>
+              <a:gd name="connsiteY14" fmla="*/ 361184 h 3128874"/>
+              <a:gd name="connsiteX15" fmla="*/ 4480236 w 5086770"/>
+              <a:gd name="connsiteY15" fmla="*/ 373515 h 3128874"/>
+              <a:gd name="connsiteX16" fmla="*/ 4474071 w 5086770"/>
+              <a:gd name="connsiteY16" fmla="*/ 398176 h 3128874"/>
+              <a:gd name="connsiteX17" fmla="*/ 4450950 w 5086770"/>
+              <a:gd name="connsiteY17" fmla="*/ 498367 h 3128874"/>
+              <a:gd name="connsiteX18" fmla="*/ 4440161 w 5086770"/>
+              <a:gd name="connsiteY18" fmla="*/ 527652 h 3128874"/>
+              <a:gd name="connsiteX19" fmla="*/ 4441700 w 5086770"/>
+              <a:gd name="connsiteY19" fmla="*/ 539983 h 3128874"/>
+              <a:gd name="connsiteX20" fmla="*/ 4437078 w 5086770"/>
+              <a:gd name="connsiteY20" fmla="*/ 561562 h 3128874"/>
+              <a:gd name="connsiteX21" fmla="*/ 4433995 w 5086770"/>
+              <a:gd name="connsiteY21" fmla="*/ 576976 h 3128874"/>
+              <a:gd name="connsiteX22" fmla="*/ 4433994 w 5086770"/>
+              <a:gd name="connsiteY22" fmla="*/ 578519 h 3128874"/>
+              <a:gd name="connsiteX23" fmla="*/ 4413956 w 5086770"/>
+              <a:gd name="connsiteY23" fmla="*/ 797393 h 3128874"/>
+              <a:gd name="connsiteX24" fmla="*/ 4438619 w 5086770"/>
+              <a:gd name="connsiteY24" fmla="*/ 996230 h 3128874"/>
+              <a:gd name="connsiteX25" fmla="*/ 4433995 w 5086770"/>
+              <a:gd name="connsiteY25" fmla="*/ 1016268 h 3128874"/>
+              <a:gd name="connsiteX26" fmla="*/ 4435536 w 5086770"/>
+              <a:gd name="connsiteY26" fmla="*/ 1025517 h 3128874"/>
+              <a:gd name="connsiteX27" fmla="*/ 4437078 w 5086770"/>
+              <a:gd name="connsiteY27" fmla="*/ 1027057 h 3128874"/>
+              <a:gd name="connsiteX28" fmla="*/ 4432452 w 5086770"/>
+              <a:gd name="connsiteY28" fmla="*/ 1048636 h 3128874"/>
+              <a:gd name="connsiteX29" fmla="*/ 4413956 w 5086770"/>
+              <a:gd name="connsiteY29" fmla="*/ 1085630 h 3128874"/>
+              <a:gd name="connsiteX30" fmla="*/ 4196623 w 5086770"/>
+              <a:gd name="connsiteY30" fmla="*/ 1389280 h 3128874"/>
+              <a:gd name="connsiteX31" fmla="*/ 4085645 w 5086770"/>
+              <a:gd name="connsiteY31" fmla="*/ 1597365 h 3128874"/>
+              <a:gd name="connsiteX32" fmla="*/ 4216661 w 5086770"/>
+              <a:gd name="connsiteY32" fmla="*/ 1697556 h 3128874"/>
+              <a:gd name="connsiteX33" fmla="*/ 4250571 w 5086770"/>
+              <a:gd name="connsiteY33" fmla="*/ 1811617 h 3128874"/>
+              <a:gd name="connsiteX34" fmla="*/ 4173502 w 5086770"/>
+              <a:gd name="connsiteY34" fmla="*/ 1888685 h 3128874"/>
+              <a:gd name="connsiteX35" fmla="*/ 4213578 w 5086770"/>
+              <a:gd name="connsiteY35" fmla="*/ 2022784 h 3128874"/>
+              <a:gd name="connsiteX36" fmla="*/ 4347678 w 5086770"/>
+              <a:gd name="connsiteY36" fmla="*/ 2090605 h 3128874"/>
+              <a:gd name="connsiteX37" fmla="*/ 4233616 w 5086770"/>
+              <a:gd name="connsiteY37" fmla="*/ 2138388 h 3128874"/>
+              <a:gd name="connsiteX38" fmla="*/ 4227451 w 5086770"/>
+              <a:gd name="connsiteY38" fmla="*/ 2258616 h 3128874"/>
+              <a:gd name="connsiteX39" fmla="*/ 4350761 w 5086770"/>
+              <a:gd name="connsiteY39" fmla="*/ 2320270 h 3128874"/>
+              <a:gd name="connsiteX40" fmla="*/ 4333805 w 5086770"/>
+              <a:gd name="connsiteY40" fmla="*/ 2462077 h 3128874"/>
+              <a:gd name="connsiteX41" fmla="*/ 4467905 w 5086770"/>
+              <a:gd name="connsiteY41" fmla="*/ 2719486 h 3128874"/>
+              <a:gd name="connsiteX42" fmla="*/ 4800655 w 5086770"/>
+              <a:gd name="connsiteY42" fmla="*/ 2748491 h 3128874"/>
+              <a:gd name="connsiteX43" fmla="*/ 4838191 w 5086770"/>
+              <a:gd name="connsiteY43" fmla="*/ 2744074 h 3128874"/>
+              <a:gd name="connsiteX44" fmla="*/ 4863823 w 5086770"/>
+              <a:gd name="connsiteY44" fmla="*/ 2765476 h 3128874"/>
+              <a:gd name="connsiteX45" fmla="*/ 4934321 w 5086770"/>
+              <a:gd name="connsiteY45" fmla="*/ 2911083 h 3128874"/>
+              <a:gd name="connsiteX46" fmla="*/ 4964162 w 5086770"/>
+              <a:gd name="connsiteY46" fmla="*/ 3074402 h 3128874"/>
+              <a:gd name="connsiteX47" fmla="*/ 4967647 w 5086770"/>
+              <a:gd name="connsiteY47" fmla="*/ 3128874 h 3128874"/>
+              <a:gd name="connsiteX48" fmla="*/ 4465138 w 5086770"/>
+              <a:gd name="connsiteY48" fmla="*/ 3128874 h 3128874"/>
+              <a:gd name="connsiteX49" fmla="*/ 4465138 w 5086770"/>
+              <a:gd name="connsiteY49" fmla="*/ 3127460 h 3128874"/>
+              <a:gd name="connsiteX50" fmla="*/ 3765314 w 5086770"/>
+              <a:gd name="connsiteY50" fmla="*/ 3127460 h 3128874"/>
+              <a:gd name="connsiteX51" fmla="*/ 1175459 w 5086770"/>
+              <a:gd name="connsiteY51" fmla="*/ 0 h 3128874"/>
+              <a:gd name="connsiteX52" fmla="*/ 2229594 w 5086770"/>
+              <a:gd name="connsiteY52" fmla="*/ 0 h 3128874"/>
+              <a:gd name="connsiteX53" fmla="*/ 3404781 w 5086770"/>
+              <a:gd name="connsiteY53" fmla="*/ 3127460 h 3128874"/>
+              <a:gd name="connsiteX54" fmla="*/ 2392789 w 5086770"/>
+              <a:gd name="connsiteY54" fmla="*/ 3127460 h 3128874"/>
+              <a:gd name="connsiteX55" fmla="*/ 2236317 w 5086770"/>
+              <a:gd name="connsiteY55" fmla="*/ 2611186 h 3128874"/>
+              <a:gd name="connsiteX56" fmla="*/ 1139165 w 5086770"/>
+              <a:gd name="connsiteY56" fmla="*/ 2611186 h 3128874"/>
+              <a:gd name="connsiteX57" fmla="*/ 986721 w 5086770"/>
+              <a:gd name="connsiteY57" fmla="*/ 3127460 h 3128874"/>
+              <a:gd name="connsiteX58" fmla="*/ 0 w 5086770"/>
+              <a:gd name="connsiteY58" fmla="*/ 3127460 h 3128874"/>
+            </a:gdLst>
+            <a:ahLst/>
+            <a:cxnLst>
+              <a:cxn ang="0">
+                <a:pos x="connsiteX0" y="connsiteY0"/>
+              </a:cxn>
+              <a:cxn ang="0">
+                <a:pos x="connsiteX1" y="connsiteY1"/>
+              </a:cxn>
+              <a:cxn ang="0">
+                <a:pos x="connsiteX2" y="connsiteY2"/>
+              </a:cxn>
+              <a:cxn ang="0">
+                <a:pos x="connsiteX3" y="connsiteY3"/>
+              </a:cxn>
+              <a:cxn ang="0">
+                <a:pos x="connsiteX4" y="connsiteY4"/>
+              </a:cxn>
+              <a:cxn ang="0">
+                <a:pos x="connsiteX5" y="connsiteY5"/>
+              </a:cxn>
+              <a:cxn ang="0">
+                <a:pos x="connsiteX6" y="connsiteY6"/>
+              </a:cxn>
+              <a:cxn ang="0">
+                <a:pos x="connsiteX7" y="connsiteY7"/>
+              </a:cxn>
+              <a:cxn ang="0">
+                <a:pos x="connsiteX8" y="connsiteY8"/>
+              </a:cxn>
+              <a:cxn ang="0">
+                <a:pos x="connsiteX9" y="connsiteY9"/>
+              </a:cxn>
+              <a:cxn ang="0">
+                <a:pos x="connsiteX10" y="connsiteY10"/>
+              </a:cxn>
+              <a:cxn ang="0">
+                <a:pos x="connsiteX11" y="connsiteY11"/>
+              </a:cxn>
+              <a:cxn ang="0">
+                <a:pos x="connsiteX12" y="connsiteY12"/>
+              </a:cxn>
+              <a:cxn ang="0">
+                <a:pos x="connsiteX13" y="connsiteY13"/>
+              </a:cxn>
+              <a:cxn ang="0">
+                <a:pos x="connsiteX14" y="connsiteY14"/>
+              </a:cxn>
+              <a:cxn ang="0">
+                <a:pos x="connsiteX15" y="connsiteY15"/>
+              </a:cxn>
+              <a:cxn ang="0">
+                <a:pos x="connsiteX16" y="connsiteY16"/>
+              </a:cxn>
+              <a:cxn ang="0">
+                <a:pos x="connsiteX17" y="connsiteY17"/>
+              </a:cxn>
+              <a:cxn ang="0">
+                <a:pos x="connsiteX18" y="connsiteY18"/>
+              </a:cxn>
+              <a:cxn ang="0">
+                <a:pos x="connsiteX19" y="connsiteY19"/>
+              </a:cxn>
+              <a:cxn ang="0">
+                <a:pos x="connsiteX20" y="connsiteY20"/>
+              </a:cxn>
+              <a:cxn ang="0">
+                <a:pos x="connsiteX21" y="connsiteY21"/>
+              </a:cxn>
+              <a:cxn ang="0">
+                <a:pos x="connsiteX22" y="connsiteY22"/>
+              </a:cxn>
+              <a:cxn ang="0">
+                <a:pos x="connsiteX23" y="connsiteY23"/>
+              </a:cxn>
+              <a:cxn ang="0">
+                <a:pos x="connsiteX24" y="connsiteY24"/>
+              </a:cxn>
+              <a:cxn ang="0">
+                <a:pos x="connsiteX25" y="connsiteY25"/>
+              </a:cxn>
+              <a:cxn ang="0">
+                <a:pos x="connsiteX26" y="connsiteY26"/>
+              </a:cxn>
+              <a:cxn ang="0">
+                <a:pos x="connsiteX27" y="connsiteY27"/>
+              </a:cxn>
+              <a:cxn ang="0">
+                <a:pos x="connsiteX28" y="connsiteY28"/>
+              </a:cxn>
+              <a:cxn ang="0">
+                <a:pos x="connsiteX29" y="connsiteY29"/>
+              </a:cxn>
+              <a:cxn ang="0">
+                <a:pos x="connsiteX30" y="connsiteY30"/>
+              </a:cxn>
+              <a:cxn ang="0">
+                <a:pos x="connsiteX31" y="connsiteY31"/>
+              </a:cxn>
+              <a:cxn ang="0">
+                <a:pos x="connsiteX32" y="connsiteY32"/>
+              </a:cxn>
+              <a:cxn ang="0">
+                <a:pos x="connsiteX33" y="connsiteY33"/>
+              </a:cxn>
+              <a:cxn ang="0">
+                <a:pos x="connsiteX34" y="connsiteY34"/>
+              </a:cxn>
+              <a:cxn ang="0">
+                <a:pos x="connsiteX35" y="connsiteY35"/>
+              </a:cxn>
+              <a:cxn ang="0">
+                <a:pos x="connsiteX36" y="connsiteY36"/>
+              </a:cxn>
+              <a:cxn ang="0">
+                <a:pos x="connsiteX37" y="connsiteY37"/>
+              </a:cxn>
+              <a:cxn ang="0">
+                <a:pos x="connsiteX38" y="connsiteY38"/>
+              </a:cxn>
+              <a:cxn ang="0">
+                <a:pos x="connsiteX39" y="connsiteY39"/>
+              </a:cxn>
+              <a:cxn ang="0">
+                <a:pos x="connsiteX40" y="connsiteY40"/>
+              </a:cxn>
+              <a:cxn ang="0">
+                <a:pos x="connsiteX41" y="connsiteY41"/>
+              </a:cxn>
+              <a:cxn ang="0">
+                <a:pos x="connsiteX42" y="connsiteY42"/>
+              </a:cxn>
+              <a:cxn ang="0">
+                <a:pos x="connsiteX43" y="connsiteY43"/>
+              </a:cxn>
+              <a:cxn ang="0">
+                <a:pos x="connsiteX44" y="connsiteY44"/>
+              </a:cxn>
+              <a:cxn ang="0">
+                <a:pos x="connsiteX45" y="connsiteY45"/>
+              </a:cxn>
+              <a:cxn ang="0">
+                <a:pos x="connsiteX46" y="connsiteY46"/>
+              </a:cxn>
+              <a:cxn ang="0">
+                <a:pos x="connsiteX47" y="connsiteY47"/>
+              </a:cxn>
+              <a:cxn ang="0">
+                <a:pos x="connsiteX48" y="connsiteY48"/>
+              </a:cxn>
+              <a:cxn ang="0">
+                <a:pos x="connsiteX49" y="connsiteY49"/>
+              </a:cxn>
+              <a:cxn ang="0">
+                <a:pos x="connsiteX50" y="connsiteY50"/>
+              </a:cxn>
+              <a:cxn ang="0">
+                <a:pos x="connsiteX51" y="connsiteY51"/>
+              </a:cxn>
+              <a:cxn ang="0">
+                <a:pos x="connsiteX52" y="connsiteY52"/>
+              </a:cxn>
+              <a:cxn ang="0">
+                <a:pos x="connsiteX53" y="connsiteY53"/>
+              </a:cxn>
+              <a:cxn ang="0">
+                <a:pos x="connsiteX54" y="connsiteY54"/>
+              </a:cxn>
+              <a:cxn ang="0">
+                <a:pos x="connsiteX55" y="connsiteY55"/>
+              </a:cxn>
+              <a:cxn ang="0">
+                <a:pos x="connsiteX56" y="connsiteY56"/>
+              </a:cxn>
+              <a:cxn ang="0">
+                <a:pos x="connsiteX57" y="connsiteY57"/>
+              </a:cxn>
+              <a:cxn ang="0">
+                <a:pos x="connsiteX58" y="connsiteY58"/>
+              </a:cxn>
+            </a:cxnLst>
+            <a:rect l="l" t="t" r="r" b="b"/>
+            <a:pathLst>
+              <a:path w="5086770" h="3128874">
+                <a:moveTo>
+                  <a:pt x="5086770" y="1174706"/>
+                </a:moveTo>
+                <a:lnTo>
+                  <a:pt x="5086770" y="1184663"/>
+                </a:lnTo>
+                <a:lnTo>
+                  <a:pt x="5079830" y="1185820"/>
+                </a:lnTo>
+                <a:cubicBezTo>
+                  <a:pt x="5079829" y="1184277"/>
+                  <a:pt x="5078289" y="1184277"/>
+                  <a:pt x="5078289" y="1182737"/>
+                </a:cubicBezTo>
+                <a:lnTo>
+                  <a:pt x="5078289" y="1179654"/>
+                </a:lnTo>
+                <a:close/>
+                <a:moveTo>
+                  <a:pt x="1690658" y="810655"/>
+                </a:moveTo>
+                <a:lnTo>
+                  <a:pt x="1349061" y="1934928"/>
+                </a:lnTo>
+                <a:lnTo>
+                  <a:pt x="2035854" y="1934928"/>
+                </a:lnTo>
+                <a:close/>
+                <a:moveTo>
+                  <a:pt x="3765314" y="0"/>
+                </a:moveTo>
+                <a:lnTo>
+                  <a:pt x="4465138" y="0"/>
+                </a:lnTo>
+                <a:lnTo>
+                  <a:pt x="4675955" y="0"/>
+                </a:lnTo>
+                <a:lnTo>
+                  <a:pt x="4659036" y="34412"/>
+                </a:lnTo>
+                <a:cubicBezTo>
+                  <a:pt x="4655952" y="37496"/>
+                  <a:pt x="4652870" y="40578"/>
+                  <a:pt x="4651327" y="45203"/>
+                </a:cubicBezTo>
+                <a:cubicBezTo>
+                  <a:pt x="4649787" y="48285"/>
+                  <a:pt x="4649788" y="49827"/>
+                  <a:pt x="4648245" y="51368"/>
+                </a:cubicBezTo>
+                <a:cubicBezTo>
+                  <a:pt x="4632831" y="72947"/>
+                  <a:pt x="4528018" y="224002"/>
+                  <a:pt x="4483319" y="361184"/>
+                </a:cubicBezTo>
+                <a:cubicBezTo>
+                  <a:pt x="4481777" y="365808"/>
+                  <a:pt x="4480236" y="368891"/>
+                  <a:pt x="4480236" y="373515"/>
+                </a:cubicBezTo>
+                <a:cubicBezTo>
+                  <a:pt x="4478694" y="381223"/>
+                  <a:pt x="4475612" y="390471"/>
+                  <a:pt x="4474071" y="398176"/>
+                </a:cubicBezTo>
+                <a:cubicBezTo>
+                  <a:pt x="4466362" y="432087"/>
+                  <a:pt x="4458657" y="465997"/>
+                  <a:pt x="4450950" y="498367"/>
+                </a:cubicBezTo>
+                <a:cubicBezTo>
+                  <a:pt x="4444783" y="506073"/>
+                  <a:pt x="4440160" y="516863"/>
+                  <a:pt x="4440161" y="527652"/>
+                </a:cubicBezTo>
+                <a:cubicBezTo>
+                  <a:pt x="4440160" y="532277"/>
+                  <a:pt x="4440160" y="535360"/>
+                  <a:pt x="4441700" y="539983"/>
+                </a:cubicBezTo>
+                <a:cubicBezTo>
+                  <a:pt x="4440161" y="547691"/>
+                  <a:pt x="4438618" y="555397"/>
+                  <a:pt x="4437078" y="561562"/>
+                </a:cubicBezTo>
+                <a:cubicBezTo>
+                  <a:pt x="4435535" y="566187"/>
+                  <a:pt x="4433995" y="570810"/>
+                  <a:pt x="4433995" y="576976"/>
+                </a:cubicBezTo>
+                <a:cubicBezTo>
+                  <a:pt x="4433995" y="576976"/>
+                  <a:pt x="4433994" y="578519"/>
+                  <a:pt x="4433994" y="578519"/>
+                </a:cubicBezTo>
+                <a:cubicBezTo>
+                  <a:pt x="4417039" y="674083"/>
+                  <a:pt x="4407790" y="755776"/>
+                  <a:pt x="4413956" y="797393"/>
+                </a:cubicBezTo>
+                <a:cubicBezTo>
+                  <a:pt x="4421664" y="846717"/>
+                  <a:pt x="4440160" y="929951"/>
+                  <a:pt x="4438619" y="996230"/>
+                </a:cubicBezTo>
+                <a:cubicBezTo>
+                  <a:pt x="4435535" y="1002395"/>
+                  <a:pt x="4433995" y="1008560"/>
+                  <a:pt x="4433995" y="1016268"/>
+                </a:cubicBezTo>
+                <a:cubicBezTo>
+                  <a:pt x="4433995" y="1019351"/>
+                  <a:pt x="4435536" y="1022434"/>
+                  <a:pt x="4435536" y="1025517"/>
+                </a:cubicBezTo>
+                <a:cubicBezTo>
+                  <a:pt x="4435536" y="1025517"/>
+                  <a:pt x="4435535" y="1027057"/>
+                  <a:pt x="4437078" y="1027057"/>
+                </a:cubicBezTo>
+                <a:cubicBezTo>
+                  <a:pt x="4435536" y="1034764"/>
+                  <a:pt x="4433994" y="1042471"/>
+                  <a:pt x="4432452" y="1048636"/>
+                </a:cubicBezTo>
+                <a:lnTo>
+                  <a:pt x="4413956" y="1085630"/>
+                </a:lnTo>
+                <a:cubicBezTo>
+                  <a:pt x="4369257" y="1164240"/>
+                  <a:pt x="4258278" y="1339957"/>
+                  <a:pt x="4196623" y="1389280"/>
+                </a:cubicBezTo>
+                <a:cubicBezTo>
+                  <a:pt x="4128802" y="1441687"/>
+                  <a:pt x="4062523" y="1538793"/>
+                  <a:pt x="4085645" y="1597365"/>
+                </a:cubicBezTo>
+                <a:cubicBezTo>
+                  <a:pt x="4119555" y="1660562"/>
+                  <a:pt x="4181210" y="1688307"/>
+                  <a:pt x="4216661" y="1697556"/>
+                </a:cubicBezTo>
+                <a:cubicBezTo>
+                  <a:pt x="4252112" y="1706804"/>
+                  <a:pt x="4275233" y="1779247"/>
+                  <a:pt x="4250571" y="1811617"/>
+                </a:cubicBezTo>
+                <a:cubicBezTo>
+                  <a:pt x="4225909" y="1843985"/>
+                  <a:pt x="4187375" y="1853233"/>
+                  <a:pt x="4173502" y="1888685"/>
+                </a:cubicBezTo>
+                <a:cubicBezTo>
+                  <a:pt x="4159630" y="1924137"/>
+                  <a:pt x="4153465" y="1998123"/>
+                  <a:pt x="4213578" y="2022784"/>
+                </a:cubicBezTo>
+                <a:cubicBezTo>
+                  <a:pt x="4259818" y="2041281"/>
+                  <a:pt x="4349219" y="2081356"/>
+                  <a:pt x="4347678" y="2090605"/>
+                </a:cubicBezTo>
+                <a:cubicBezTo>
+                  <a:pt x="4346136" y="2099853"/>
+                  <a:pt x="4250570" y="2107561"/>
+                  <a:pt x="4233616" y="2138388"/>
+                </a:cubicBezTo>
+                <a:cubicBezTo>
+                  <a:pt x="4216660" y="2169216"/>
+                  <a:pt x="4204330" y="2220080"/>
+                  <a:pt x="4227451" y="2258616"/>
+                </a:cubicBezTo>
+                <a:cubicBezTo>
+                  <a:pt x="4250571" y="2297149"/>
+                  <a:pt x="4332264" y="2292526"/>
+                  <a:pt x="4350761" y="2320270"/>
+                </a:cubicBezTo>
+                <a:cubicBezTo>
+                  <a:pt x="4381588" y="2371135"/>
+                  <a:pt x="4358466" y="2378843"/>
+                  <a:pt x="4333805" y="2462077"/>
+                </a:cubicBezTo>
+                <a:cubicBezTo>
+                  <a:pt x="4306060" y="2551476"/>
+                  <a:pt x="4302977" y="2650125"/>
+                  <a:pt x="4467905" y="2719486"/>
+                </a:cubicBezTo>
+                <a:cubicBezTo>
+                  <a:pt x="4562314" y="2758983"/>
+                  <a:pt x="4694054" y="2758743"/>
+                  <a:pt x="4800655" y="2748491"/>
+                </a:cubicBezTo>
+                <a:lnTo>
+                  <a:pt x="4838191" y="2744074"/>
+                </a:lnTo>
+                <a:lnTo>
+                  <a:pt x="4863823" y="2765476"/>
+                </a:lnTo>
+                <a:cubicBezTo>
+                  <a:pt x="4895578" y="2799449"/>
+                  <a:pt x="4917344" y="2847230"/>
+                  <a:pt x="4934321" y="2911083"/>
+                </a:cubicBezTo>
+                <a:cubicBezTo>
+                  <a:pt x="4945640" y="2953651"/>
+                  <a:pt x="4957371" y="3013267"/>
+                  <a:pt x="4964162" y="3074402"/>
+                </a:cubicBezTo>
+                <a:lnTo>
+                  <a:pt x="4967647" y="3128874"/>
+                </a:lnTo>
+                <a:lnTo>
+                  <a:pt x="4465138" y="3128874"/>
+                </a:lnTo>
+                <a:lnTo>
+                  <a:pt x="4465138" y="3127460"/>
+                </a:lnTo>
+                <a:lnTo>
+                  <a:pt x="3765314" y="3127460"/>
+                </a:lnTo>
+                <a:close/>
+                <a:moveTo>
+                  <a:pt x="1175459" y="0"/>
+                </a:moveTo>
+                <a:lnTo>
+                  <a:pt x="2229594" y="0"/>
+                </a:lnTo>
+                <a:lnTo>
+                  <a:pt x="3404781" y="3127460"/>
+                </a:lnTo>
+                <a:lnTo>
+                  <a:pt x="2392789" y="3127460"/>
+                </a:lnTo>
+                <a:lnTo>
+                  <a:pt x="2236317" y="2611186"/>
+                </a:lnTo>
+                <a:lnTo>
+                  <a:pt x="1139165" y="2611186"/>
+                </a:lnTo>
+                <a:lnTo>
+                  <a:pt x="986721" y="3127460"/>
+                </a:lnTo>
+                <a:lnTo>
+                  <a:pt x="0" y="3127460"/>
+                </a:lnTo>
+                <a:close/>
+              </a:path>
+            </a:pathLst>
+          </a:custGeom>
+          <a:solidFill>
+            <a:srgbClr val="002060"/>
+          </a:solidFill>
+          <a:ln>
+            <a:noFill/>
+          </a:ln>
+        </p:spPr>
+        <p:style>
+          <a:lnRef idx="2">
+            <a:schemeClr val="accent1">
+              <a:shade val="50000"/>
+            </a:schemeClr>
+          </a:lnRef>
+          <a:fillRef idx="1">
+            <a:schemeClr val="accent1"/>
+          </a:fillRef>
+          <a:effectRef idx="0">
+            <a:schemeClr val="accent1"/>
+          </a:effectRef>
+          <a:fontRef idx="minor">
+            <a:schemeClr val="lt1"/>
+          </a:fontRef>
+        </p:style>
+        <p:txBody>
+          <a:bodyPr rtlCol="0" anchor="ctr"/>
+          <a:lstStyle/>
+          <a:p>
+            <a:pPr algn="ctr"/>
+            <a:endParaRPr lang="en-US"/>
+          </a:p>
+        </p:txBody>
+      </p:sp>
+      <p:sp>
+        <p:nvSpPr>
+          <p:cNvPr id="2" name="Rechteck 1">
+            <a:extLst>
+              <a:ext uri="{FF2B5EF4-FFF2-40B4-BE49-F238E27FC236}">
+                <a16:creationId xmlns:a16="http://schemas.microsoft.com/office/drawing/2014/main" id="{96AA9A24-87CF-4FD9-A062-3E8FD5FCE155}"/>
+              </a:ext>
+            </a:extLst>
+          </p:cNvPr>
+          <p:cNvSpPr/>
+          <p:nvPr/>
+        </p:nvSpPr>
+        <p:spPr>
+          <a:xfrm>
+            <a:off x="-39394" y="6497053"/>
+            <a:ext cx="12270787" cy="425115"/>
+          </a:xfrm>
+          <a:prstGeom prst="rect">
+            <a:avLst/>
+          </a:prstGeom>
+          <a:solidFill>
+            <a:srgbClr val="AA313F"/>
+          </a:solidFill>
+          <a:ln>
+            <a:noFill/>
+          </a:ln>
+        </p:spPr>
+        <p:style>
+          <a:lnRef idx="2">
+            <a:schemeClr val="accent1">
+              <a:shade val="50000"/>
+            </a:schemeClr>
+          </a:lnRef>
+          <a:fillRef idx="1">
+            <a:schemeClr val="accent1"/>
+          </a:fillRef>
+          <a:effectRef idx="0">
+            <a:schemeClr val="accent1"/>
+          </a:effectRef>
+          <a:fontRef idx="minor">
+            <a:schemeClr val="lt1"/>
+          </a:fontRef>
+        </p:style>
+        <p:txBody>
+          <a:bodyPr rtlCol="0" anchor="ctr"/>
+          <a:lstStyle/>
+          <a:p>
+            <a:pPr algn="ctr"/>
+            <a:endParaRPr lang="de-DE"/>
+          </a:p>
+        </p:txBody>
+      </p:sp>
+    </p:spTree>
+    <p:extLst>
+      <p:ext uri="{BB962C8B-B14F-4D97-AF65-F5344CB8AC3E}">
+        <p14:creationId xmlns:p14="http://schemas.microsoft.com/office/powerpoint/2010/main" val="1100588271"/>
+      </p:ext>
+    </p:extLst>
+  </p:cSld>
+  <p:clrMapOvr>
+    <a:masterClrMapping/>
+  </p:clrMapOvr>
+  <p:transition spd="slow">
+    <p:push dir="u"/>
+  </p:transition>
+</p:sld>
+</file>
+
+<file path=ppt/slides/slide12.xml><?xml version="1.0" encoding="utf-8"?>
+<p:sld xmlns:a="http://schemas.openxmlformats.org/drawingml/2006/main" xmlns:r="http://schemas.openxmlformats.org/officeDocument/2006/relationships" xmlns:p="http://schemas.openxmlformats.org/presentationml/2006/main">
+  <p:cSld>
+    <p:spTree>
+      <p:nvGrpSpPr>
+        <p:cNvPr id="1" name=""/>
+        <p:cNvGrpSpPr/>
+        <p:nvPr/>
+      </p:nvGrpSpPr>
+      <p:grpSpPr>
+        <a:xfrm>
+          <a:off x="0" y="0"/>
+          <a:ext cx="0" cy="0"/>
+          <a:chOff x="0" y="0"/>
+          <a:chExt cx="0" cy="0"/>
+        </a:xfrm>
+      </p:grpSpPr>
       <p:pic>
         <p:nvPicPr>
           <p:cNvPr id="3" name="Grafik 2">
@@ -5674,8 +6466,8 @@
         </p:nvSpPr>
         <p:spPr>
           <a:xfrm>
-            <a:off x="2120735" y="388495"/>
-            <a:ext cx="3975266" cy="724247"/>
+            <a:off x="2120734" y="388495"/>
+            <a:ext cx="8215251" cy="724247"/>
           </a:xfrm>
         </p:spPr>
         <p:txBody>
@@ -5688,7 +6480,7 @@
                 <a:ea typeface="CMU Serif" panose="02000803000000000000" pitchFamily="2" charset="0"/>
                 <a:cs typeface="CMU Serif" panose="02000803000000000000" pitchFamily="2" charset="0"/>
               </a:rPr>
-              <a:t>Datensatz</a:t>
+              <a:t>Bereinigter Datensatz</a:t>
             </a:r>
           </a:p>
         </p:txBody>
@@ -8042,7 +8834,7 @@
                 <a:ea typeface="CMU Serif" panose="02000803000000000000" pitchFamily="2" charset="0"/>
                 <a:cs typeface="CMU Serif" panose="02000803000000000000" pitchFamily="2" charset="0"/>
               </a:rPr>
-              <a:t>Besonderheiten</a:t>
+              <a:t>Besonderheit</a:t>
             </a:r>
           </a:p>
         </p:txBody>
@@ -9064,7 +9856,7 @@
           <p:nvPr>
             <p:extLst>
               <p:ext uri="{D42A27DB-BD31-4B8C-83A1-F6EECF244321}">
-                <p14:modId xmlns:p14="http://schemas.microsoft.com/office/powerpoint/2010/main" val="3824551464"/>
+                <p14:modId xmlns:p14="http://schemas.microsoft.com/office/powerpoint/2010/main" val="2025018921"/>
               </p:ext>
             </p:extLst>
           </p:nvPr>
@@ -9260,7 +10052,7 @@
                           <a:ea typeface="CMU Serif" panose="02000803000000000000" pitchFamily="2" charset="0"/>
                           <a:cs typeface="CMU Serif" panose="02000803000000000000" pitchFamily="2" charset="0"/>
                         </a:rPr>
-                        <a:t>Nicht Lin. Modell ohne Ausreißer</a:t>
+                        <a:t>Lin. Modell ohne Ausreißer</a:t>
                       </a:r>
                     </a:p>
                     <a:p>
@@ -9716,7 +10508,7 @@
                 <a:ea typeface="CMU Serif" panose="02000803000000000000" pitchFamily="2" charset="0"/>
                 <a:cs typeface="CMU Serif" panose="02000803000000000000" pitchFamily="2" charset="0"/>
               </a:rPr>
-              <a:t>Nicht Lineares Modell wurde gewählt.</a:t>
+              <a:t>Lineares Modell mit log() Zielvariable wurde gewählt.</a:t>
             </a:r>
           </a:p>
         </p:txBody>
